--- a/Presentation/Presentation1.pptx
+++ b/Presentation/Presentation1.pptx
@@ -6,16 +6,33 @@
   </p:sldMasterIdLst>
   <p:sldIdLst>
     <p:sldId id="256" r:id="rId2"/>
-    <p:sldId id="257" r:id="rId3"/>
-    <p:sldId id="264" r:id="rId4"/>
-    <p:sldId id="263" r:id="rId5"/>
-    <p:sldId id="265" r:id="rId6"/>
-    <p:sldId id="266" r:id="rId7"/>
-    <p:sldId id="261" r:id="rId8"/>
-    <p:sldId id="260" r:id="rId9"/>
-    <p:sldId id="262" r:id="rId10"/>
-    <p:sldId id="258" r:id="rId11"/>
-    <p:sldId id="259" r:id="rId12"/>
+    <p:sldId id="275" r:id="rId3"/>
+    <p:sldId id="280" r:id="rId4"/>
+    <p:sldId id="257" r:id="rId5"/>
+    <p:sldId id="278" r:id="rId6"/>
+    <p:sldId id="279" r:id="rId7"/>
+    <p:sldId id="277" r:id="rId8"/>
+    <p:sldId id="269" r:id="rId9"/>
+    <p:sldId id="281" r:id="rId10"/>
+    <p:sldId id="264" r:id="rId11"/>
+    <p:sldId id="263" r:id="rId12"/>
+    <p:sldId id="265" r:id="rId13"/>
+    <p:sldId id="266" r:id="rId14"/>
+    <p:sldId id="267" r:id="rId15"/>
+    <p:sldId id="261" r:id="rId16"/>
+    <p:sldId id="268" r:id="rId17"/>
+    <p:sldId id="282" r:id="rId18"/>
+    <p:sldId id="274" r:id="rId19"/>
+    <p:sldId id="273" r:id="rId20"/>
+    <p:sldId id="283" r:id="rId21"/>
+    <p:sldId id="285" r:id="rId22"/>
+    <p:sldId id="284" r:id="rId23"/>
+    <p:sldId id="286" r:id="rId24"/>
+    <p:sldId id="287" r:id="rId25"/>
+    <p:sldId id="290" r:id="rId26"/>
+    <p:sldId id="288" r:id="rId27"/>
+    <p:sldId id="291" r:id="rId28"/>
+    <p:sldId id="259" r:id="rId29"/>
   </p:sldIdLst>
   <p:sldSz cx="12192000" cy="6858000"/>
   <p:notesSz cx="6858000" cy="9144000"/>
@@ -348,7 +365,7 @@
           <a:p>
             <a:fld id="{48930F4F-D335-4CFA-BECC-1F3733C1A450}" type="datetimeFigureOut">
               <a:rPr lang="en-IN" smtClean="0"/>
-              <a:t>05-09-2015</a:t>
+              <a:t>07-09-2015</a:t>
             </a:fld>
             <a:endParaRPr lang="en-IN"/>
           </a:p>
@@ -556,7 +573,7 @@
           <a:p>
             <a:fld id="{48930F4F-D335-4CFA-BECC-1F3733C1A450}" type="datetimeFigureOut">
               <a:rPr lang="en-IN" smtClean="0"/>
-              <a:t>05-09-2015</a:t>
+              <a:t>07-09-2015</a:t>
             </a:fld>
             <a:endParaRPr lang="en-IN"/>
           </a:p>
@@ -812,7 +829,7 @@
           <a:p>
             <a:fld id="{48930F4F-D335-4CFA-BECC-1F3733C1A450}" type="datetimeFigureOut">
               <a:rPr lang="en-IN" smtClean="0"/>
-              <a:t>05-09-2015</a:t>
+              <a:t>07-09-2015</a:t>
             </a:fld>
             <a:endParaRPr lang="en-IN"/>
           </a:p>
@@ -1045,7 +1062,7 @@
           <a:p>
             <a:fld id="{48930F4F-D335-4CFA-BECC-1F3733C1A450}" type="datetimeFigureOut">
               <a:rPr lang="en-IN" smtClean="0"/>
-              <a:t>05-09-2015</a:t>
+              <a:t>07-09-2015</a:t>
             </a:fld>
             <a:endParaRPr lang="en-IN"/>
           </a:p>
@@ -1395,7 +1412,7 @@
           <a:p>
             <a:fld id="{48930F4F-D335-4CFA-BECC-1F3733C1A450}" type="datetimeFigureOut">
               <a:rPr lang="en-IN" smtClean="0"/>
-              <a:t>05-09-2015</a:t>
+              <a:t>07-09-2015</a:t>
             </a:fld>
             <a:endParaRPr lang="en-IN"/>
           </a:p>
@@ -1670,7 +1687,7 @@
           <a:p>
             <a:fld id="{48930F4F-D335-4CFA-BECC-1F3733C1A450}" type="datetimeFigureOut">
               <a:rPr lang="en-IN" smtClean="0"/>
-              <a:t>05-09-2015</a:t>
+              <a:t>07-09-2015</a:t>
             </a:fld>
             <a:endParaRPr lang="en-IN"/>
           </a:p>
@@ -2049,7 +2066,7 @@
           <a:p>
             <a:fld id="{48930F4F-D335-4CFA-BECC-1F3733C1A450}" type="datetimeFigureOut">
               <a:rPr lang="en-IN" smtClean="0"/>
-              <a:t>05-09-2015</a:t>
+              <a:t>07-09-2015</a:t>
             </a:fld>
             <a:endParaRPr lang="en-IN"/>
           </a:p>
@@ -2167,7 +2184,7 @@
           <a:p>
             <a:fld id="{48930F4F-D335-4CFA-BECC-1F3733C1A450}" type="datetimeFigureOut">
               <a:rPr lang="en-IN" smtClean="0"/>
-              <a:t>05-09-2015</a:t>
+              <a:t>07-09-2015</a:t>
             </a:fld>
             <a:endParaRPr lang="en-IN"/>
           </a:p>
@@ -2338,7 +2355,7 @@
           <a:p>
             <a:fld id="{48930F4F-D335-4CFA-BECC-1F3733C1A450}" type="datetimeFigureOut">
               <a:rPr lang="en-IN" smtClean="0"/>
-              <a:t>05-09-2015</a:t>
+              <a:t>07-09-2015</a:t>
             </a:fld>
             <a:endParaRPr lang="en-IN"/>
           </a:p>
@@ -2692,7 +2709,7 @@
           <a:p>
             <a:fld id="{48930F4F-D335-4CFA-BECC-1F3733C1A450}" type="datetimeFigureOut">
               <a:rPr lang="en-IN" smtClean="0"/>
-              <a:t>05-09-2015</a:t>
+              <a:t>07-09-2015</a:t>
             </a:fld>
             <a:endParaRPr lang="en-IN"/>
           </a:p>
@@ -3069,7 +3086,7 @@
           <a:p>
             <a:fld id="{48930F4F-D335-4CFA-BECC-1F3733C1A450}" type="datetimeFigureOut">
               <a:rPr lang="en-IN" smtClean="0"/>
-              <a:t>05-09-2015</a:t>
+              <a:t>07-09-2015</a:t>
             </a:fld>
             <a:endParaRPr lang="en-IN"/>
           </a:p>
@@ -3356,7 +3373,7 @@
           <a:p>
             <a:fld id="{48930F4F-D335-4CFA-BECC-1F3733C1A450}" type="datetimeFigureOut">
               <a:rPr lang="en-IN" smtClean="0"/>
-              <a:t>05-09-2015</a:t>
+              <a:t>07-09-2015</a:t>
             </a:fld>
             <a:endParaRPr lang="en-IN"/>
           </a:p>
@@ -3908,6 +3925,13 @@
                 <a:solidFill>
                   <a:srgbClr val="FF9900"/>
                 </a:solidFill>
+                <a:effectLst>
+                  <a:outerShdw blurRad="38100" dist="38100" dir="2700000" algn="tl">
+                    <a:srgbClr val="000000">
+                      <a:alpha val="43137"/>
+                    </a:srgbClr>
+                  </a:outerShdw>
+                </a:effectLst>
                 <a:latin typeface="Times New Roman" panose="02020603050405020304" pitchFamily="18" charset="0"/>
                 <a:cs typeface="Times New Roman" panose="02020603050405020304" pitchFamily="18" charset="0"/>
               </a:rPr>
@@ -3917,6 +3941,13 @@
               <a:solidFill>
                 <a:srgbClr val="FF9900"/>
               </a:solidFill>
+              <a:effectLst>
+                <a:outerShdw blurRad="38100" dist="38100" dir="2700000" algn="tl">
+                  <a:srgbClr val="000000">
+                    <a:alpha val="43137"/>
+                  </a:srgbClr>
+                </a:outerShdw>
+              </a:effectLst>
               <a:latin typeface="Times New Roman" panose="02020603050405020304" pitchFamily="18" charset="0"/>
               <a:cs typeface="Times New Roman" panose="02020603050405020304" pitchFamily="18" charset="0"/>
             </a:endParaRPr>
@@ -4051,22 +4082,14 @@
         </p:nvSpPr>
         <p:spPr/>
         <p:txBody>
-          <a:bodyPr>
-            <a:normAutofit/>
-          </a:bodyPr>
-          <a:lstStyle/>
-          <a:p>
-            <a:r>
-              <a:rPr lang="en-IN" dirty="0" smtClean="0">
-                <a:latin typeface="Times New Roman" panose="02020603050405020304" pitchFamily="18" charset="0"/>
-                <a:cs typeface="Times New Roman" panose="02020603050405020304" pitchFamily="18" charset="0"/>
-              </a:rPr>
-              <a:t>What makes ASICs faster than classical processors ?</a:t>
-            </a:r>
-            <a:endParaRPr lang="en-IN" dirty="0">
-              <a:latin typeface="Times New Roman" panose="02020603050405020304" pitchFamily="18" charset="0"/>
-              <a:cs typeface="Times New Roman" panose="02020603050405020304" pitchFamily="18" charset="0"/>
-            </a:endParaRPr>
+          <a:bodyPr/>
+          <a:lstStyle/>
+          <a:p>
+            <a:r>
+              <a:rPr lang="en-IN" dirty="0" smtClean="0"/>
+              <a:t>A peek into history</a:t>
+            </a:r>
+            <a:endParaRPr lang="en-IN" dirty="0"/>
           </a:p>
         </p:txBody>
       </p:sp>
@@ -4082,129 +4105,45 @@
         </p:nvSpPr>
         <p:spPr/>
         <p:txBody>
-          <a:bodyPr>
-            <a:normAutofit/>
-          </a:bodyPr>
+          <a:bodyPr/>
           <a:lstStyle/>
           <a:p>
             <a:pPr>
-              <a:lnSpc>
-                <a:spcPct val="150000"/>
-              </a:lnSpc>
               <a:buFont typeface="Arial" panose="020B0604020202020204" pitchFamily="34" charset="0"/>
               <a:buChar char="•"/>
             </a:pPr>
             <a:r>
               <a:rPr lang="en-IN" dirty="0" smtClean="0"/>
-              <a:t> ASIC </a:t>
-            </a:r>
-            <a:r>
-              <a:rPr lang="en-IN" dirty="0"/>
-              <a:t>circuits </a:t>
-            </a:r>
-            <a:r>
-              <a:rPr lang="en-IN" dirty="0" smtClean="0"/>
-              <a:t>are the </a:t>
-            </a:r>
-            <a:r>
-              <a:rPr lang="en-IN" dirty="0"/>
-              <a:t>fastest way of processing digital </a:t>
-            </a:r>
-            <a:r>
-              <a:rPr lang="en-IN" dirty="0" smtClean="0"/>
-              <a:t>data</a:t>
-            </a:r>
-            <a:br>
-              <a:rPr lang="en-IN" dirty="0" smtClean="0"/>
-            </a:br>
-            <a:r>
-              <a:rPr lang="en-IN" dirty="0" smtClean="0"/>
-              <a:t> because </a:t>
-            </a:r>
-            <a:r>
-              <a:rPr lang="en-IN" dirty="0"/>
-              <a:t>they </a:t>
-            </a:r>
-            <a:r>
-              <a:rPr lang="en-IN" dirty="0" smtClean="0"/>
-              <a:t>are pre-tailored </a:t>
-            </a:r>
-            <a:r>
-              <a:rPr lang="en-IN" dirty="0"/>
-              <a:t>for known </a:t>
-            </a:r>
-            <a:r>
-              <a:rPr lang="en-IN" dirty="0" smtClean="0"/>
-              <a:t>functions</a:t>
+              <a:t>First programmable devices</a:t>
             </a:r>
           </a:p>
           <a:p>
             <a:pPr>
-              <a:lnSpc>
-                <a:spcPct val="150000"/>
-              </a:lnSpc>
               <a:buFont typeface="Arial" panose="020B0604020202020204" pitchFamily="34" charset="0"/>
               <a:buChar char="•"/>
             </a:pPr>
             <a:r>
-              <a:rPr lang="en-IN" sz="3000" dirty="0" smtClean="0">
-                <a:latin typeface="Arial" panose="020B0604020202020204" pitchFamily="34" charset="0"/>
-                <a:cs typeface="Arial" panose="020B0604020202020204" pitchFamily="34" charset="0"/>
-              </a:rPr>
-              <a:t> Classical </a:t>
-            </a:r>
-            <a:r>
-              <a:rPr lang="en-IN" sz="3000" dirty="0">
-                <a:latin typeface="Arial" panose="020B0604020202020204" pitchFamily="34" charset="0"/>
-                <a:cs typeface="Arial" panose="020B0604020202020204" pitchFamily="34" charset="0"/>
-              </a:rPr>
-              <a:t>processors spend a lot of time in fetching </a:t>
-            </a:r>
-            <a:r>
-              <a:rPr lang="en-IN" sz="3000" dirty="0" smtClean="0">
-                <a:latin typeface="Arial" panose="020B0604020202020204" pitchFamily="34" charset="0"/>
-                <a:cs typeface="Arial" panose="020B0604020202020204" pitchFamily="34" charset="0"/>
-              </a:rPr>
-              <a:t>and</a:t>
-            </a:r>
-            <a:br>
-              <a:rPr lang="en-IN" sz="3000" dirty="0" smtClean="0">
-                <a:latin typeface="Arial" panose="020B0604020202020204" pitchFamily="34" charset="0"/>
-                <a:cs typeface="Arial" panose="020B0604020202020204" pitchFamily="34" charset="0"/>
-              </a:rPr>
-            </a:br>
-            <a:r>
-              <a:rPr lang="en-IN" sz="3000" dirty="0" smtClean="0">
-                <a:latin typeface="Arial" panose="020B0604020202020204" pitchFamily="34" charset="0"/>
-                <a:cs typeface="Arial" panose="020B0604020202020204" pitchFamily="34" charset="0"/>
-              </a:rPr>
-              <a:t> decoding </a:t>
-            </a:r>
-            <a:r>
-              <a:rPr lang="en-IN" sz="3000" dirty="0">
-                <a:latin typeface="Arial" panose="020B0604020202020204" pitchFamily="34" charset="0"/>
-                <a:cs typeface="Arial" panose="020B0604020202020204" pitchFamily="34" charset="0"/>
-              </a:rPr>
-              <a:t>relatively small set of basic </a:t>
-            </a:r>
-            <a:r>
-              <a:rPr lang="en-IN" sz="3000" dirty="0" smtClean="0">
-                <a:latin typeface="Arial" panose="020B0604020202020204" pitchFamily="34" charset="0"/>
-                <a:cs typeface="Arial" panose="020B0604020202020204" pitchFamily="34" charset="0"/>
-              </a:rPr>
-              <a:t>instructions</a:t>
-            </a:r>
-            <a:endParaRPr lang="en-IN" sz="3000" dirty="0">
-              <a:latin typeface="Arial" panose="020B0604020202020204" pitchFamily="34" charset="0"/>
-              <a:cs typeface="Arial" panose="020B0604020202020204" pitchFamily="34" charset="0"/>
-            </a:endParaRPr>
+              <a:rPr lang="en-IN" dirty="0" smtClean="0"/>
+              <a:t>Advent of reconfigurable hardware</a:t>
+            </a:r>
+          </a:p>
+          <a:p>
+            <a:pPr>
+              <a:buFont typeface="Arial" panose="020B0604020202020204" pitchFamily="34" charset="0"/>
+              <a:buChar char="•"/>
+            </a:pPr>
+            <a:r>
+              <a:rPr lang="en-IN" dirty="0" smtClean="0"/>
+              <a:t>Reconfigurable processors</a:t>
+            </a:r>
+            <a:endParaRPr lang="en-IN" dirty="0"/>
           </a:p>
         </p:txBody>
       </p:sp>
     </p:spTree>
     <p:extLst>
       <p:ext uri="{BB962C8B-B14F-4D97-AF65-F5344CB8AC3E}">
-        <p14:creationId xmlns:p14="http://schemas.microsoft.com/office/powerpoint/2010/main" val="1612176152"/>
+        <p14:creationId xmlns:p14="http://schemas.microsoft.com/office/powerpoint/2010/main" val="3343135226"/>
       </p:ext>
     </p:extLst>
   </p:cSld>
@@ -4255,7 +4194,7 @@
           <a:p>
             <a:r>
               <a:rPr lang="en-IN" dirty="0" smtClean="0"/>
-              <a:t>Types of Reconfigurations: </a:t>
+              <a:t>First programmable hardware</a:t>
             </a:r>
             <a:endParaRPr lang="en-IN" dirty="0"/>
           </a:p>
@@ -4273,8 +4212,978 @@
         </p:nvSpPr>
         <p:spPr/>
         <p:txBody>
+          <a:bodyPr/>
+          <a:lstStyle/>
+          <a:p>
+            <a:pPr>
+              <a:buFont typeface="Arial" panose="020B0604020202020204" pitchFamily="34" charset="0"/>
+              <a:buChar char="•"/>
+            </a:pPr>
+            <a:r>
+              <a:rPr lang="en-IN" dirty="0" smtClean="0"/>
+              <a:t>First programmable devices where ROMs (Read Only </a:t>
+            </a:r>
+            <a:br>
+              <a:rPr lang="en-IN" dirty="0" smtClean="0"/>
+            </a:br>
+            <a:r>
+              <a:rPr lang="en-IN" dirty="0" smtClean="0"/>
+              <a:t> Memory)</a:t>
+            </a:r>
+          </a:p>
+          <a:p>
+            <a:pPr>
+              <a:buFont typeface="Arial" panose="020B0604020202020204" pitchFamily="34" charset="0"/>
+              <a:buChar char="•"/>
+            </a:pPr>
+            <a:r>
+              <a:rPr lang="en-IN" dirty="0" smtClean="0"/>
+              <a:t>They were used to create arbitrary </a:t>
+            </a:r>
+            <a:br>
+              <a:rPr lang="en-IN" dirty="0" smtClean="0"/>
+            </a:br>
+            <a:r>
+              <a:rPr lang="en-IN" dirty="0" smtClean="0"/>
+              <a:t> combinational logic functions of a number</a:t>
+            </a:r>
+            <a:br>
+              <a:rPr lang="en-IN" dirty="0" smtClean="0"/>
+            </a:br>
+            <a:r>
+              <a:rPr lang="en-IN" dirty="0" smtClean="0"/>
+              <a:t> of inputs</a:t>
+            </a:r>
+          </a:p>
+        </p:txBody>
+      </p:sp>
+      <p:pic>
+        <p:nvPicPr>
+          <p:cNvPr id="2050" name="Picture 2" descr="https://upload.wikimedia.org/wikipedia/commons/thumb/3/34/4Mbit_EPROM_Texas_Instruments_TMS27C040_%281%29.jpg/800px-4Mbit_EPROM_Texas_Instruments_TMS27C040_%281%29.jpg"/>
+          <p:cNvPicPr>
+            <a:picLocks noChangeAspect="1" noChangeArrowheads="1"/>
+          </p:cNvPicPr>
+          <p:nvPr/>
+        </p:nvPicPr>
+        <p:blipFill>
+          <a:blip r:embed="rId2" cstate="print">
+            <a:extLst>
+              <a:ext uri="{28A0092B-C50C-407E-A947-70E740481C1C}">
+                <a14:useLocalDpi xmlns:a14="http://schemas.microsoft.com/office/drawing/2010/main" val="0"/>
+              </a:ext>
+            </a:extLst>
+          </a:blip>
+          <a:srcRect/>
+          <a:stretch>
+            <a:fillRect/>
+          </a:stretch>
+        </p:blipFill>
+        <p:spPr bwMode="auto">
+          <a:xfrm>
+            <a:off x="8731876" y="3510599"/>
+            <a:ext cx="3135022" cy="2358495"/>
+          </a:xfrm>
+          <a:prstGeom prst="rect">
+            <a:avLst/>
+          </a:prstGeom>
+          <a:noFill/>
+          <a:extLst>
+            <a:ext uri="{909E8E84-426E-40DD-AFC4-6F175D3DCCD1}">
+              <a14:hiddenFill xmlns:a14="http://schemas.microsoft.com/office/drawing/2010/main">
+                <a:solidFill>
+                  <a:srgbClr val="FFFFFF"/>
+                </a:solidFill>
+              </a14:hiddenFill>
+            </a:ext>
+          </a:extLst>
+        </p:spPr>
+      </p:pic>
+    </p:spTree>
+    <p:extLst>
+      <p:ext uri="{BB962C8B-B14F-4D97-AF65-F5344CB8AC3E}">
+        <p14:creationId xmlns:p14="http://schemas.microsoft.com/office/powerpoint/2010/main" val="992224491"/>
+      </p:ext>
+    </p:extLst>
+  </p:cSld>
+  <p:clrMapOvr>
+    <a:masterClrMapping/>
+  </p:clrMapOvr>
+  <p:timing>
+    <p:tnLst>
+      <p:par>
+        <p:cTn id="1" dur="indefinite" restart="never" nodeType="tmRoot"/>
+      </p:par>
+    </p:tnLst>
+  </p:timing>
+</p:sld>
+</file>
+
+<file path=ppt/slides/slide12.xml><?xml version="1.0" encoding="utf-8"?>
+<p:sld xmlns:a="http://schemas.openxmlformats.org/drawingml/2006/main" xmlns:r="http://schemas.openxmlformats.org/officeDocument/2006/relationships" xmlns:p="http://schemas.openxmlformats.org/presentationml/2006/main">
+  <p:cSld>
+    <p:spTree>
+      <p:nvGrpSpPr>
+        <p:cNvPr id="1" name=""/>
+        <p:cNvGrpSpPr/>
+        <p:nvPr/>
+      </p:nvGrpSpPr>
+      <p:grpSpPr>
+        <a:xfrm>
+          <a:off x="0" y="0"/>
+          <a:ext cx="0" cy="0"/>
+          <a:chOff x="0" y="0"/>
+          <a:chExt cx="0" cy="0"/>
+        </a:xfrm>
+      </p:grpSpPr>
+      <p:sp>
+        <p:nvSpPr>
+          <p:cNvPr id="2" name="Title 1"/>
+          <p:cNvSpPr>
+            <a:spLocks noGrp="1"/>
+          </p:cNvSpPr>
+          <p:nvPr>
+            <p:ph type="title"/>
+          </p:nvPr>
+        </p:nvSpPr>
+        <p:spPr/>
+        <p:txBody>
+          <a:bodyPr/>
+          <a:lstStyle/>
+          <a:p>
+            <a:r>
+              <a:rPr lang="en-IN" dirty="0" smtClean="0"/>
+              <a:t>Disadvantages of ROMs</a:t>
+            </a:r>
+            <a:endParaRPr lang="en-IN" dirty="0"/>
+          </a:p>
+        </p:txBody>
+      </p:sp>
+      <p:sp>
+        <p:nvSpPr>
+          <p:cNvPr id="3" name="Content Placeholder 2"/>
+          <p:cNvSpPr>
+            <a:spLocks noGrp="1"/>
+          </p:cNvSpPr>
+          <p:nvPr>
+            <p:ph idx="1"/>
+          </p:nvPr>
+        </p:nvSpPr>
+        <p:spPr/>
+        <p:txBody>
+          <a:bodyPr/>
+          <a:lstStyle/>
+          <a:p>
+            <a:pPr>
+              <a:buFont typeface="Arial" panose="020B0604020202020204" pitchFamily="34" charset="0"/>
+              <a:buChar char="•"/>
+            </a:pPr>
+            <a:r>
+              <a:rPr lang="en-IN" dirty="0" smtClean="0"/>
+              <a:t>Slower than dedicated circuits</a:t>
+            </a:r>
+          </a:p>
+          <a:p>
+            <a:pPr>
+              <a:buFont typeface="Arial" panose="020B0604020202020204" pitchFamily="34" charset="0"/>
+              <a:buChar char="•"/>
+            </a:pPr>
+            <a:r>
+              <a:rPr lang="en-IN" dirty="0" smtClean="0"/>
+              <a:t>More expensive than programmable logic, especially if</a:t>
+            </a:r>
+            <a:br>
+              <a:rPr lang="en-IN" dirty="0" smtClean="0"/>
+            </a:br>
+            <a:r>
+              <a:rPr lang="en-IN" dirty="0" smtClean="0"/>
+              <a:t> high speed is required</a:t>
+            </a:r>
+          </a:p>
+          <a:p>
+            <a:pPr>
+              <a:buFont typeface="Arial" panose="020B0604020202020204" pitchFamily="34" charset="0"/>
+              <a:buChar char="•"/>
+            </a:pPr>
+            <a:r>
+              <a:rPr lang="en-IN" dirty="0" smtClean="0"/>
+              <a:t>Since most ROMs do not have input or output registers,</a:t>
+            </a:r>
+            <a:br>
+              <a:rPr lang="en-IN" dirty="0" smtClean="0"/>
+            </a:br>
+            <a:r>
+              <a:rPr lang="en-IN" dirty="0" smtClean="0"/>
+              <a:t> they cannot used for stand-alone for sequential logic</a:t>
+            </a:r>
+          </a:p>
+        </p:txBody>
+      </p:sp>
+    </p:spTree>
+    <p:extLst>
+      <p:ext uri="{BB962C8B-B14F-4D97-AF65-F5344CB8AC3E}">
+        <p14:creationId xmlns:p14="http://schemas.microsoft.com/office/powerpoint/2010/main" val="4134900913"/>
+      </p:ext>
+    </p:extLst>
+  </p:cSld>
+  <p:clrMapOvr>
+    <a:masterClrMapping/>
+  </p:clrMapOvr>
+  <p:timing>
+    <p:tnLst>
+      <p:par>
+        <p:cTn id="1" dur="indefinite" restart="never" nodeType="tmRoot"/>
+      </p:par>
+    </p:tnLst>
+  </p:timing>
+</p:sld>
+</file>
+
+<file path=ppt/slides/slide13.xml><?xml version="1.0" encoding="utf-8"?>
+<p:sld xmlns:a="http://schemas.openxmlformats.org/drawingml/2006/main" xmlns:r="http://schemas.openxmlformats.org/officeDocument/2006/relationships" xmlns:p="http://schemas.openxmlformats.org/presentationml/2006/main">
+  <p:cSld>
+    <p:spTree>
+      <p:nvGrpSpPr>
+        <p:cNvPr id="1" name=""/>
+        <p:cNvGrpSpPr/>
+        <p:nvPr/>
+      </p:nvGrpSpPr>
+      <p:grpSpPr>
+        <a:xfrm>
+          <a:off x="0" y="0"/>
+          <a:ext cx="0" cy="0"/>
+          <a:chOff x="0" y="0"/>
+          <a:chExt cx="0" cy="0"/>
+        </a:xfrm>
+      </p:grpSpPr>
+      <p:sp>
+        <p:nvSpPr>
+          <p:cNvPr id="2" name="Title 1"/>
+          <p:cNvSpPr>
+            <a:spLocks noGrp="1"/>
+          </p:cNvSpPr>
+          <p:nvPr>
+            <p:ph type="title"/>
+          </p:nvPr>
+        </p:nvSpPr>
+        <p:spPr/>
+        <p:txBody>
+          <a:bodyPr/>
+          <a:lstStyle/>
+          <a:p>
+            <a:r>
+              <a:rPr lang="en-IN" dirty="0" smtClean="0"/>
+              <a:t>Advent of Reconfigurable Hardware</a:t>
+            </a:r>
+            <a:endParaRPr lang="en-IN" dirty="0"/>
+          </a:p>
+        </p:txBody>
+      </p:sp>
+      <p:sp>
+        <p:nvSpPr>
+          <p:cNvPr id="3" name="Content Placeholder 2"/>
+          <p:cNvSpPr>
+            <a:spLocks noGrp="1"/>
+          </p:cNvSpPr>
+          <p:nvPr>
+            <p:ph idx="1"/>
+          </p:nvPr>
+        </p:nvSpPr>
+        <p:spPr/>
+        <p:txBody>
+          <a:bodyPr/>
+          <a:lstStyle/>
+          <a:p>
+            <a:r>
+              <a:rPr lang="en-IN" dirty="0" smtClean="0"/>
+              <a:t>In 1969 the first reconfigurable hardware was introduced</a:t>
+            </a:r>
+            <a:r>
+              <a:rPr lang="en-IN" dirty="0"/>
+              <a:t> </a:t>
+            </a:r>
+            <a:r>
+              <a:rPr lang="en-IN" dirty="0" smtClean="0"/>
+              <a:t>by Motorola - XC 157, a mask-programmed gate array,</a:t>
+            </a:r>
+            <a:r>
+              <a:rPr lang="en-IN" dirty="0"/>
+              <a:t> </a:t>
+            </a:r>
+            <a:r>
+              <a:rPr lang="en-IN" dirty="0" smtClean="0"/>
+              <a:t>with 12 gates</a:t>
+            </a:r>
+          </a:p>
+          <a:p>
+            <a:r>
+              <a:rPr lang="en-IN" dirty="0" smtClean="0"/>
+              <a:t>In 1970, Texas Instruments introduced a mask programmable IC - TMS2000 (the first PLA)</a:t>
+            </a:r>
+            <a:endParaRPr lang="en-IN" dirty="0"/>
+          </a:p>
+        </p:txBody>
+      </p:sp>
+      <p:pic>
+        <p:nvPicPr>
+          <p:cNvPr id="4" name="Picture 3"/>
+          <p:cNvPicPr>
+            <a:picLocks noChangeAspect="1"/>
+          </p:cNvPicPr>
+          <p:nvPr/>
+        </p:nvPicPr>
+        <p:blipFill>
+          <a:blip r:embed="rId2">
+            <a:extLst>
+              <a:ext uri="{28A0092B-C50C-407E-A947-70E740481C1C}">
+                <a14:useLocalDpi xmlns:a14="http://schemas.microsoft.com/office/drawing/2010/main" val="0"/>
+              </a:ext>
+            </a:extLst>
+          </a:blip>
+          <a:stretch>
+            <a:fillRect/>
+          </a:stretch>
+        </p:blipFill>
+        <p:spPr>
+          <a:xfrm>
+            <a:off x="9079607" y="3346773"/>
+            <a:ext cx="2815348" cy="2836757"/>
+          </a:xfrm>
+          <a:prstGeom prst="rect">
+            <a:avLst/>
+          </a:prstGeom>
+        </p:spPr>
+      </p:pic>
+    </p:spTree>
+    <p:extLst>
+      <p:ext uri="{BB962C8B-B14F-4D97-AF65-F5344CB8AC3E}">
+        <p14:creationId xmlns:p14="http://schemas.microsoft.com/office/powerpoint/2010/main" val="3156365439"/>
+      </p:ext>
+    </p:extLst>
+  </p:cSld>
+  <p:clrMapOvr>
+    <a:masterClrMapping/>
+  </p:clrMapOvr>
+  <p:timing>
+    <p:tnLst>
+      <p:par>
+        <p:cTn id="1" dur="indefinite" restart="never" nodeType="tmRoot"/>
+      </p:par>
+    </p:tnLst>
+  </p:timing>
+</p:sld>
+</file>
+
+<file path=ppt/slides/slide14.xml><?xml version="1.0" encoding="utf-8"?>
+<p:sld xmlns:a="http://schemas.openxmlformats.org/drawingml/2006/main" xmlns:r="http://schemas.openxmlformats.org/officeDocument/2006/relationships" xmlns:p="http://schemas.openxmlformats.org/presentationml/2006/main">
+  <p:cSld>
+    <p:spTree>
+      <p:nvGrpSpPr>
+        <p:cNvPr id="1" name=""/>
+        <p:cNvGrpSpPr/>
+        <p:nvPr/>
+      </p:nvGrpSpPr>
+      <p:grpSpPr>
+        <a:xfrm>
+          <a:off x="0" y="0"/>
+          <a:ext cx="0" cy="0"/>
+          <a:chOff x="0" y="0"/>
+          <a:chExt cx="0" cy="0"/>
+        </a:xfrm>
+      </p:grpSpPr>
+      <p:sp>
+        <p:nvSpPr>
+          <p:cNvPr id="2" name="Title 1"/>
+          <p:cNvSpPr>
+            <a:spLocks noGrp="1"/>
+          </p:cNvSpPr>
+          <p:nvPr>
+            <p:ph type="title"/>
+          </p:nvPr>
+        </p:nvSpPr>
+        <p:spPr>
+          <a:xfrm>
+            <a:off x="1097280" y="286603"/>
+            <a:ext cx="11094720" cy="1450757"/>
+          </a:xfrm>
+        </p:spPr>
+        <p:txBody>
           <a:bodyPr>
-            <a:normAutofit fontScale="92500" lnSpcReduction="10000"/>
+            <a:normAutofit/>
+          </a:bodyPr>
+          <a:lstStyle/>
+          <a:p>
+            <a:r>
+              <a:rPr lang="en-IN" sz="4600" dirty="0"/>
+              <a:t>Advent of Reconfigurable </a:t>
+            </a:r>
+            <a:r>
+              <a:rPr lang="en-IN" sz="4600" dirty="0" smtClean="0"/>
+              <a:t>Hardware(</a:t>
+            </a:r>
+            <a:r>
+              <a:rPr lang="en-IN" sz="4600" dirty="0" err="1" smtClean="0"/>
+              <a:t>contd</a:t>
+            </a:r>
+            <a:r>
+              <a:rPr lang="en-IN" sz="4600" dirty="0" smtClean="0"/>
+              <a:t> …)</a:t>
+            </a:r>
+            <a:endParaRPr lang="en-IN" sz="4600" dirty="0"/>
+          </a:p>
+        </p:txBody>
+      </p:sp>
+      <p:sp>
+        <p:nvSpPr>
+          <p:cNvPr id="3" name="Content Placeholder 2"/>
+          <p:cNvSpPr>
+            <a:spLocks noGrp="1"/>
+          </p:cNvSpPr>
+          <p:nvPr>
+            <p:ph idx="1"/>
+          </p:nvPr>
+        </p:nvSpPr>
+        <p:spPr/>
+        <p:txBody>
+          <a:bodyPr/>
+          <a:lstStyle/>
+          <a:p>
+            <a:r>
+              <a:rPr lang="en-IN" dirty="0" smtClean="0"/>
+              <a:t>General </a:t>
+            </a:r>
+            <a:r>
+              <a:rPr lang="en-IN" smtClean="0"/>
+              <a:t>Electric Company </a:t>
+            </a:r>
+            <a:r>
+              <a:rPr lang="en-IN" dirty="0" smtClean="0"/>
+              <a:t>in 1971 developed the first erasable PLD based on programmable ROM technology</a:t>
+            </a:r>
+          </a:p>
+          <a:p>
+            <a:r>
+              <a:rPr lang="en-IN" dirty="0" smtClean="0"/>
+              <a:t>In 1975, </a:t>
+            </a:r>
+            <a:r>
+              <a:rPr lang="en-IN" dirty="0" err="1" smtClean="0"/>
+              <a:t>Signetics</a:t>
+            </a:r>
+            <a:r>
+              <a:rPr lang="en-IN" dirty="0" smtClean="0"/>
+              <a:t> introduced their Field Programmable Logic Array, the 82S100</a:t>
+            </a:r>
+          </a:p>
+          <a:p>
+            <a:r>
+              <a:rPr lang="en-IN" dirty="0" smtClean="0"/>
+              <a:t>Monolithic Memories in 1978 introduced the first PAL</a:t>
+            </a:r>
+            <a:endParaRPr lang="en-IN" dirty="0"/>
+          </a:p>
+        </p:txBody>
+      </p:sp>
+    </p:spTree>
+    <p:extLst>
+      <p:ext uri="{BB962C8B-B14F-4D97-AF65-F5344CB8AC3E}">
+        <p14:creationId xmlns:p14="http://schemas.microsoft.com/office/powerpoint/2010/main" val="4294652284"/>
+      </p:ext>
+    </p:extLst>
+  </p:cSld>
+  <p:clrMapOvr>
+    <a:masterClrMapping/>
+  </p:clrMapOvr>
+  <p:timing>
+    <p:tnLst>
+      <p:par>
+        <p:cTn id="1" dur="indefinite" restart="never" nodeType="tmRoot"/>
+      </p:par>
+    </p:tnLst>
+  </p:timing>
+</p:sld>
+</file>
+
+<file path=ppt/slides/slide15.xml><?xml version="1.0" encoding="utf-8"?>
+<p:sld xmlns:a="http://schemas.openxmlformats.org/drawingml/2006/main" xmlns:r="http://schemas.openxmlformats.org/officeDocument/2006/relationships" xmlns:p="http://schemas.openxmlformats.org/presentationml/2006/main">
+  <p:cSld>
+    <p:spTree>
+      <p:nvGrpSpPr>
+        <p:cNvPr id="1" name=""/>
+        <p:cNvGrpSpPr/>
+        <p:nvPr/>
+      </p:nvGrpSpPr>
+      <p:grpSpPr>
+        <a:xfrm>
+          <a:off x="0" y="0"/>
+          <a:ext cx="0" cy="0"/>
+          <a:chOff x="0" y="0"/>
+          <a:chExt cx="0" cy="0"/>
+        </a:xfrm>
+      </p:grpSpPr>
+      <p:sp>
+        <p:nvSpPr>
+          <p:cNvPr id="2" name="Title 1"/>
+          <p:cNvSpPr>
+            <a:spLocks noGrp="1"/>
+          </p:cNvSpPr>
+          <p:nvPr>
+            <p:ph type="title"/>
+          </p:nvPr>
+        </p:nvSpPr>
+        <p:spPr/>
+        <p:txBody>
+          <a:bodyPr/>
+          <a:lstStyle/>
+          <a:p>
+            <a:r>
+              <a:rPr lang="en-IN" dirty="0" smtClean="0"/>
+              <a:t>Reconfigurable Processors</a:t>
+            </a:r>
+            <a:endParaRPr lang="en-IN" dirty="0"/>
+          </a:p>
+        </p:txBody>
+      </p:sp>
+      <p:sp>
+        <p:nvSpPr>
+          <p:cNvPr id="3" name="Content Placeholder 2"/>
+          <p:cNvSpPr>
+            <a:spLocks noGrp="1"/>
+          </p:cNvSpPr>
+          <p:nvPr>
+            <p:ph idx="1"/>
+          </p:nvPr>
+        </p:nvSpPr>
+        <p:spPr/>
+        <p:txBody>
+          <a:bodyPr/>
+          <a:lstStyle/>
+          <a:p>
+            <a:pPr>
+              <a:buFont typeface="Arial" panose="020B0604020202020204" pitchFamily="34" charset="0"/>
+              <a:buChar char="•"/>
+            </a:pPr>
+            <a:r>
+              <a:rPr lang="en-IN" dirty="0" smtClean="0"/>
+              <a:t>Concept stated in 1960s in a paper by Gerald </a:t>
+            </a:r>
+            <a:r>
+              <a:rPr lang="en-IN" dirty="0" err="1" smtClean="0"/>
+              <a:t>Estrin</a:t>
+            </a:r>
+            <a:endParaRPr lang="en-IN" dirty="0"/>
+          </a:p>
+          <a:p>
+            <a:pPr>
+              <a:buFont typeface="Arial" panose="020B0604020202020204" pitchFamily="34" charset="0"/>
+              <a:buChar char="•"/>
+            </a:pPr>
+            <a:r>
+              <a:rPr lang="en-IN" dirty="0" smtClean="0"/>
+              <a:t>Concept consisted of a main processor controlling a</a:t>
+            </a:r>
+            <a:br>
+              <a:rPr lang="en-IN" dirty="0" smtClean="0"/>
+            </a:br>
+            <a:r>
+              <a:rPr lang="en-IN" dirty="0" smtClean="0"/>
+              <a:t> reconfigurable </a:t>
+            </a:r>
+            <a:r>
+              <a:rPr lang="en-IN" dirty="0"/>
+              <a:t>hardware</a:t>
+            </a:r>
+            <a:endParaRPr lang="en-IN" dirty="0" smtClean="0"/>
+          </a:p>
+          <a:p>
+            <a:pPr>
+              <a:buFont typeface="Arial" panose="020B0604020202020204" pitchFamily="34" charset="0"/>
+              <a:buChar char="•"/>
+            </a:pPr>
+            <a:r>
+              <a:rPr lang="en-IN" dirty="0" smtClean="0"/>
+              <a:t>The reconfigurable hardware was tailored to perform a specific task such as image processing</a:t>
+            </a:r>
+            <a:endParaRPr lang="en-IN" dirty="0"/>
+          </a:p>
+        </p:txBody>
+      </p:sp>
+    </p:spTree>
+    <p:extLst>
+      <p:ext uri="{BB962C8B-B14F-4D97-AF65-F5344CB8AC3E}">
+        <p14:creationId xmlns:p14="http://schemas.microsoft.com/office/powerpoint/2010/main" val="1584159935"/>
+      </p:ext>
+    </p:extLst>
+  </p:cSld>
+  <p:clrMapOvr>
+    <a:masterClrMapping/>
+  </p:clrMapOvr>
+  <p:timing>
+    <p:tnLst>
+      <p:par>
+        <p:cTn id="1" dur="indefinite" restart="never" nodeType="tmRoot"/>
+      </p:par>
+    </p:tnLst>
+  </p:timing>
+</p:sld>
+</file>
+
+<file path=ppt/slides/slide16.xml><?xml version="1.0" encoding="utf-8"?>
+<p:sld xmlns:a="http://schemas.openxmlformats.org/drawingml/2006/main" xmlns:r="http://schemas.openxmlformats.org/officeDocument/2006/relationships" xmlns:p="http://schemas.openxmlformats.org/presentationml/2006/main">
+  <p:cSld>
+    <p:spTree>
+      <p:nvGrpSpPr>
+        <p:cNvPr id="1" name=""/>
+        <p:cNvGrpSpPr/>
+        <p:nvPr/>
+      </p:nvGrpSpPr>
+      <p:grpSpPr>
+        <a:xfrm>
+          <a:off x="0" y="0"/>
+          <a:ext cx="0" cy="0"/>
+          <a:chOff x="0" y="0"/>
+          <a:chExt cx="0" cy="0"/>
+        </a:xfrm>
+      </p:grpSpPr>
+      <p:sp>
+        <p:nvSpPr>
+          <p:cNvPr id="2" name="Title 1"/>
+          <p:cNvSpPr>
+            <a:spLocks noGrp="1"/>
+          </p:cNvSpPr>
+          <p:nvPr>
+            <p:ph type="title"/>
+          </p:nvPr>
+        </p:nvSpPr>
+        <p:spPr/>
+        <p:txBody>
+          <a:bodyPr/>
+          <a:lstStyle/>
+          <a:p>
+            <a:r>
+              <a:rPr lang="en-IN" dirty="0" smtClean="0"/>
+              <a:t>Reconfigurable Processors (</a:t>
+            </a:r>
+            <a:r>
+              <a:rPr lang="en-IN" dirty="0" err="1" smtClean="0"/>
+              <a:t>contd</a:t>
+            </a:r>
+            <a:r>
+              <a:rPr lang="en-IN" dirty="0" smtClean="0"/>
+              <a:t> …)</a:t>
+            </a:r>
+            <a:endParaRPr lang="en-IN" dirty="0"/>
+          </a:p>
+        </p:txBody>
+      </p:sp>
+      <p:sp>
+        <p:nvSpPr>
+          <p:cNvPr id="3" name="Content Placeholder 2"/>
+          <p:cNvSpPr>
+            <a:spLocks noGrp="1"/>
+          </p:cNvSpPr>
+          <p:nvPr>
+            <p:ph idx="1"/>
+          </p:nvPr>
+        </p:nvSpPr>
+        <p:spPr/>
+        <p:txBody>
+          <a:bodyPr/>
+          <a:lstStyle/>
+          <a:p>
+            <a:r>
+              <a:rPr lang="en-IN" dirty="0" smtClean="0"/>
+              <a:t>Altera in 1984 delivered the industry’s first reprogrammable logic device – the EP300</a:t>
+            </a:r>
+            <a:br>
+              <a:rPr lang="en-IN" dirty="0" smtClean="0"/>
+            </a:br>
+            <a:endParaRPr lang="en-IN" dirty="0" smtClean="0"/>
+          </a:p>
+          <a:p>
+            <a:r>
+              <a:rPr lang="en-IN" dirty="0" smtClean="0"/>
+              <a:t>Xilinx invented the first commercially viable </a:t>
+            </a:r>
+            <a:br>
+              <a:rPr lang="en-IN" dirty="0" smtClean="0"/>
+            </a:br>
+            <a:r>
+              <a:rPr lang="en-IN" dirty="0" smtClean="0"/>
+              <a:t>FPGA in 1985 – the XC2064</a:t>
+            </a:r>
+            <a:endParaRPr lang="en-IN" dirty="0"/>
+          </a:p>
+        </p:txBody>
+      </p:sp>
+      <p:pic>
+        <p:nvPicPr>
+          <p:cNvPr id="1026" name="Picture 2" descr="https://www.altera.com/content/dam/altera-www/global/en_US/images/technology/system-design/images/ep300.jpg"/>
+          <p:cNvPicPr>
+            <a:picLocks noChangeAspect="1" noChangeArrowheads="1"/>
+          </p:cNvPicPr>
+          <p:nvPr/>
+        </p:nvPicPr>
+        <p:blipFill>
+          <a:blip r:embed="rId2">
+            <a:extLst>
+              <a:ext uri="{28A0092B-C50C-407E-A947-70E740481C1C}">
+                <a14:useLocalDpi xmlns:a14="http://schemas.microsoft.com/office/drawing/2010/main" val="0"/>
+              </a:ext>
+            </a:extLst>
+          </a:blip>
+          <a:srcRect/>
+          <a:stretch>
+            <a:fillRect/>
+          </a:stretch>
+        </p:blipFill>
+        <p:spPr bwMode="auto">
+          <a:xfrm>
+            <a:off x="8989454" y="1867330"/>
+            <a:ext cx="3038295" cy="1990084"/>
+          </a:xfrm>
+          <a:prstGeom prst="rect">
+            <a:avLst/>
+          </a:prstGeom>
+          <a:noFill/>
+          <a:extLst>
+            <a:ext uri="{909E8E84-426E-40DD-AFC4-6F175D3DCCD1}">
+              <a14:hiddenFill xmlns:a14="http://schemas.microsoft.com/office/drawing/2010/main">
+                <a:solidFill>
+                  <a:srgbClr val="FFFFFF"/>
+                </a:solidFill>
+              </a14:hiddenFill>
+            </a:ext>
+          </a:extLst>
+        </p:spPr>
+      </p:pic>
+      <p:pic>
+        <p:nvPicPr>
+          <p:cNvPr id="1028" name="Picture 4" descr="http://sigma.octopart.com/31820904/image/Xilinx-XC2064-70PC68C.jpg"/>
+          <p:cNvPicPr>
+            <a:picLocks noChangeAspect="1" noChangeArrowheads="1"/>
+          </p:cNvPicPr>
+          <p:nvPr/>
+        </p:nvPicPr>
+        <p:blipFill>
+          <a:blip r:embed="rId3" cstate="print">
+            <a:extLst>
+              <a:ext uri="{28A0092B-C50C-407E-A947-70E740481C1C}">
+                <a14:useLocalDpi xmlns:a14="http://schemas.microsoft.com/office/drawing/2010/main" val="0"/>
+              </a:ext>
+            </a:extLst>
+          </a:blip>
+          <a:srcRect/>
+          <a:stretch>
+            <a:fillRect/>
+          </a:stretch>
+        </p:blipFill>
+        <p:spPr bwMode="auto">
+          <a:xfrm>
+            <a:off x="8989454" y="4177327"/>
+            <a:ext cx="1996630" cy="1937646"/>
+          </a:xfrm>
+          <a:prstGeom prst="rect">
+            <a:avLst/>
+          </a:prstGeom>
+          <a:noFill/>
+          <a:extLst>
+            <a:ext uri="{909E8E84-426E-40DD-AFC4-6F175D3DCCD1}">
+              <a14:hiddenFill xmlns:a14="http://schemas.microsoft.com/office/drawing/2010/main">
+                <a:solidFill>
+                  <a:srgbClr val="FFFFFF"/>
+                </a:solidFill>
+              </a14:hiddenFill>
+            </a:ext>
+          </a:extLst>
+        </p:spPr>
+      </p:pic>
+    </p:spTree>
+    <p:extLst>
+      <p:ext uri="{BB962C8B-B14F-4D97-AF65-F5344CB8AC3E}">
+        <p14:creationId xmlns:p14="http://schemas.microsoft.com/office/powerpoint/2010/main" val="1942648921"/>
+      </p:ext>
+    </p:extLst>
+  </p:cSld>
+  <p:clrMapOvr>
+    <a:masterClrMapping/>
+  </p:clrMapOvr>
+  <p:timing>
+    <p:tnLst>
+      <p:par>
+        <p:cTn id="1" dur="indefinite" restart="never" nodeType="tmRoot"/>
+      </p:par>
+    </p:tnLst>
+  </p:timing>
+</p:sld>
+</file>
+
+<file path=ppt/slides/slide17.xml><?xml version="1.0" encoding="utf-8"?>
+<p:sld xmlns:a="http://schemas.openxmlformats.org/drawingml/2006/main" xmlns:r="http://schemas.openxmlformats.org/officeDocument/2006/relationships" xmlns:p="http://schemas.openxmlformats.org/presentationml/2006/main">
+  <p:cSld>
+    <p:spTree>
+      <p:nvGrpSpPr>
+        <p:cNvPr id="1" name=""/>
+        <p:cNvGrpSpPr/>
+        <p:nvPr/>
+      </p:nvGrpSpPr>
+      <p:grpSpPr>
+        <a:xfrm>
+          <a:off x="0" y="0"/>
+          <a:ext cx="0" cy="0"/>
+          <a:chOff x="0" y="0"/>
+          <a:chExt cx="0" cy="0"/>
+        </a:xfrm>
+      </p:grpSpPr>
+      <p:pic>
+        <p:nvPicPr>
+          <p:cNvPr id="5" name="Picture 4"/>
+          <p:cNvPicPr>
+            <a:picLocks noChangeAspect="1"/>
+          </p:cNvPicPr>
+          <p:nvPr/>
+        </p:nvPicPr>
+        <p:blipFill>
+          <a:blip r:embed="rId2"/>
+          <a:stretch>
+            <a:fillRect/>
+          </a:stretch>
+        </p:blipFill>
+        <p:spPr>
+          <a:xfrm>
+            <a:off x="6658378" y="1421807"/>
+            <a:ext cx="5203668" cy="4887166"/>
+          </a:xfrm>
+          <a:prstGeom prst="rect">
+            <a:avLst/>
+          </a:prstGeom>
+        </p:spPr>
+      </p:pic>
+      <p:sp>
+        <p:nvSpPr>
+          <p:cNvPr id="2" name="Title 1"/>
+          <p:cNvSpPr>
+            <a:spLocks noGrp="1"/>
+          </p:cNvSpPr>
+          <p:nvPr>
+            <p:ph type="title" idx="4294967295"/>
+          </p:nvPr>
+        </p:nvSpPr>
+        <p:spPr>
+          <a:xfrm>
+            <a:off x="357680" y="157699"/>
+            <a:ext cx="11641137" cy="1450975"/>
+          </a:xfrm>
+        </p:spPr>
+        <p:txBody>
+          <a:bodyPr>
+            <a:noAutofit/>
+          </a:bodyPr>
+          <a:lstStyle/>
+          <a:p>
+            <a:r>
+              <a:rPr lang="en-IN" sz="5800" dirty="0" smtClean="0">
+                <a:solidFill>
+                  <a:srgbClr val="00B0F0"/>
+                </a:solidFill>
+                <a:effectLst>
+                  <a:outerShdw blurRad="38100" dist="38100" dir="2700000" algn="tl">
+                    <a:srgbClr val="000000">
+                      <a:alpha val="43137"/>
+                    </a:srgbClr>
+                  </a:outerShdw>
+                </a:effectLst>
+              </a:rPr>
+              <a:t>Reconfigurable Processor Architecture</a:t>
+            </a:r>
+            <a:endParaRPr lang="en-IN" sz="5800" dirty="0">
+              <a:solidFill>
+                <a:srgbClr val="00B0F0"/>
+              </a:solidFill>
+              <a:effectLst>
+                <a:outerShdw blurRad="38100" dist="38100" dir="2700000" algn="tl">
+                  <a:srgbClr val="000000">
+                    <a:alpha val="43137"/>
+                  </a:srgbClr>
+                </a:outerShdw>
+              </a:effectLst>
+            </a:endParaRPr>
+          </a:p>
+        </p:txBody>
+      </p:sp>
+    </p:spTree>
+    <p:extLst>
+      <p:ext uri="{BB962C8B-B14F-4D97-AF65-F5344CB8AC3E}">
+        <p14:creationId xmlns:p14="http://schemas.microsoft.com/office/powerpoint/2010/main" val="2009518201"/>
+      </p:ext>
+    </p:extLst>
+  </p:cSld>
+  <p:clrMapOvr>
+    <a:masterClrMapping/>
+  </p:clrMapOvr>
+  <p:timing>
+    <p:tnLst>
+      <p:par>
+        <p:cTn id="1" dur="indefinite" restart="never" nodeType="tmRoot"/>
+      </p:par>
+    </p:tnLst>
+  </p:timing>
+</p:sld>
+</file>
+
+<file path=ppt/slides/slide18.xml><?xml version="1.0" encoding="utf-8"?>
+<p:sld xmlns:a="http://schemas.openxmlformats.org/drawingml/2006/main" xmlns:r="http://schemas.openxmlformats.org/officeDocument/2006/relationships" xmlns:p="http://schemas.openxmlformats.org/presentationml/2006/main">
+  <p:cSld>
+    <p:spTree>
+      <p:nvGrpSpPr>
+        <p:cNvPr id="1" name=""/>
+        <p:cNvGrpSpPr/>
+        <p:nvPr/>
+      </p:nvGrpSpPr>
+      <p:grpSpPr>
+        <a:xfrm>
+          <a:off x="0" y="0"/>
+          <a:ext cx="0" cy="0"/>
+          <a:chOff x="0" y="0"/>
+          <a:chExt cx="0" cy="0"/>
+        </a:xfrm>
+      </p:grpSpPr>
+      <p:sp>
+        <p:nvSpPr>
+          <p:cNvPr id="2" name="Title 1"/>
+          <p:cNvSpPr>
+            <a:spLocks noGrp="1"/>
+          </p:cNvSpPr>
+          <p:nvPr>
+            <p:ph type="title"/>
+          </p:nvPr>
+        </p:nvSpPr>
+        <p:spPr/>
+        <p:txBody>
+          <a:bodyPr/>
+          <a:lstStyle/>
+          <a:p>
+            <a:r>
+              <a:rPr lang="en-IN" dirty="0" smtClean="0"/>
+              <a:t>RP architecture components</a:t>
+            </a:r>
+            <a:endParaRPr lang="en-IN" dirty="0"/>
+          </a:p>
+        </p:txBody>
+      </p:sp>
+      <p:sp>
+        <p:nvSpPr>
+          <p:cNvPr id="3" name="Content Placeholder 2"/>
+          <p:cNvSpPr>
+            <a:spLocks noGrp="1"/>
+          </p:cNvSpPr>
+          <p:nvPr>
+            <p:ph idx="1"/>
+          </p:nvPr>
+        </p:nvSpPr>
+        <p:spPr/>
+        <p:txBody>
+          <a:bodyPr>
+            <a:normAutofit lnSpcReduction="10000"/>
           </a:bodyPr>
           <a:lstStyle/>
           <a:p>
@@ -4284,14 +5193,7 @@
             </a:pPr>
             <a:r>
               <a:rPr lang="en-IN" dirty="0" smtClean="0"/>
-              <a:t>Static Reconfiguration – The reconfiguration is done at the time of compilation and loading of the program</a:t>
-            </a:r>
-            <a:br>
-              <a:rPr lang="en-IN" dirty="0" smtClean="0"/>
-            </a:br>
-            <a:r>
-              <a:rPr lang="en-IN" dirty="0" smtClean="0"/>
-              <a:t>E.g. FPGAs</a:t>
+              <a:t>Implementation Spectrum</a:t>
             </a:r>
           </a:p>
           <a:p>
@@ -4301,14 +5203,37 @@
             </a:pPr>
             <a:r>
               <a:rPr lang="en-IN" dirty="0" smtClean="0"/>
-              <a:t>Dynamic Reconfiguration – The reconfiguration is done during runtime</a:t>
-            </a:r>
-            <a:br>
-              <a:rPr lang="en-IN" dirty="0" smtClean="0"/>
-            </a:br>
-            <a:r>
-              <a:rPr lang="en-IN" dirty="0" smtClean="0"/>
-              <a:t>E.g. Chameleon Circuits</a:t>
+              <a:t>System Level Architecture</a:t>
+            </a:r>
+          </a:p>
+          <a:p>
+            <a:pPr marL="514350" indent="-514350">
+              <a:buFont typeface="+mj-lt"/>
+              <a:buAutoNum type="arabicPeriod"/>
+            </a:pPr>
+            <a:r>
+              <a:rPr lang="en-IN" dirty="0" smtClean="0"/>
+              <a:t>Granularity</a:t>
+            </a:r>
+          </a:p>
+          <a:p>
+            <a:pPr marL="514350" indent="-514350">
+              <a:buFont typeface="+mj-lt"/>
+              <a:buAutoNum type="arabicPeriod"/>
+            </a:pPr>
+            <a:r>
+              <a:rPr lang="en-IN" dirty="0" smtClean="0"/>
+              <a:t>Programmable Logic Elements</a:t>
+            </a:r>
+          </a:p>
+          <a:p>
+            <a:pPr marL="514350" indent="-514350">
+              <a:buFont typeface="+mj-lt"/>
+              <a:buAutoNum type="arabicPeriod"/>
+            </a:pPr>
+            <a:r>
+              <a:rPr lang="en-IN" dirty="0" smtClean="0"/>
+              <a:t>Reconfiguration Models</a:t>
             </a:r>
             <a:endParaRPr lang="en-IN" dirty="0"/>
           </a:p>
@@ -4317,7 +5242,115 @@
     </p:spTree>
     <p:extLst>
       <p:ext uri="{BB962C8B-B14F-4D97-AF65-F5344CB8AC3E}">
-        <p14:creationId xmlns:p14="http://schemas.microsoft.com/office/powerpoint/2010/main" val="3100094189"/>
+        <p14:creationId xmlns:p14="http://schemas.microsoft.com/office/powerpoint/2010/main" val="3481176711"/>
+      </p:ext>
+    </p:extLst>
+  </p:cSld>
+  <p:clrMapOvr>
+    <a:masterClrMapping/>
+  </p:clrMapOvr>
+  <p:timing>
+    <p:tnLst>
+      <p:par>
+        <p:cTn id="1" dur="indefinite" restart="never" nodeType="tmRoot"/>
+      </p:par>
+    </p:tnLst>
+  </p:timing>
+</p:sld>
+</file>
+
+<file path=ppt/slides/slide19.xml><?xml version="1.0" encoding="utf-8"?>
+<p:sld xmlns:a="http://schemas.openxmlformats.org/drawingml/2006/main" xmlns:r="http://schemas.openxmlformats.org/officeDocument/2006/relationships" xmlns:p="http://schemas.openxmlformats.org/presentationml/2006/main">
+  <p:cSld>
+    <p:spTree>
+      <p:nvGrpSpPr>
+        <p:cNvPr id="1" name=""/>
+        <p:cNvGrpSpPr/>
+        <p:nvPr/>
+      </p:nvGrpSpPr>
+      <p:grpSpPr>
+        <a:xfrm>
+          <a:off x="0" y="0"/>
+          <a:ext cx="0" cy="0"/>
+          <a:chOff x="0" y="0"/>
+          <a:chExt cx="0" cy="0"/>
+        </a:xfrm>
+      </p:grpSpPr>
+      <p:sp>
+        <p:nvSpPr>
+          <p:cNvPr id="2" name="Title 1"/>
+          <p:cNvSpPr>
+            <a:spLocks noGrp="1"/>
+          </p:cNvSpPr>
+          <p:nvPr>
+            <p:ph type="title"/>
+          </p:nvPr>
+        </p:nvSpPr>
+        <p:spPr/>
+        <p:txBody>
+          <a:bodyPr/>
+          <a:lstStyle/>
+          <a:p>
+            <a:r>
+              <a:rPr lang="en-IN" dirty="0" smtClean="0"/>
+              <a:t>1. Implementation Spectrum</a:t>
+            </a:r>
+            <a:endParaRPr lang="en-IN" dirty="0"/>
+          </a:p>
+        </p:txBody>
+      </p:sp>
+      <p:sp>
+        <p:nvSpPr>
+          <p:cNvPr id="3" name="Content Placeholder 2"/>
+          <p:cNvSpPr>
+            <a:spLocks noGrp="1"/>
+          </p:cNvSpPr>
+          <p:nvPr>
+            <p:ph idx="1"/>
+          </p:nvPr>
+        </p:nvSpPr>
+        <p:spPr>
+          <a:xfrm>
+            <a:off x="1097280" y="1845734"/>
+            <a:ext cx="10058400" cy="4464914"/>
+          </a:xfrm>
+        </p:spPr>
+        <p:txBody>
+          <a:bodyPr>
+            <a:normAutofit fontScale="85000" lnSpcReduction="20000"/>
+          </a:bodyPr>
+          <a:lstStyle/>
+          <a:p>
+            <a:r>
+              <a:rPr lang="en-IN" dirty="0" smtClean="0"/>
+              <a:t>RPs can be implemented using  PLDs, CPLDs and FPGAs</a:t>
+            </a:r>
+          </a:p>
+          <a:p>
+            <a:r>
+              <a:rPr lang="en-IN" dirty="0" smtClean="0"/>
+              <a:t>PLDs are only used in applications which require a very small number of gates</a:t>
+            </a:r>
+          </a:p>
+          <a:p>
+            <a:r>
+              <a:rPr lang="en-IN" dirty="0" smtClean="0"/>
+              <a:t>CPLDs are preferred where the logic circuits are to be small (&lt;500 FFs), non-volatile and fast start-up operation</a:t>
+            </a:r>
+          </a:p>
+          <a:p>
+            <a:r>
+              <a:rPr lang="en-IN" dirty="0" smtClean="0"/>
+              <a:t>Modern day applications are usually done using FPGAs, since they support circuits of much more complexity (up to 150k FFs)</a:t>
+            </a:r>
+            <a:endParaRPr lang="en-IN" dirty="0"/>
+          </a:p>
+        </p:txBody>
+      </p:sp>
+    </p:spTree>
+    <p:extLst>
+      <p:ext uri="{BB962C8B-B14F-4D97-AF65-F5344CB8AC3E}">
+        <p14:creationId xmlns:p14="http://schemas.microsoft.com/office/powerpoint/2010/main" val="4249955812"/>
       </p:ext>
     </p:extLst>
   </p:cSld>
@@ -4367,6 +5400,1401 @@
           <a:lstStyle/>
           <a:p>
             <a:r>
+              <a:rPr lang="en-IN" dirty="0" smtClean="0"/>
+              <a:t>Contents</a:t>
+            </a:r>
+            <a:endParaRPr lang="en-IN" dirty="0"/>
+          </a:p>
+        </p:txBody>
+      </p:sp>
+      <p:sp>
+        <p:nvSpPr>
+          <p:cNvPr id="3" name="Content Placeholder 2"/>
+          <p:cNvSpPr>
+            <a:spLocks noGrp="1"/>
+          </p:cNvSpPr>
+          <p:nvPr>
+            <p:ph idx="1"/>
+          </p:nvPr>
+        </p:nvSpPr>
+        <p:spPr/>
+        <p:txBody>
+          <a:bodyPr>
+            <a:normAutofit fontScale="92500" lnSpcReduction="10000"/>
+          </a:bodyPr>
+          <a:lstStyle/>
+          <a:p>
+            <a:r>
+              <a:rPr lang="en-IN" dirty="0" smtClean="0"/>
+              <a:t>Introduction</a:t>
+            </a:r>
+          </a:p>
+          <a:p>
+            <a:r>
+              <a:rPr lang="en-IN" dirty="0" smtClean="0"/>
+              <a:t>History</a:t>
+            </a:r>
+          </a:p>
+          <a:p>
+            <a:r>
+              <a:rPr lang="en-IN" dirty="0" smtClean="0"/>
+              <a:t>Reconfigurable Processor Architecture</a:t>
+            </a:r>
+          </a:p>
+          <a:p>
+            <a:r>
+              <a:rPr lang="en-IN" dirty="0" smtClean="0"/>
+              <a:t>Advantages and limitations</a:t>
+            </a:r>
+          </a:p>
+          <a:p>
+            <a:r>
+              <a:rPr lang="en-IN" dirty="0" smtClean="0"/>
+              <a:t>Applications</a:t>
+            </a:r>
+          </a:p>
+          <a:p>
+            <a:endParaRPr lang="en-IN" dirty="0" smtClean="0"/>
+          </a:p>
+        </p:txBody>
+      </p:sp>
+    </p:spTree>
+    <p:extLst>
+      <p:ext uri="{BB962C8B-B14F-4D97-AF65-F5344CB8AC3E}">
+        <p14:creationId xmlns:p14="http://schemas.microsoft.com/office/powerpoint/2010/main" val="3196927993"/>
+      </p:ext>
+    </p:extLst>
+  </p:cSld>
+  <p:clrMapOvr>
+    <a:masterClrMapping/>
+  </p:clrMapOvr>
+  <p:timing>
+    <p:tnLst>
+      <p:par>
+        <p:cTn id="1" dur="indefinite" restart="never" nodeType="tmRoot"/>
+      </p:par>
+    </p:tnLst>
+  </p:timing>
+</p:sld>
+</file>
+
+<file path=ppt/slides/slide20.xml><?xml version="1.0" encoding="utf-8"?>
+<p:sld xmlns:a="http://schemas.openxmlformats.org/drawingml/2006/main" xmlns:r="http://schemas.openxmlformats.org/officeDocument/2006/relationships" xmlns:p="http://schemas.openxmlformats.org/presentationml/2006/main">
+  <p:cSld>
+    <p:spTree>
+      <p:nvGrpSpPr>
+        <p:cNvPr id="1" name=""/>
+        <p:cNvGrpSpPr/>
+        <p:nvPr/>
+      </p:nvGrpSpPr>
+      <p:grpSpPr>
+        <a:xfrm>
+          <a:off x="0" y="0"/>
+          <a:ext cx="0" cy="0"/>
+          <a:chOff x="0" y="0"/>
+          <a:chExt cx="0" cy="0"/>
+        </a:xfrm>
+      </p:grpSpPr>
+      <p:sp>
+        <p:nvSpPr>
+          <p:cNvPr id="2" name="Title 1"/>
+          <p:cNvSpPr>
+            <a:spLocks noGrp="1"/>
+          </p:cNvSpPr>
+          <p:nvPr>
+            <p:ph type="title"/>
+          </p:nvPr>
+        </p:nvSpPr>
+        <p:spPr/>
+        <p:txBody>
+          <a:bodyPr/>
+          <a:lstStyle/>
+          <a:p>
+            <a:r>
+              <a:rPr lang="en-IN" dirty="0" smtClean="0"/>
+              <a:t>2. System Level Architecture</a:t>
+            </a:r>
+            <a:endParaRPr lang="en-IN" dirty="0"/>
+          </a:p>
+        </p:txBody>
+      </p:sp>
+      <p:sp>
+        <p:nvSpPr>
+          <p:cNvPr id="3" name="Content Placeholder 2"/>
+          <p:cNvSpPr>
+            <a:spLocks noGrp="1"/>
+          </p:cNvSpPr>
+          <p:nvPr>
+            <p:ph idx="1"/>
+          </p:nvPr>
+        </p:nvSpPr>
+        <p:spPr>
+          <a:xfrm>
+            <a:off x="1097279" y="1845734"/>
+            <a:ext cx="10841435" cy="4023360"/>
+          </a:xfrm>
+        </p:spPr>
+        <p:txBody>
+          <a:bodyPr>
+            <a:normAutofit fontScale="92500"/>
+          </a:bodyPr>
+          <a:lstStyle/>
+          <a:p>
+            <a:pPr marL="0" indent="0">
+              <a:buNone/>
+            </a:pPr>
+            <a:r>
+              <a:rPr lang="en-IN" dirty="0" smtClean="0"/>
+              <a:t>The system level architecture shows how the sequential processor and the RF is coupled. There are 5 different forms:</a:t>
+            </a:r>
+          </a:p>
+          <a:p>
+            <a:pPr marL="0" indent="0">
+              <a:buNone/>
+            </a:pPr>
+            <a:r>
+              <a:rPr lang="en-IN" dirty="0" smtClean="0">
+                <a:solidFill>
+                  <a:srgbClr val="FE9802"/>
+                </a:solidFill>
+              </a:rPr>
+              <a:t>1. </a:t>
+            </a:r>
+            <a:r>
+              <a:rPr lang="en-IN" dirty="0" smtClean="0">
+                <a:solidFill>
+                  <a:schemeClr val="tx1"/>
+                </a:solidFill>
+              </a:rPr>
+              <a:t>External standalone processing unit</a:t>
+            </a:r>
+          </a:p>
+          <a:p>
+            <a:pPr marL="0" indent="0">
+              <a:buNone/>
+            </a:pPr>
+            <a:r>
+              <a:rPr lang="en-IN" dirty="0" smtClean="0">
+                <a:solidFill>
+                  <a:srgbClr val="FE9802"/>
+                </a:solidFill>
+              </a:rPr>
+              <a:t>2. </a:t>
+            </a:r>
+            <a:r>
+              <a:rPr lang="en-IN" dirty="0" smtClean="0">
+                <a:solidFill>
+                  <a:schemeClr val="tx1"/>
+                </a:solidFill>
+              </a:rPr>
+              <a:t>Attached processing unit		</a:t>
+            </a:r>
+            <a:r>
+              <a:rPr lang="en-IN" dirty="0">
+                <a:solidFill>
+                  <a:srgbClr val="FE9802"/>
+                </a:solidFill>
+              </a:rPr>
+              <a:t>4</a:t>
+            </a:r>
+            <a:r>
+              <a:rPr lang="en-IN" dirty="0" smtClean="0">
+                <a:solidFill>
+                  <a:srgbClr val="FE9802"/>
+                </a:solidFill>
+              </a:rPr>
+              <a:t>. </a:t>
+            </a:r>
+            <a:r>
+              <a:rPr lang="en-IN" dirty="0" smtClean="0">
+                <a:solidFill>
+                  <a:schemeClr val="tx1"/>
+                </a:solidFill>
+              </a:rPr>
+              <a:t>Reconfigurable Functional Unit</a:t>
+            </a:r>
+          </a:p>
+          <a:p>
+            <a:pPr marL="0" indent="0">
+              <a:buNone/>
+            </a:pPr>
+            <a:r>
+              <a:rPr lang="en-IN" dirty="0" smtClean="0">
+                <a:solidFill>
+                  <a:srgbClr val="FE9802"/>
+                </a:solidFill>
+              </a:rPr>
+              <a:t>3. </a:t>
+            </a:r>
+            <a:r>
+              <a:rPr lang="en-IN" dirty="0" smtClean="0">
+                <a:solidFill>
+                  <a:schemeClr val="tx1"/>
+                </a:solidFill>
+              </a:rPr>
+              <a:t>Co-processor				</a:t>
+            </a:r>
+            <a:r>
+              <a:rPr lang="en-IN" dirty="0">
+                <a:solidFill>
+                  <a:srgbClr val="FE9802"/>
+                </a:solidFill>
+              </a:rPr>
+              <a:t>5</a:t>
+            </a:r>
+            <a:r>
+              <a:rPr lang="en-IN" dirty="0" smtClean="0">
+                <a:solidFill>
+                  <a:srgbClr val="FE9802"/>
+                </a:solidFill>
+              </a:rPr>
+              <a:t>. </a:t>
+            </a:r>
+            <a:r>
+              <a:rPr lang="en-IN" dirty="0" smtClean="0">
+                <a:solidFill>
+                  <a:schemeClr val="tx1"/>
+                </a:solidFill>
+              </a:rPr>
+              <a:t>Processor embedded in RF</a:t>
+            </a:r>
+            <a:endParaRPr lang="en-IN" dirty="0">
+              <a:solidFill>
+                <a:srgbClr val="FE9802"/>
+              </a:solidFill>
+            </a:endParaRPr>
+          </a:p>
+        </p:txBody>
+      </p:sp>
+    </p:spTree>
+    <p:extLst>
+      <p:ext uri="{BB962C8B-B14F-4D97-AF65-F5344CB8AC3E}">
+        <p14:creationId xmlns:p14="http://schemas.microsoft.com/office/powerpoint/2010/main" val="1078741424"/>
+      </p:ext>
+    </p:extLst>
+  </p:cSld>
+  <p:clrMapOvr>
+    <a:masterClrMapping/>
+  </p:clrMapOvr>
+  <p:timing>
+    <p:tnLst>
+      <p:par>
+        <p:cTn id="1" dur="indefinite" restart="never" nodeType="tmRoot"/>
+      </p:par>
+    </p:tnLst>
+  </p:timing>
+</p:sld>
+</file>
+
+<file path=ppt/slides/slide21.xml><?xml version="1.0" encoding="utf-8"?>
+<p:sld xmlns:a="http://schemas.openxmlformats.org/drawingml/2006/main" xmlns:r="http://schemas.openxmlformats.org/officeDocument/2006/relationships" xmlns:p="http://schemas.openxmlformats.org/presentationml/2006/main">
+  <p:cSld>
+    <p:spTree>
+      <p:nvGrpSpPr>
+        <p:cNvPr id="1" name=""/>
+        <p:cNvGrpSpPr/>
+        <p:nvPr/>
+      </p:nvGrpSpPr>
+      <p:grpSpPr>
+        <a:xfrm>
+          <a:off x="0" y="0"/>
+          <a:ext cx="0" cy="0"/>
+          <a:chOff x="0" y="0"/>
+          <a:chExt cx="0" cy="0"/>
+        </a:xfrm>
+      </p:grpSpPr>
+      <p:sp>
+        <p:nvSpPr>
+          <p:cNvPr id="2" name="Title 1"/>
+          <p:cNvSpPr>
+            <a:spLocks noGrp="1"/>
+          </p:cNvSpPr>
+          <p:nvPr>
+            <p:ph type="title"/>
+          </p:nvPr>
+        </p:nvSpPr>
+        <p:spPr/>
+        <p:txBody>
+          <a:bodyPr/>
+          <a:lstStyle/>
+          <a:p>
+            <a:r>
+              <a:rPr lang="en-IN" dirty="0" smtClean="0"/>
+              <a:t>Try to add the 5 diagrams </a:t>
+            </a:r>
+            <a:endParaRPr lang="en-IN" dirty="0"/>
+          </a:p>
+        </p:txBody>
+      </p:sp>
+      <p:sp>
+        <p:nvSpPr>
+          <p:cNvPr id="3" name="Content Placeholder 2"/>
+          <p:cNvSpPr>
+            <a:spLocks noGrp="1"/>
+          </p:cNvSpPr>
+          <p:nvPr>
+            <p:ph idx="1"/>
+          </p:nvPr>
+        </p:nvSpPr>
+        <p:spPr/>
+        <p:txBody>
+          <a:bodyPr/>
+          <a:lstStyle/>
+          <a:p>
+            <a:endParaRPr lang="en-IN" dirty="0"/>
+          </a:p>
+        </p:txBody>
+      </p:sp>
+    </p:spTree>
+    <p:extLst>
+      <p:ext uri="{BB962C8B-B14F-4D97-AF65-F5344CB8AC3E}">
+        <p14:creationId xmlns:p14="http://schemas.microsoft.com/office/powerpoint/2010/main" val="1585948087"/>
+      </p:ext>
+    </p:extLst>
+  </p:cSld>
+  <p:clrMapOvr>
+    <a:masterClrMapping/>
+  </p:clrMapOvr>
+  <p:timing>
+    <p:tnLst>
+      <p:par>
+        <p:cTn id="1" dur="indefinite" restart="never" nodeType="tmRoot"/>
+      </p:par>
+    </p:tnLst>
+  </p:timing>
+</p:sld>
+</file>
+
+<file path=ppt/slides/slide22.xml><?xml version="1.0" encoding="utf-8"?>
+<p:sld xmlns:a="http://schemas.openxmlformats.org/drawingml/2006/main" xmlns:r="http://schemas.openxmlformats.org/officeDocument/2006/relationships" xmlns:p="http://schemas.openxmlformats.org/presentationml/2006/main">
+  <p:cSld>
+    <p:spTree>
+      <p:nvGrpSpPr>
+        <p:cNvPr id="1" name=""/>
+        <p:cNvGrpSpPr/>
+        <p:nvPr/>
+      </p:nvGrpSpPr>
+      <p:grpSpPr>
+        <a:xfrm>
+          <a:off x="0" y="0"/>
+          <a:ext cx="0" cy="0"/>
+          <a:chOff x="0" y="0"/>
+          <a:chExt cx="0" cy="0"/>
+        </a:xfrm>
+      </p:grpSpPr>
+      <p:sp>
+        <p:nvSpPr>
+          <p:cNvPr id="2" name="Title 1"/>
+          <p:cNvSpPr>
+            <a:spLocks noGrp="1"/>
+          </p:cNvSpPr>
+          <p:nvPr>
+            <p:ph type="title"/>
+          </p:nvPr>
+        </p:nvSpPr>
+        <p:spPr/>
+        <p:txBody>
+          <a:bodyPr/>
+          <a:lstStyle/>
+          <a:p>
+            <a:r>
+              <a:rPr lang="en-IN" dirty="0" smtClean="0"/>
+              <a:t>3. Granularity</a:t>
+            </a:r>
+            <a:endParaRPr lang="en-IN" dirty="0"/>
+          </a:p>
+        </p:txBody>
+      </p:sp>
+      <p:sp>
+        <p:nvSpPr>
+          <p:cNvPr id="3" name="Content Placeholder 2"/>
+          <p:cNvSpPr>
+            <a:spLocks noGrp="1"/>
+          </p:cNvSpPr>
+          <p:nvPr>
+            <p:ph idx="1"/>
+          </p:nvPr>
+        </p:nvSpPr>
+        <p:spPr/>
+        <p:txBody>
+          <a:bodyPr/>
+          <a:lstStyle/>
+          <a:p>
+            <a:r>
+              <a:rPr lang="en-IN" dirty="0" smtClean="0"/>
+              <a:t>The maximum word length of the implemented functions</a:t>
+            </a:r>
+          </a:p>
+          <a:p>
+            <a:r>
+              <a:rPr lang="en-IN" dirty="0" smtClean="0"/>
+              <a:t>RFs can be categorised into two groups:</a:t>
+            </a:r>
+          </a:p>
+          <a:p>
+            <a:pPr marL="715518" lvl="1" indent="-514350">
+              <a:buFont typeface="+mj-lt"/>
+              <a:buAutoNum type="arabicPeriod"/>
+            </a:pPr>
+            <a:r>
+              <a:rPr lang="en-IN" sz="2800" dirty="0" smtClean="0"/>
+              <a:t>Fine grained</a:t>
+            </a:r>
+          </a:p>
+          <a:p>
+            <a:pPr marL="715518" lvl="1" indent="-514350">
+              <a:buFont typeface="+mj-lt"/>
+              <a:buAutoNum type="arabicPeriod"/>
+            </a:pPr>
+            <a:r>
+              <a:rPr lang="en-IN" sz="2800" dirty="0" smtClean="0"/>
+              <a:t>Coarse grained</a:t>
+            </a:r>
+          </a:p>
+        </p:txBody>
+      </p:sp>
+    </p:spTree>
+    <p:extLst>
+      <p:ext uri="{BB962C8B-B14F-4D97-AF65-F5344CB8AC3E}">
+        <p14:creationId xmlns:p14="http://schemas.microsoft.com/office/powerpoint/2010/main" val="1888443260"/>
+      </p:ext>
+    </p:extLst>
+  </p:cSld>
+  <p:clrMapOvr>
+    <a:masterClrMapping/>
+  </p:clrMapOvr>
+  <p:timing>
+    <p:tnLst>
+      <p:par>
+        <p:cTn id="1" dur="indefinite" restart="never" nodeType="tmRoot"/>
+      </p:par>
+    </p:tnLst>
+  </p:timing>
+</p:sld>
+</file>
+
+<file path=ppt/slides/slide23.xml><?xml version="1.0" encoding="utf-8"?>
+<p:sld xmlns:a="http://schemas.openxmlformats.org/drawingml/2006/main" xmlns:r="http://schemas.openxmlformats.org/officeDocument/2006/relationships" xmlns:p="http://schemas.openxmlformats.org/presentationml/2006/main">
+  <p:cSld>
+    <p:spTree>
+      <p:nvGrpSpPr>
+        <p:cNvPr id="1" name=""/>
+        <p:cNvGrpSpPr/>
+        <p:nvPr/>
+      </p:nvGrpSpPr>
+      <p:grpSpPr>
+        <a:xfrm>
+          <a:off x="0" y="0"/>
+          <a:ext cx="0" cy="0"/>
+          <a:chOff x="0" y="0"/>
+          <a:chExt cx="0" cy="0"/>
+        </a:xfrm>
+      </p:grpSpPr>
+      <p:sp>
+        <p:nvSpPr>
+          <p:cNvPr id="2" name="Title 1"/>
+          <p:cNvSpPr>
+            <a:spLocks noGrp="1"/>
+          </p:cNvSpPr>
+          <p:nvPr>
+            <p:ph type="title"/>
+          </p:nvPr>
+        </p:nvSpPr>
+        <p:spPr/>
+        <p:txBody>
+          <a:bodyPr/>
+          <a:lstStyle/>
+          <a:p>
+            <a:r>
+              <a:rPr lang="en-IN" dirty="0" smtClean="0"/>
+              <a:t>3.1 Fine grained architectures</a:t>
+            </a:r>
+            <a:endParaRPr lang="en-IN" dirty="0"/>
+          </a:p>
+        </p:txBody>
+      </p:sp>
+      <p:sp>
+        <p:nvSpPr>
+          <p:cNvPr id="3" name="Content Placeholder 2"/>
+          <p:cNvSpPr>
+            <a:spLocks noGrp="1"/>
+          </p:cNvSpPr>
+          <p:nvPr>
+            <p:ph idx="1"/>
+          </p:nvPr>
+        </p:nvSpPr>
+        <p:spPr>
+          <a:xfrm>
+            <a:off x="1097280" y="1845734"/>
+            <a:ext cx="10467948" cy="4374762"/>
+          </a:xfrm>
+        </p:spPr>
+        <p:txBody>
+          <a:bodyPr>
+            <a:normAutofit fontScale="92500"/>
+          </a:bodyPr>
+          <a:lstStyle/>
+          <a:p>
+            <a:r>
+              <a:rPr lang="en-IN" dirty="0"/>
+              <a:t> A fine-grained functional unit </a:t>
+            </a:r>
+            <a:r>
+              <a:rPr lang="en-IN" dirty="0" smtClean="0"/>
+              <a:t>can typically </a:t>
+            </a:r>
+            <a:r>
+              <a:rPr lang="en-IN" dirty="0"/>
+              <a:t>implement a single function on a single (or </a:t>
+            </a:r>
+            <a:r>
+              <a:rPr lang="en-IN" dirty="0" smtClean="0"/>
+              <a:t>small number</a:t>
+            </a:r>
+            <a:r>
+              <a:rPr lang="en-IN" dirty="0"/>
+              <a:t>)  of  </a:t>
+            </a:r>
+            <a:r>
+              <a:rPr lang="en-IN" dirty="0" smtClean="0"/>
+              <a:t>bits</a:t>
+            </a:r>
+          </a:p>
+          <a:p>
+            <a:r>
+              <a:rPr lang="en-IN" dirty="0" smtClean="0"/>
+              <a:t>The  </a:t>
+            </a:r>
+            <a:r>
+              <a:rPr lang="en-IN" dirty="0"/>
+              <a:t>most  common  kind  of  </a:t>
+            </a:r>
+            <a:r>
+              <a:rPr lang="en-IN" dirty="0" smtClean="0"/>
+              <a:t>fine-grained functional </a:t>
+            </a:r>
+            <a:r>
+              <a:rPr lang="en-IN" dirty="0"/>
+              <a:t>units are the small lookup tables that are used </a:t>
+            </a:r>
+            <a:r>
+              <a:rPr lang="en-IN" dirty="0" smtClean="0"/>
+              <a:t>to implement logic in FPGAs</a:t>
+            </a:r>
+          </a:p>
+          <a:p>
+            <a:r>
+              <a:rPr lang="en-IN" dirty="0" smtClean="0"/>
+              <a:t>Fine grained architectures are used in fast simple control applications</a:t>
+            </a:r>
+            <a:endParaRPr lang="en-IN" dirty="0"/>
+          </a:p>
+        </p:txBody>
+      </p:sp>
+    </p:spTree>
+    <p:extLst>
+      <p:ext uri="{BB962C8B-B14F-4D97-AF65-F5344CB8AC3E}">
+        <p14:creationId xmlns:p14="http://schemas.microsoft.com/office/powerpoint/2010/main" val="2012528292"/>
+      </p:ext>
+    </p:extLst>
+  </p:cSld>
+  <p:clrMapOvr>
+    <a:masterClrMapping/>
+  </p:clrMapOvr>
+  <p:timing>
+    <p:tnLst>
+      <p:par>
+        <p:cTn id="1" dur="indefinite" restart="never" nodeType="tmRoot"/>
+      </p:par>
+    </p:tnLst>
+  </p:timing>
+</p:sld>
+</file>
+
+<file path=ppt/slides/slide24.xml><?xml version="1.0" encoding="utf-8"?>
+<p:sld xmlns:a="http://schemas.openxmlformats.org/drawingml/2006/main" xmlns:r="http://schemas.openxmlformats.org/officeDocument/2006/relationships" xmlns:p="http://schemas.openxmlformats.org/presentationml/2006/main">
+  <p:cSld>
+    <p:spTree>
+      <p:nvGrpSpPr>
+        <p:cNvPr id="1" name=""/>
+        <p:cNvGrpSpPr/>
+        <p:nvPr/>
+      </p:nvGrpSpPr>
+      <p:grpSpPr>
+        <a:xfrm>
+          <a:off x="0" y="0"/>
+          <a:ext cx="0" cy="0"/>
+          <a:chOff x="0" y="0"/>
+          <a:chExt cx="0" cy="0"/>
+        </a:xfrm>
+      </p:grpSpPr>
+      <p:sp>
+        <p:nvSpPr>
+          <p:cNvPr id="5" name="Title 4"/>
+          <p:cNvSpPr>
+            <a:spLocks noGrp="1"/>
+          </p:cNvSpPr>
+          <p:nvPr>
+            <p:ph type="title"/>
+          </p:nvPr>
+        </p:nvSpPr>
+        <p:spPr/>
+        <p:txBody>
+          <a:bodyPr/>
+          <a:lstStyle/>
+          <a:p>
+            <a:r>
+              <a:rPr lang="en-IN" dirty="0" smtClean="0"/>
+              <a:t>3.1 Fine grained architecture (</a:t>
+            </a:r>
+            <a:r>
+              <a:rPr lang="en-IN" dirty="0" err="1" smtClean="0"/>
+              <a:t>contd</a:t>
+            </a:r>
+            <a:r>
+              <a:rPr lang="en-IN" dirty="0" smtClean="0"/>
+              <a:t> …)</a:t>
+            </a:r>
+            <a:endParaRPr lang="en-IN" dirty="0"/>
+          </a:p>
+        </p:txBody>
+      </p:sp>
+      <p:pic>
+        <p:nvPicPr>
+          <p:cNvPr id="4" name="Picture 3"/>
+          <p:cNvPicPr>
+            <a:picLocks noChangeAspect="1"/>
+          </p:cNvPicPr>
+          <p:nvPr/>
+        </p:nvPicPr>
+        <p:blipFill>
+          <a:blip r:embed="rId2"/>
+          <a:stretch>
+            <a:fillRect/>
+          </a:stretch>
+        </p:blipFill>
+        <p:spPr>
+          <a:xfrm>
+            <a:off x="5924550" y="2009104"/>
+            <a:ext cx="6267450" cy="3919233"/>
+          </a:xfrm>
+          <a:prstGeom prst="rect">
+            <a:avLst/>
+          </a:prstGeom>
+        </p:spPr>
+      </p:pic>
+      <p:sp>
+        <p:nvSpPr>
+          <p:cNvPr id="6" name="Content Placeholder 5"/>
+          <p:cNvSpPr>
+            <a:spLocks noGrp="1"/>
+          </p:cNvSpPr>
+          <p:nvPr>
+            <p:ph idx="1"/>
+          </p:nvPr>
+        </p:nvSpPr>
+        <p:spPr>
+          <a:xfrm>
+            <a:off x="1097281" y="1845734"/>
+            <a:ext cx="5033064" cy="4464914"/>
+          </a:xfrm>
+        </p:spPr>
+        <p:txBody>
+          <a:bodyPr>
+            <a:normAutofit/>
+          </a:bodyPr>
+          <a:lstStyle/>
+          <a:p>
+            <a:r>
+              <a:rPr lang="en-IN" dirty="0" smtClean="0"/>
+              <a:t>A look up table (LUT) is shown in the adjacent figure</a:t>
+            </a:r>
+          </a:p>
+          <a:p>
+            <a:r>
+              <a:rPr lang="en-IN" dirty="0" smtClean="0"/>
+              <a:t>Here we can see that there are basically 3 inputs at the top side and the output derived from these 3 inputs</a:t>
+            </a:r>
+          </a:p>
+        </p:txBody>
+      </p:sp>
+    </p:spTree>
+    <p:extLst>
+      <p:ext uri="{BB962C8B-B14F-4D97-AF65-F5344CB8AC3E}">
+        <p14:creationId xmlns:p14="http://schemas.microsoft.com/office/powerpoint/2010/main" val="1536509453"/>
+      </p:ext>
+    </p:extLst>
+  </p:cSld>
+  <p:clrMapOvr>
+    <a:masterClrMapping/>
+  </p:clrMapOvr>
+  <p:timing>
+    <p:tnLst>
+      <p:par>
+        <p:cTn id="1" dur="indefinite" restart="never" nodeType="tmRoot"/>
+      </p:par>
+    </p:tnLst>
+  </p:timing>
+</p:sld>
+</file>
+
+<file path=ppt/slides/slide25.xml><?xml version="1.0" encoding="utf-8"?>
+<p:sld xmlns:a="http://schemas.openxmlformats.org/drawingml/2006/main" xmlns:r="http://schemas.openxmlformats.org/officeDocument/2006/relationships" xmlns:p="http://schemas.openxmlformats.org/presentationml/2006/main">
+  <p:cSld>
+    <p:spTree>
+      <p:nvGrpSpPr>
+        <p:cNvPr id="1" name=""/>
+        <p:cNvGrpSpPr/>
+        <p:nvPr/>
+      </p:nvGrpSpPr>
+      <p:grpSpPr>
+        <a:xfrm>
+          <a:off x="0" y="0"/>
+          <a:ext cx="0" cy="0"/>
+          <a:chOff x="0" y="0"/>
+          <a:chExt cx="0" cy="0"/>
+        </a:xfrm>
+      </p:grpSpPr>
+      <p:sp>
+        <p:nvSpPr>
+          <p:cNvPr id="2" name="Title 1"/>
+          <p:cNvSpPr>
+            <a:spLocks noGrp="1"/>
+          </p:cNvSpPr>
+          <p:nvPr>
+            <p:ph type="title"/>
+          </p:nvPr>
+        </p:nvSpPr>
+        <p:spPr/>
+        <p:txBody>
+          <a:bodyPr/>
+          <a:lstStyle/>
+          <a:p>
+            <a:r>
+              <a:rPr lang="en-IN" dirty="0" smtClean="0"/>
+              <a:t>3.2 Coarse grained architecture</a:t>
+            </a:r>
+            <a:endParaRPr lang="en-IN" dirty="0"/>
+          </a:p>
+        </p:txBody>
+      </p:sp>
+      <p:sp>
+        <p:nvSpPr>
+          <p:cNvPr id="3" name="Content Placeholder 2"/>
+          <p:cNvSpPr>
+            <a:spLocks noGrp="1"/>
+          </p:cNvSpPr>
+          <p:nvPr>
+            <p:ph idx="1"/>
+          </p:nvPr>
+        </p:nvSpPr>
+        <p:spPr>
+          <a:xfrm>
+            <a:off x="1097280" y="1845734"/>
+            <a:ext cx="10442190" cy="4400520"/>
+          </a:xfrm>
+        </p:spPr>
+        <p:txBody>
+          <a:bodyPr>
+            <a:normAutofit lnSpcReduction="10000"/>
+          </a:bodyPr>
+          <a:lstStyle/>
+          <a:p>
+            <a:r>
+              <a:rPr lang="en-IN" dirty="0" smtClean="0"/>
+              <a:t>A </a:t>
+            </a:r>
+            <a:r>
+              <a:rPr lang="en-IN" dirty="0"/>
+              <a:t>coarse-grained functional </a:t>
+            </a:r>
+            <a:r>
+              <a:rPr lang="en-IN" dirty="0" smtClean="0"/>
+              <a:t>unit, is more larger and complicated </a:t>
+            </a:r>
+            <a:r>
+              <a:rPr lang="en-IN" dirty="0"/>
+              <a:t>and may </a:t>
+            </a:r>
+            <a:r>
+              <a:rPr lang="en-IN" dirty="0" smtClean="0"/>
+              <a:t>consist of ALUs, MACs </a:t>
+            </a:r>
+            <a:r>
+              <a:rPr lang="en-IN" dirty="0"/>
+              <a:t>and possibly even </a:t>
+            </a:r>
+            <a:r>
+              <a:rPr lang="en-IN" dirty="0" smtClean="0"/>
+              <a:t>a significant </a:t>
+            </a:r>
+            <a:r>
+              <a:rPr lang="en-IN" dirty="0"/>
+              <a:t>amount of storage</a:t>
+            </a:r>
+            <a:r>
+              <a:rPr lang="en-IN" dirty="0" smtClean="0"/>
+              <a:t>.</a:t>
+            </a:r>
+          </a:p>
+          <a:p>
+            <a:r>
+              <a:rPr lang="en-IN" dirty="0" smtClean="0"/>
+              <a:t>An example is a DSP block</a:t>
+            </a:r>
+          </a:p>
+          <a:p>
+            <a:r>
+              <a:rPr lang="en-IN" dirty="0" smtClean="0"/>
+              <a:t>Coarse grained architectures are used for high bandwidth data processing like data encryption, video processing etc.</a:t>
+            </a:r>
+            <a:endParaRPr lang="en-IN" dirty="0"/>
+          </a:p>
+          <a:p>
+            <a:endParaRPr lang="en-IN" dirty="0"/>
+          </a:p>
+        </p:txBody>
+      </p:sp>
+    </p:spTree>
+    <p:extLst>
+      <p:ext uri="{BB962C8B-B14F-4D97-AF65-F5344CB8AC3E}">
+        <p14:creationId xmlns:p14="http://schemas.microsoft.com/office/powerpoint/2010/main" val="2807507635"/>
+      </p:ext>
+    </p:extLst>
+  </p:cSld>
+  <p:clrMapOvr>
+    <a:masterClrMapping/>
+  </p:clrMapOvr>
+  <p:timing>
+    <p:tnLst>
+      <p:par>
+        <p:cTn id="1" dur="indefinite" restart="never" nodeType="tmRoot"/>
+      </p:par>
+    </p:tnLst>
+  </p:timing>
+</p:sld>
+</file>
+
+<file path=ppt/slides/slide26.xml><?xml version="1.0" encoding="utf-8"?>
+<p:sld xmlns:a="http://schemas.openxmlformats.org/drawingml/2006/main" xmlns:r="http://schemas.openxmlformats.org/officeDocument/2006/relationships" xmlns:p="http://schemas.openxmlformats.org/presentationml/2006/main">
+  <p:cSld>
+    <p:spTree>
+      <p:nvGrpSpPr>
+        <p:cNvPr id="1" name=""/>
+        <p:cNvGrpSpPr/>
+        <p:nvPr/>
+      </p:nvGrpSpPr>
+      <p:grpSpPr>
+        <a:xfrm>
+          <a:off x="0" y="0"/>
+          <a:ext cx="0" cy="0"/>
+          <a:chOff x="0" y="0"/>
+          <a:chExt cx="0" cy="0"/>
+        </a:xfrm>
+      </p:grpSpPr>
+      <p:pic>
+        <p:nvPicPr>
+          <p:cNvPr id="4" name="Picture 3"/>
+          <p:cNvPicPr>
+            <a:picLocks noChangeAspect="1"/>
+          </p:cNvPicPr>
+          <p:nvPr/>
+        </p:nvPicPr>
+        <p:blipFill>
+          <a:blip r:embed="rId2"/>
+          <a:stretch>
+            <a:fillRect/>
+          </a:stretch>
+        </p:blipFill>
+        <p:spPr>
+          <a:xfrm>
+            <a:off x="5885644" y="1845734"/>
+            <a:ext cx="6306355" cy="4385946"/>
+          </a:xfrm>
+          <a:prstGeom prst="rect">
+            <a:avLst/>
+          </a:prstGeom>
+        </p:spPr>
+      </p:pic>
+      <p:sp>
+        <p:nvSpPr>
+          <p:cNvPr id="2" name="Title 1"/>
+          <p:cNvSpPr>
+            <a:spLocks noGrp="1"/>
+          </p:cNvSpPr>
+          <p:nvPr>
+            <p:ph type="title"/>
+          </p:nvPr>
+        </p:nvSpPr>
+        <p:spPr>
+          <a:xfrm>
+            <a:off x="1097280" y="286603"/>
+            <a:ext cx="10377796" cy="1450757"/>
+          </a:xfrm>
+        </p:spPr>
+        <p:txBody>
+          <a:bodyPr/>
+          <a:lstStyle/>
+          <a:p>
+            <a:r>
+              <a:rPr lang="en-IN" dirty="0" smtClean="0"/>
+              <a:t>3.2 Coarse grained architecture (</a:t>
+            </a:r>
+            <a:r>
+              <a:rPr lang="en-IN" dirty="0" err="1" smtClean="0"/>
+              <a:t>contd</a:t>
+            </a:r>
+            <a:r>
+              <a:rPr lang="en-IN" dirty="0" smtClean="0"/>
+              <a:t> …)</a:t>
+            </a:r>
+            <a:endParaRPr lang="en-IN" dirty="0"/>
+          </a:p>
+        </p:txBody>
+      </p:sp>
+      <p:sp>
+        <p:nvSpPr>
+          <p:cNvPr id="3" name="Content Placeholder 2"/>
+          <p:cNvSpPr>
+            <a:spLocks noGrp="1"/>
+          </p:cNvSpPr>
+          <p:nvPr>
+            <p:ph idx="1"/>
+          </p:nvPr>
+        </p:nvSpPr>
+        <p:spPr>
+          <a:xfrm>
+            <a:off x="1097280" y="1845734"/>
+            <a:ext cx="4788364" cy="4494320"/>
+          </a:xfrm>
+        </p:spPr>
+        <p:txBody>
+          <a:bodyPr>
+            <a:normAutofit fontScale="70000" lnSpcReduction="20000"/>
+          </a:bodyPr>
+          <a:lstStyle/>
+          <a:p>
+            <a:r>
+              <a:rPr lang="en-IN" dirty="0" smtClean="0"/>
+              <a:t>The adjacent figure shows a reconfigurable unit of the ADRES architecture</a:t>
+            </a:r>
+          </a:p>
+          <a:p>
+            <a:r>
+              <a:rPr lang="en-IN" dirty="0" smtClean="0"/>
+              <a:t>Each reconfigurable </a:t>
+            </a:r>
+            <a:r>
+              <a:rPr lang="en-IN" dirty="0"/>
+              <a:t>functional unit in this device contains a </a:t>
+            </a:r>
+            <a:r>
+              <a:rPr lang="en-IN" dirty="0" smtClean="0"/>
+              <a:t>32-bit </a:t>
+            </a:r>
+            <a:r>
+              <a:rPr lang="en-IN" dirty="0"/>
+              <a:t>ALU which can be configured to implement one </a:t>
+            </a:r>
+            <a:r>
+              <a:rPr lang="en-IN" dirty="0" smtClean="0"/>
+              <a:t>of several </a:t>
+            </a:r>
+            <a:r>
+              <a:rPr lang="en-IN" dirty="0"/>
+              <a:t>functions including addition, multiplication </a:t>
+            </a:r>
+            <a:r>
+              <a:rPr lang="en-IN" dirty="0" smtClean="0"/>
+              <a:t>and logic functions and also two </a:t>
+            </a:r>
+            <a:r>
+              <a:rPr lang="en-IN" dirty="0"/>
+              <a:t>small register files. </a:t>
+            </a:r>
+          </a:p>
+        </p:txBody>
+      </p:sp>
+    </p:spTree>
+    <p:extLst>
+      <p:ext uri="{BB962C8B-B14F-4D97-AF65-F5344CB8AC3E}">
+        <p14:creationId xmlns:p14="http://schemas.microsoft.com/office/powerpoint/2010/main" val="1294653815"/>
+      </p:ext>
+    </p:extLst>
+  </p:cSld>
+  <p:clrMapOvr>
+    <a:masterClrMapping/>
+  </p:clrMapOvr>
+  <p:timing>
+    <p:tnLst>
+      <p:par>
+        <p:cTn id="1" dur="indefinite" restart="never" nodeType="tmRoot"/>
+      </p:par>
+    </p:tnLst>
+  </p:timing>
+</p:sld>
+</file>
+
+<file path=ppt/slides/slide27.xml><?xml version="1.0" encoding="utf-8"?>
+<p:sld xmlns:a="http://schemas.openxmlformats.org/drawingml/2006/main" xmlns:r="http://schemas.openxmlformats.org/officeDocument/2006/relationships" xmlns:p="http://schemas.openxmlformats.org/presentationml/2006/main">
+  <p:cSld>
+    <p:spTree>
+      <p:nvGrpSpPr>
+        <p:cNvPr id="1" name=""/>
+        <p:cNvGrpSpPr/>
+        <p:nvPr/>
+      </p:nvGrpSpPr>
+      <p:grpSpPr>
+        <a:xfrm>
+          <a:off x="0" y="0"/>
+          <a:ext cx="0" cy="0"/>
+          <a:chOff x="0" y="0"/>
+          <a:chExt cx="0" cy="0"/>
+        </a:xfrm>
+      </p:grpSpPr>
+      <p:sp>
+        <p:nvSpPr>
+          <p:cNvPr id="2" name="Title 1"/>
+          <p:cNvSpPr>
+            <a:spLocks noGrp="1"/>
+          </p:cNvSpPr>
+          <p:nvPr>
+            <p:ph type="title"/>
+          </p:nvPr>
+        </p:nvSpPr>
+        <p:spPr/>
+        <p:txBody>
+          <a:bodyPr/>
+          <a:lstStyle/>
+          <a:p>
+            <a:r>
+              <a:rPr lang="en-IN" dirty="0" smtClean="0"/>
+              <a:t>4. Programmable Logic Elements</a:t>
+            </a:r>
+            <a:endParaRPr lang="en-IN" dirty="0"/>
+          </a:p>
+        </p:txBody>
+      </p:sp>
+      <p:sp>
+        <p:nvSpPr>
+          <p:cNvPr id="3" name="Content Placeholder 2"/>
+          <p:cNvSpPr>
+            <a:spLocks noGrp="1"/>
+          </p:cNvSpPr>
+          <p:nvPr>
+            <p:ph idx="1"/>
+          </p:nvPr>
+        </p:nvSpPr>
+        <p:spPr/>
+        <p:txBody>
+          <a:bodyPr/>
+          <a:lstStyle/>
+          <a:p>
+            <a:endParaRPr lang="en-IN" dirty="0"/>
+          </a:p>
+        </p:txBody>
+      </p:sp>
+    </p:spTree>
+    <p:extLst>
+      <p:ext uri="{BB962C8B-B14F-4D97-AF65-F5344CB8AC3E}">
+        <p14:creationId xmlns:p14="http://schemas.microsoft.com/office/powerpoint/2010/main" val="3655321638"/>
+      </p:ext>
+    </p:extLst>
+  </p:cSld>
+  <p:clrMapOvr>
+    <a:masterClrMapping/>
+  </p:clrMapOvr>
+  <p:timing>
+    <p:tnLst>
+      <p:par>
+        <p:cTn id="1" dur="indefinite" restart="never" nodeType="tmRoot"/>
+      </p:par>
+    </p:tnLst>
+  </p:timing>
+</p:sld>
+</file>
+
+<file path=ppt/slides/slide28.xml><?xml version="1.0" encoding="utf-8"?>
+<p:sld xmlns:a="http://schemas.openxmlformats.org/drawingml/2006/main" xmlns:r="http://schemas.openxmlformats.org/officeDocument/2006/relationships" xmlns:p="http://schemas.openxmlformats.org/presentationml/2006/main">
+  <p:cSld>
+    <p:spTree>
+      <p:nvGrpSpPr>
+        <p:cNvPr id="1" name=""/>
+        <p:cNvGrpSpPr/>
+        <p:nvPr/>
+      </p:nvGrpSpPr>
+      <p:grpSpPr>
+        <a:xfrm>
+          <a:off x="0" y="0"/>
+          <a:ext cx="0" cy="0"/>
+          <a:chOff x="0" y="0"/>
+          <a:chExt cx="0" cy="0"/>
+        </a:xfrm>
+      </p:grpSpPr>
+      <p:sp>
+        <p:nvSpPr>
+          <p:cNvPr id="2" name="Title 1"/>
+          <p:cNvSpPr>
+            <a:spLocks noGrp="1"/>
+          </p:cNvSpPr>
+          <p:nvPr>
+            <p:ph type="title"/>
+          </p:nvPr>
+        </p:nvSpPr>
+        <p:spPr/>
+        <p:txBody>
+          <a:bodyPr/>
+          <a:lstStyle/>
+          <a:p>
+            <a:r>
+              <a:rPr lang="en-IN" dirty="0" smtClean="0"/>
+              <a:t>Types of Reconfigurations: </a:t>
+            </a:r>
+            <a:endParaRPr lang="en-IN" dirty="0"/>
+          </a:p>
+        </p:txBody>
+      </p:sp>
+      <p:sp>
+        <p:nvSpPr>
+          <p:cNvPr id="3" name="Content Placeholder 2"/>
+          <p:cNvSpPr>
+            <a:spLocks noGrp="1"/>
+          </p:cNvSpPr>
+          <p:nvPr>
+            <p:ph idx="1"/>
+          </p:nvPr>
+        </p:nvSpPr>
+        <p:spPr/>
+        <p:txBody>
+          <a:bodyPr>
+            <a:normAutofit fontScale="92500" lnSpcReduction="10000"/>
+          </a:bodyPr>
+          <a:lstStyle/>
+          <a:p>
+            <a:pPr marL="514350" indent="-514350">
+              <a:buFont typeface="+mj-lt"/>
+              <a:buAutoNum type="arabicPeriod"/>
+            </a:pPr>
+            <a:r>
+              <a:rPr lang="en-IN" dirty="0" smtClean="0"/>
+              <a:t>Static Reconfiguration – The reconfiguration is done at the time of compilation and loading of the program</a:t>
+            </a:r>
+            <a:br>
+              <a:rPr lang="en-IN" dirty="0" smtClean="0"/>
+            </a:br>
+            <a:r>
+              <a:rPr lang="en-IN" dirty="0" smtClean="0"/>
+              <a:t>E.g. FPGAs</a:t>
+            </a:r>
+          </a:p>
+          <a:p>
+            <a:pPr marL="514350" indent="-514350">
+              <a:buFont typeface="+mj-lt"/>
+              <a:buAutoNum type="arabicPeriod"/>
+            </a:pPr>
+            <a:r>
+              <a:rPr lang="en-IN" dirty="0" smtClean="0"/>
+              <a:t>Dynamic Reconfiguration – The reconfiguration is done during runtime</a:t>
+            </a:r>
+            <a:br>
+              <a:rPr lang="en-IN" dirty="0" smtClean="0"/>
+            </a:br>
+            <a:r>
+              <a:rPr lang="en-IN" dirty="0" smtClean="0"/>
+              <a:t>E.g. Advanced Chameleon Circuits</a:t>
+            </a:r>
+            <a:endParaRPr lang="en-IN" dirty="0"/>
+          </a:p>
+        </p:txBody>
+      </p:sp>
+    </p:spTree>
+    <p:extLst>
+      <p:ext uri="{BB962C8B-B14F-4D97-AF65-F5344CB8AC3E}">
+        <p14:creationId xmlns:p14="http://schemas.microsoft.com/office/powerpoint/2010/main" val="3100094189"/>
+      </p:ext>
+    </p:extLst>
+  </p:cSld>
+  <p:clrMapOvr>
+    <a:masterClrMapping/>
+  </p:clrMapOvr>
+  <p:timing>
+    <p:tnLst>
+      <p:par>
+        <p:cTn id="1" dur="indefinite" restart="never" nodeType="tmRoot"/>
+      </p:par>
+    </p:tnLst>
+  </p:timing>
+</p:sld>
+</file>
+
+<file path=ppt/slides/slide3.xml><?xml version="1.0" encoding="utf-8"?>
+<p:sld xmlns:a="http://schemas.openxmlformats.org/drawingml/2006/main" xmlns:r="http://schemas.openxmlformats.org/officeDocument/2006/relationships" xmlns:p="http://schemas.openxmlformats.org/presentationml/2006/main">
+  <p:cSld>
+    <p:spTree>
+      <p:nvGrpSpPr>
+        <p:cNvPr id="1" name=""/>
+        <p:cNvGrpSpPr/>
+        <p:nvPr/>
+      </p:nvGrpSpPr>
+      <p:grpSpPr>
+        <a:xfrm>
+          <a:off x="0" y="0"/>
+          <a:ext cx="0" cy="0"/>
+          <a:chOff x="0" y="0"/>
+          <a:chExt cx="0" cy="0"/>
+        </a:xfrm>
+      </p:grpSpPr>
+      <p:sp>
+        <p:nvSpPr>
+          <p:cNvPr id="4" name="Title 3"/>
+          <p:cNvSpPr>
+            <a:spLocks noGrp="1"/>
+          </p:cNvSpPr>
+          <p:nvPr>
+            <p:ph type="ctrTitle" idx="4294967295"/>
+          </p:nvPr>
+        </p:nvSpPr>
+        <p:spPr>
+          <a:xfrm>
+            <a:off x="-419655" y="-1674254"/>
+            <a:ext cx="10058400" cy="3565525"/>
+          </a:xfrm>
+        </p:spPr>
+        <p:txBody>
+          <a:bodyPr>
+            <a:normAutofit/>
+          </a:bodyPr>
+          <a:lstStyle/>
+          <a:p>
+            <a:pPr algn="ctr"/>
+            <a:r>
+              <a:rPr lang="en-IN" sz="8000" dirty="0" smtClean="0">
+                <a:solidFill>
+                  <a:srgbClr val="00B0F0"/>
+                </a:solidFill>
+                <a:effectLst>
+                  <a:outerShdw blurRad="38100" dist="38100" dir="2700000" algn="tl">
+                    <a:srgbClr val="000000">
+                      <a:alpha val="43137"/>
+                    </a:srgbClr>
+                  </a:outerShdw>
+                </a:effectLst>
+                <a:latin typeface="Times New Roman" panose="02020603050405020304" pitchFamily="18" charset="0"/>
+                <a:cs typeface="Times New Roman" panose="02020603050405020304" pitchFamily="18" charset="0"/>
+              </a:rPr>
+              <a:t>INTRODUCTION</a:t>
+            </a:r>
+            <a:endParaRPr lang="en-IN" sz="8000" dirty="0">
+              <a:solidFill>
+                <a:srgbClr val="00B0F0"/>
+              </a:solidFill>
+              <a:effectLst>
+                <a:outerShdw blurRad="38100" dist="38100" dir="2700000" algn="tl">
+                  <a:srgbClr val="000000">
+                    <a:alpha val="43137"/>
+                  </a:srgbClr>
+                </a:outerShdw>
+              </a:effectLst>
+              <a:latin typeface="Times New Roman" panose="02020603050405020304" pitchFamily="18" charset="0"/>
+              <a:cs typeface="Times New Roman" panose="02020603050405020304" pitchFamily="18" charset="0"/>
+            </a:endParaRPr>
+          </a:p>
+        </p:txBody>
+      </p:sp>
+      <p:pic>
+        <p:nvPicPr>
+          <p:cNvPr id="3074" name="Picture 2" descr="http://deepthoughttech.net/wp-content/uploads/2014/07/Computer-system-technology-hd-desktop.jpg"/>
+          <p:cNvPicPr>
+            <a:picLocks noChangeAspect="1" noChangeArrowheads="1"/>
+          </p:cNvPicPr>
+          <p:nvPr/>
+        </p:nvPicPr>
+        <p:blipFill>
+          <a:blip r:embed="rId2">
+            <a:extLst>
+              <a:ext uri="{28A0092B-C50C-407E-A947-70E740481C1C}">
+                <a14:useLocalDpi xmlns:a14="http://schemas.microsoft.com/office/drawing/2010/main" val="0"/>
+              </a:ext>
+            </a:extLst>
+          </a:blip>
+          <a:srcRect/>
+          <a:stretch>
+            <a:fillRect/>
+          </a:stretch>
+        </p:blipFill>
+        <p:spPr bwMode="auto">
+          <a:xfrm>
+            <a:off x="5273924" y="2171545"/>
+            <a:ext cx="6574639" cy="3698235"/>
+          </a:xfrm>
+          <a:prstGeom prst="rect">
+            <a:avLst/>
+          </a:prstGeom>
+          <a:noFill/>
+          <a:extLst>
+            <a:ext uri="{909E8E84-426E-40DD-AFC4-6F175D3DCCD1}">
+              <a14:hiddenFill xmlns:a14="http://schemas.microsoft.com/office/drawing/2010/main">
+                <a:solidFill>
+                  <a:srgbClr val="FFFFFF"/>
+                </a:solidFill>
+              </a14:hiddenFill>
+            </a:ext>
+          </a:extLst>
+        </p:spPr>
+      </p:pic>
+    </p:spTree>
+    <p:extLst>
+      <p:ext uri="{BB962C8B-B14F-4D97-AF65-F5344CB8AC3E}">
+        <p14:creationId xmlns:p14="http://schemas.microsoft.com/office/powerpoint/2010/main" val="3767209531"/>
+      </p:ext>
+    </p:extLst>
+  </p:cSld>
+  <p:clrMapOvr>
+    <a:masterClrMapping/>
+  </p:clrMapOvr>
+  <p:timing>
+    <p:tnLst>
+      <p:par>
+        <p:cTn id="1" dur="indefinite" restart="never" nodeType="tmRoot"/>
+      </p:par>
+    </p:tnLst>
+  </p:timing>
+</p:sld>
+</file>
+
+<file path=ppt/slides/slide4.xml><?xml version="1.0" encoding="utf-8"?>
+<p:sld xmlns:a="http://schemas.openxmlformats.org/drawingml/2006/main" xmlns:r="http://schemas.openxmlformats.org/officeDocument/2006/relationships" xmlns:p="http://schemas.openxmlformats.org/presentationml/2006/main">
+  <p:cSld>
+    <p:spTree>
+      <p:nvGrpSpPr>
+        <p:cNvPr id="1" name=""/>
+        <p:cNvGrpSpPr/>
+        <p:nvPr/>
+      </p:nvGrpSpPr>
+      <p:grpSpPr>
+        <a:xfrm>
+          <a:off x="0" y="0"/>
+          <a:ext cx="0" cy="0"/>
+          <a:chOff x="0" y="0"/>
+          <a:chExt cx="0" cy="0"/>
+        </a:xfrm>
+      </p:grpSpPr>
+      <p:sp>
+        <p:nvSpPr>
+          <p:cNvPr id="2" name="Title 1"/>
+          <p:cNvSpPr>
+            <a:spLocks noGrp="1"/>
+          </p:cNvSpPr>
+          <p:nvPr>
+            <p:ph type="title"/>
+          </p:nvPr>
+        </p:nvSpPr>
+        <p:spPr/>
+        <p:txBody>
+          <a:bodyPr/>
+          <a:lstStyle/>
+          <a:p>
+            <a:r>
               <a:rPr lang="en-US" i="1" dirty="0" smtClean="0">
                 <a:solidFill>
                   <a:srgbClr val="92D050"/>
@@ -4386,6 +6814,47 @@
           </a:p>
         </p:txBody>
       </p:sp>
+      <p:pic>
+        <p:nvPicPr>
+          <p:cNvPr id="1030" name="Picture 6" descr="https://upload.wikimedia.org/wikipedia/commons/3/35/Fpga_xilinx_spartan.jpg"/>
+          <p:cNvPicPr>
+            <a:picLocks noChangeAspect="1" noChangeArrowheads="1"/>
+          </p:cNvPicPr>
+          <p:nvPr/>
+        </p:nvPicPr>
+        <p:blipFill>
+          <a:blip r:embed="rId2">
+            <a:extLst>
+              <a:ext uri="{28A0092B-C50C-407E-A947-70E740481C1C}">
+                <a14:useLocalDpi xmlns:a14="http://schemas.microsoft.com/office/drawing/2010/main" val="0"/>
+              </a:ext>
+            </a:extLst>
+          </a:blip>
+          <a:srcRect/>
+          <a:stretch>
+            <a:fillRect/>
+          </a:stretch>
+        </p:blipFill>
+        <p:spPr bwMode="auto">
+          <a:xfrm>
+            <a:off x="9407857" y="2905843"/>
+            <a:ext cx="2364194" cy="2547085"/>
+          </a:xfrm>
+          <a:prstGeom prst="rect">
+            <a:avLst/>
+          </a:prstGeom>
+          <a:noFill/>
+          <a:extLst>
+            <a:ext uri="{909E8E84-426E-40DD-AFC4-6F175D3DCCD1}">
+              <a14:hiddenFill xmlns:a14="http://schemas.microsoft.com/office/drawing/2010/main">
+                <a:solidFill>
+                  <a:srgbClr val="FFFFFF"/>
+                </a:solidFill>
+              </a14:hiddenFill>
+            </a:ext>
+          </a:extLst>
+        </p:spPr>
+      </p:pic>
       <p:sp>
         <p:nvSpPr>
           <p:cNvPr id="3" name="Content Placeholder 2"/>
@@ -4462,7 +6931,46 @@
                 <a:latin typeface="Arial" panose="020B0604020202020204" pitchFamily="34" charset="0"/>
                 <a:cs typeface="Arial" panose="020B0604020202020204" pitchFamily="34" charset="0"/>
               </a:rPr>
-              <a:t> – An electronic circuitry that carries out the instructions of a computer program by performing the basic arithmetic, logical, control and input/output operations</a:t>
+              <a:t> – An electronic circuitry that carries out the</a:t>
+            </a:r>
+            <a:br>
+              <a:rPr lang="en-US" sz="3000" dirty="0" smtClean="0">
+                <a:latin typeface="Arial" panose="020B0604020202020204" pitchFamily="34" charset="0"/>
+                <a:cs typeface="Arial" panose="020B0604020202020204" pitchFamily="34" charset="0"/>
+              </a:rPr>
+            </a:br>
+            <a:r>
+              <a:rPr lang="en-US" sz="3000" dirty="0" smtClean="0">
+                <a:latin typeface="Arial" panose="020B0604020202020204" pitchFamily="34" charset="0"/>
+                <a:cs typeface="Arial" panose="020B0604020202020204" pitchFamily="34" charset="0"/>
+              </a:rPr>
+              <a:t> instructions of a computer program by performing the </a:t>
+            </a:r>
+            <a:br>
+              <a:rPr lang="en-US" sz="3000" dirty="0" smtClean="0">
+                <a:latin typeface="Arial" panose="020B0604020202020204" pitchFamily="34" charset="0"/>
+                <a:cs typeface="Arial" panose="020B0604020202020204" pitchFamily="34" charset="0"/>
+              </a:rPr>
+            </a:br>
+            <a:r>
+              <a:rPr lang="en-US" sz="3000" dirty="0" smtClean="0">
+                <a:latin typeface="Arial" panose="020B0604020202020204" pitchFamily="34" charset="0"/>
+                <a:cs typeface="Arial" panose="020B0604020202020204" pitchFamily="34" charset="0"/>
+              </a:rPr>
+              <a:t> basic arithmetic, logical, control and input/output </a:t>
+            </a:r>
+            <a:br>
+              <a:rPr lang="en-US" sz="3000" dirty="0" smtClean="0">
+                <a:latin typeface="Arial" panose="020B0604020202020204" pitchFamily="34" charset="0"/>
+                <a:cs typeface="Arial" panose="020B0604020202020204" pitchFamily="34" charset="0"/>
+              </a:rPr>
+            </a:br>
+            <a:r>
+              <a:rPr lang="en-US" sz="3000" dirty="0" smtClean="0">
+                <a:latin typeface="Arial" panose="020B0604020202020204" pitchFamily="34" charset="0"/>
+                <a:cs typeface="Arial" panose="020B0604020202020204" pitchFamily="34" charset="0"/>
+              </a:rPr>
+              <a:t> operations</a:t>
             </a:r>
             <a:endParaRPr lang="en-IN" sz="3000" dirty="0" smtClean="0">
               <a:latin typeface="Arial" panose="020B0604020202020204" pitchFamily="34" charset="0"/>
@@ -4526,7 +7034,7 @@
                             </p:stCondLst>
                             <p:childTnLst>
                               <p:par>
-                                <p:cTn id="5" presetID="1" presetClass="entr" presetSubtype="0" fill="hold" nodeType="clickEffect">
+                                <p:cTn id="5" presetID="1" presetClass="entr" presetSubtype="0" fill="hold" grpId="0" nodeType="clickEffect">
                                   <p:stCondLst>
                                     <p:cond delay="0"/>
                                   </p:stCondLst>
@@ -4575,7 +7083,7 @@
                             </p:stCondLst>
                             <p:childTnLst>
                               <p:par>
-                                <p:cTn id="9" presetID="1" presetClass="entr" presetSubtype="0" fill="hold" nodeType="clickEffect">
+                                <p:cTn id="9" presetID="1" presetClass="entr" presetSubtype="0" fill="hold" grpId="0" nodeType="clickEffect">
                                   <p:stCondLst>
                                     <p:cond delay="0"/>
                                   </p:stCondLst>
@@ -4624,7 +7132,7 @@
                             </p:stCondLst>
                             <p:childTnLst>
                               <p:par>
-                                <p:cTn id="13" presetID="1" presetClass="entr" presetSubtype="0" fill="hold" nodeType="clickEffect">
+                                <p:cTn id="13" presetID="1" presetClass="entr" presetSubtype="0" fill="hold" grpId="0" nodeType="clickEffect">
                                   <p:stCondLst>
                                     <p:cond delay="0"/>
                                   </p:stCondLst>
@@ -4642,6 +7150,33 @@
                                               <p:pRg st="2" end="2"/>
                                             </p:txEl>
                                           </p:spTgt>
+                                        </p:tgtEl>
+                                        <p:attrNameLst>
+                                          <p:attrName>style.visibility</p:attrName>
+                                        </p:attrNameLst>
+                                      </p:cBhvr>
+                                      <p:to>
+                                        <p:strVal val="visible"/>
+                                      </p:to>
+                                    </p:set>
+                                  </p:childTnLst>
+                                </p:cTn>
+                              </p:par>
+                              <p:par>
+                                <p:cTn id="15" presetID="1" presetClass="entr" presetSubtype="0" fill="hold" nodeType="withEffect">
+                                  <p:stCondLst>
+                                    <p:cond delay="0"/>
+                                  </p:stCondLst>
+                                  <p:childTnLst>
+                                    <p:set>
+                                      <p:cBhvr>
+                                        <p:cTn id="16" dur="1" fill="hold">
+                                          <p:stCondLst>
+                                            <p:cond delay="0"/>
+                                          </p:stCondLst>
+                                        </p:cTn>
+                                        <p:tgtEl>
+                                          <p:spTgt spid="1030"/>
                                         </p:tgtEl>
                                         <p:attrNameLst>
                                           <p:attrName>style.visibility</p:attrName>
@@ -4681,205 +7216,10 @@
         </p:cTn>
       </p:par>
     </p:tnLst>
+    <p:bldLst>
+      <p:bldP spid="3" grpId="0" build="p"/>
+    </p:bldLst>
   </p:timing>
-</p:sld>
-</file>
-
-<file path=ppt/slides/slide3.xml><?xml version="1.0" encoding="utf-8"?>
-<p:sld xmlns:a="http://schemas.openxmlformats.org/drawingml/2006/main" xmlns:r="http://schemas.openxmlformats.org/officeDocument/2006/relationships" xmlns:p="http://schemas.openxmlformats.org/presentationml/2006/main">
-  <p:cSld>
-    <p:spTree>
-      <p:nvGrpSpPr>
-        <p:cNvPr id="1" name=""/>
-        <p:cNvGrpSpPr/>
-        <p:nvPr/>
-      </p:nvGrpSpPr>
-      <p:grpSpPr>
-        <a:xfrm>
-          <a:off x="0" y="0"/>
-          <a:ext cx="0" cy="0"/>
-          <a:chOff x="0" y="0"/>
-          <a:chExt cx="0" cy="0"/>
-        </a:xfrm>
-      </p:grpSpPr>
-      <p:sp>
-        <p:nvSpPr>
-          <p:cNvPr id="2" name="Title 1"/>
-          <p:cNvSpPr>
-            <a:spLocks noGrp="1"/>
-          </p:cNvSpPr>
-          <p:nvPr>
-            <p:ph type="title"/>
-          </p:nvPr>
-        </p:nvSpPr>
-        <p:spPr/>
-        <p:txBody>
-          <a:bodyPr/>
-          <a:lstStyle/>
-          <a:p>
-            <a:r>
-              <a:rPr lang="en-IN" dirty="0" smtClean="0"/>
-              <a:t>A peek into history</a:t>
-            </a:r>
-            <a:endParaRPr lang="en-IN" dirty="0"/>
-          </a:p>
-        </p:txBody>
-      </p:sp>
-      <p:sp>
-        <p:nvSpPr>
-          <p:cNvPr id="3" name="Content Placeholder 2"/>
-          <p:cNvSpPr>
-            <a:spLocks noGrp="1"/>
-          </p:cNvSpPr>
-          <p:nvPr>
-            <p:ph idx="1"/>
-          </p:nvPr>
-        </p:nvSpPr>
-        <p:spPr/>
-        <p:txBody>
-          <a:bodyPr/>
-          <a:lstStyle/>
-          <a:p>
-            <a:pPr>
-              <a:buFont typeface="Arial" panose="020B0604020202020204" pitchFamily="34" charset="0"/>
-              <a:buChar char="•"/>
-            </a:pPr>
-            <a:r>
-              <a:rPr lang="en-IN" dirty="0" smtClean="0"/>
-              <a:t>First programmable devices</a:t>
-            </a:r>
-          </a:p>
-          <a:p>
-            <a:pPr>
-              <a:buFont typeface="Arial" panose="020B0604020202020204" pitchFamily="34" charset="0"/>
-              <a:buChar char="•"/>
-            </a:pPr>
-            <a:r>
-              <a:rPr lang="en-IN" dirty="0" smtClean="0"/>
-              <a:t>Advent of reconfigurable hardware</a:t>
-            </a:r>
-          </a:p>
-          <a:p>
-            <a:pPr>
-              <a:buFont typeface="Arial" panose="020B0604020202020204" pitchFamily="34" charset="0"/>
-              <a:buChar char="•"/>
-            </a:pPr>
-            <a:r>
-              <a:rPr lang="en-IN" dirty="0" smtClean="0"/>
-              <a:t>Reconfigurable processors</a:t>
-            </a:r>
-            <a:endParaRPr lang="en-IN" dirty="0"/>
-          </a:p>
-        </p:txBody>
-      </p:sp>
-    </p:spTree>
-    <p:extLst>
-      <p:ext uri="{BB962C8B-B14F-4D97-AF65-F5344CB8AC3E}">
-        <p14:creationId xmlns:p14="http://schemas.microsoft.com/office/powerpoint/2010/main" val="3343135226"/>
-      </p:ext>
-    </p:extLst>
-  </p:cSld>
-  <p:clrMapOvr>
-    <a:masterClrMapping/>
-  </p:clrMapOvr>
-</p:sld>
-</file>
-
-<file path=ppt/slides/slide4.xml><?xml version="1.0" encoding="utf-8"?>
-<p:sld xmlns:a="http://schemas.openxmlformats.org/drawingml/2006/main" xmlns:r="http://schemas.openxmlformats.org/officeDocument/2006/relationships" xmlns:p="http://schemas.openxmlformats.org/presentationml/2006/main">
-  <p:cSld>
-    <p:spTree>
-      <p:nvGrpSpPr>
-        <p:cNvPr id="1" name=""/>
-        <p:cNvGrpSpPr/>
-        <p:nvPr/>
-      </p:nvGrpSpPr>
-      <p:grpSpPr>
-        <a:xfrm>
-          <a:off x="0" y="0"/>
-          <a:ext cx="0" cy="0"/>
-          <a:chOff x="0" y="0"/>
-          <a:chExt cx="0" cy="0"/>
-        </a:xfrm>
-      </p:grpSpPr>
-      <p:sp>
-        <p:nvSpPr>
-          <p:cNvPr id="2" name="Title 1"/>
-          <p:cNvSpPr>
-            <a:spLocks noGrp="1"/>
-          </p:cNvSpPr>
-          <p:nvPr>
-            <p:ph type="title"/>
-          </p:nvPr>
-        </p:nvSpPr>
-        <p:spPr/>
-        <p:txBody>
-          <a:bodyPr/>
-          <a:lstStyle/>
-          <a:p>
-            <a:r>
-              <a:rPr lang="en-IN" dirty="0" smtClean="0"/>
-              <a:t>First programmable hardware</a:t>
-            </a:r>
-            <a:endParaRPr lang="en-IN" dirty="0"/>
-          </a:p>
-        </p:txBody>
-      </p:sp>
-      <p:sp>
-        <p:nvSpPr>
-          <p:cNvPr id="3" name="Content Placeholder 2"/>
-          <p:cNvSpPr>
-            <a:spLocks noGrp="1"/>
-          </p:cNvSpPr>
-          <p:nvPr>
-            <p:ph idx="1"/>
-          </p:nvPr>
-        </p:nvSpPr>
-        <p:spPr/>
-        <p:txBody>
-          <a:bodyPr/>
-          <a:lstStyle/>
-          <a:p>
-            <a:pPr>
-              <a:buFont typeface="Arial" panose="020B0604020202020204" pitchFamily="34" charset="0"/>
-              <a:buChar char="•"/>
-            </a:pPr>
-            <a:r>
-              <a:rPr lang="en-IN" dirty="0" smtClean="0"/>
-              <a:t>First </a:t>
-            </a:r>
-            <a:r>
-              <a:rPr lang="en-IN" dirty="0" smtClean="0"/>
-              <a:t>programmable devices where ROMs (Read Only Memory</a:t>
-            </a:r>
-            <a:r>
-              <a:rPr lang="en-IN" dirty="0" smtClean="0"/>
-              <a:t>)</a:t>
-            </a:r>
-          </a:p>
-          <a:p>
-            <a:pPr>
-              <a:buFont typeface="Arial" panose="020B0604020202020204" pitchFamily="34" charset="0"/>
-              <a:buChar char="•"/>
-            </a:pPr>
-            <a:r>
-              <a:rPr lang="en-IN" dirty="0" smtClean="0"/>
-              <a:t>They were used to create arbitrary combinational logic functions of a number of inputs</a:t>
-            </a:r>
-            <a:endParaRPr lang="en-IN" dirty="0" smtClean="0"/>
-          </a:p>
-        </p:txBody>
-      </p:sp>
-    </p:spTree>
-    <p:extLst>
-      <p:ext uri="{BB962C8B-B14F-4D97-AF65-F5344CB8AC3E}">
-        <p14:creationId xmlns:p14="http://schemas.microsoft.com/office/powerpoint/2010/main" val="992224491"/>
-      </p:ext>
-    </p:extLst>
-  </p:cSld>
-  <p:clrMapOvr>
-    <a:masterClrMapping/>
-  </p:clrMapOvr>
 </p:sld>
 </file>
 
@@ -4917,7 +7257,7 @@
           <a:p>
             <a:r>
               <a:rPr lang="en-IN" dirty="0" smtClean="0"/>
-              <a:t>Disadvantages of ROMs</a:t>
+              <a:t>Processing Circuits</a:t>
             </a:r>
             <a:endParaRPr lang="en-IN" dirty="0"/>
           </a:p>
@@ -4938,61 +7278,130 @@
           <a:bodyPr/>
           <a:lstStyle/>
           <a:p>
-            <a:pPr>
-              <a:buFont typeface="Arial" panose="020B0604020202020204" pitchFamily="34" charset="0"/>
-              <a:buChar char="•"/>
-            </a:pPr>
-            <a:r>
-              <a:rPr lang="en-IN" dirty="0" smtClean="0"/>
-              <a:t>Slower than dedicated circuits</a:t>
-            </a:r>
-          </a:p>
-          <a:p>
-            <a:pPr>
-              <a:buFont typeface="Arial" panose="020B0604020202020204" pitchFamily="34" charset="0"/>
-              <a:buChar char="•"/>
-            </a:pPr>
-            <a:r>
-              <a:rPr lang="en-IN" dirty="0" smtClean="0"/>
-              <a:t>More expensive than programmable logic, especially if</a:t>
+            <a:r>
+              <a:rPr lang="en-IN" dirty="0" smtClean="0"/>
+              <a:t>Processing circuits can be broadly classified into two:</a:t>
+            </a:r>
+          </a:p>
+          <a:p>
+            <a:pPr lvl="1"/>
+            <a:r>
+              <a:rPr lang="en-IN" sz="2800" dirty="0" smtClean="0"/>
+              <a:t>General Purpose Processors (GPP)</a:t>
             </a:r>
             <a:br>
-              <a:rPr lang="en-IN" dirty="0" smtClean="0"/>
+              <a:rPr lang="en-IN" sz="2800" dirty="0" smtClean="0"/>
             </a:br>
-            <a:r>
-              <a:rPr lang="en-IN" dirty="0" smtClean="0"/>
-              <a:t> high speed is required</a:t>
-            </a:r>
-          </a:p>
-          <a:p>
-            <a:pPr>
-              <a:buFont typeface="Arial" panose="020B0604020202020204" pitchFamily="34" charset="0"/>
-              <a:buChar char="•"/>
-            </a:pPr>
-            <a:r>
-              <a:rPr lang="en-IN" dirty="0" smtClean="0"/>
-              <a:t>Since most ROMs do not have input or output registers,</a:t>
-            </a:r>
-            <a:br>
-              <a:rPr lang="en-IN" dirty="0" smtClean="0"/>
-            </a:br>
-            <a:r>
-              <a:rPr lang="en-IN" dirty="0" smtClean="0"/>
-              <a:t> they cannot used for stand-alone for sequential logic</a:t>
-            </a:r>
-          </a:p>
-        </p:txBody>
-      </p:sp>
+            <a:endParaRPr lang="en-IN" sz="2800" dirty="0" smtClean="0"/>
+          </a:p>
+          <a:p>
+            <a:pPr lvl="1"/>
+            <a:r>
+              <a:rPr lang="en-IN" sz="2800" dirty="0" smtClean="0"/>
+              <a:t>Application Specific Processors / Circuits (ASIC)</a:t>
+            </a:r>
+          </a:p>
+        </p:txBody>
+      </p:sp>
+      <p:pic>
+        <p:nvPicPr>
+          <p:cNvPr id="1028" name="Picture 4" descr="http://img.directindustry.com/images_di/photo-g/profibus-pa-foundation-fieldbus-ff-h1-asic-11592-4657513.jpg"/>
+          <p:cNvPicPr>
+            <a:picLocks noChangeAspect="1" noChangeArrowheads="1"/>
+          </p:cNvPicPr>
+          <p:nvPr/>
+        </p:nvPicPr>
+        <p:blipFill>
+          <a:blip r:embed="rId2" cstate="print">
+            <a:extLst>
+              <a:ext uri="{28A0092B-C50C-407E-A947-70E740481C1C}">
+                <a14:useLocalDpi xmlns:a14="http://schemas.microsoft.com/office/drawing/2010/main" val="0"/>
+              </a:ext>
+            </a:extLst>
+          </a:blip>
+          <a:srcRect/>
+          <a:stretch>
+            <a:fillRect/>
+          </a:stretch>
+        </p:blipFill>
+        <p:spPr bwMode="auto">
+          <a:xfrm>
+            <a:off x="9298547" y="4027356"/>
+            <a:ext cx="2380399" cy="2197902"/>
+          </a:xfrm>
+          <a:prstGeom prst="rect">
+            <a:avLst/>
+          </a:prstGeom>
+          <a:noFill/>
+          <a:extLst>
+            <a:ext uri="{909E8E84-426E-40DD-AFC4-6F175D3DCCD1}">
+              <a14:hiddenFill xmlns:a14="http://schemas.microsoft.com/office/drawing/2010/main">
+                <a:solidFill>
+                  <a:srgbClr val="FFFFFF"/>
+                </a:solidFill>
+              </a14:hiddenFill>
+            </a:ext>
+          </a:extLst>
+        </p:spPr>
+      </p:pic>
+      <p:pic>
+        <p:nvPicPr>
+          <p:cNvPr id="1026" name="Picture 2" descr="http://www.papervisions.com/wp-content/uploads/2013/04/nehalem-microprocessor-architecture-3.jpg"/>
+          <p:cNvPicPr>
+            <a:picLocks noChangeAspect="1" noChangeArrowheads="1"/>
+          </p:cNvPicPr>
+          <p:nvPr/>
+        </p:nvPicPr>
+        <p:blipFill>
+          <a:blip r:embed="rId3">
+            <a:extLst>
+              <a:ext uri="{28A0092B-C50C-407E-A947-70E740481C1C}">
+                <a14:useLocalDpi xmlns:a14="http://schemas.microsoft.com/office/drawing/2010/main" val="0"/>
+              </a:ext>
+            </a:extLst>
+          </a:blip>
+          <a:srcRect/>
+          <a:stretch>
+            <a:fillRect/>
+          </a:stretch>
+        </p:blipFill>
+        <p:spPr bwMode="auto">
+          <a:xfrm>
+            <a:off x="9597918" y="2469594"/>
+            <a:ext cx="1557762" cy="1557762"/>
+          </a:xfrm>
+          <a:prstGeom prst="rect">
+            <a:avLst/>
+          </a:prstGeom>
+          <a:noFill/>
+          <a:extLst>
+            <a:ext uri="{909E8E84-426E-40DD-AFC4-6F175D3DCCD1}">
+              <a14:hiddenFill xmlns:a14="http://schemas.microsoft.com/office/drawing/2010/main">
+                <a:solidFill>
+                  <a:srgbClr val="FFFFFF"/>
+                </a:solidFill>
+              </a14:hiddenFill>
+            </a:ext>
+          </a:extLst>
+        </p:spPr>
+      </p:pic>
     </p:spTree>
     <p:extLst>
       <p:ext uri="{BB962C8B-B14F-4D97-AF65-F5344CB8AC3E}">
-        <p14:creationId xmlns:p14="http://schemas.microsoft.com/office/powerpoint/2010/main" val="4134900913"/>
+        <p14:creationId xmlns:p14="http://schemas.microsoft.com/office/powerpoint/2010/main" val="3409187401"/>
       </p:ext>
     </p:extLst>
   </p:cSld>
   <p:clrMapOvr>
     <a:masterClrMapping/>
   </p:clrMapOvr>
+  <p:timing>
+    <p:tnLst>
+      <p:par>
+        <p:cTn id="1" dur="indefinite" restart="never" nodeType="tmRoot"/>
+      </p:par>
+    </p:tnLst>
+  </p:timing>
 </p:sld>
 </file>
 
@@ -5023,76 +7432,428 @@
             <p:ph type="title"/>
           </p:nvPr>
         </p:nvSpPr>
-        <p:spPr/>
+        <p:spPr>
+          <a:xfrm>
+            <a:off x="489397" y="286603"/>
+            <a:ext cx="10666283" cy="1450757"/>
+          </a:xfrm>
+        </p:spPr>
         <p:txBody>
           <a:bodyPr/>
           <a:lstStyle/>
           <a:p>
             <a:r>
               <a:rPr lang="en-IN" dirty="0" smtClean="0"/>
-              <a:t>Advent of Reconfigurable Hardware</a:t>
+              <a:t>A comparison between GPP and ASIC</a:t>
             </a:r>
             <a:endParaRPr lang="en-IN" dirty="0"/>
           </a:p>
         </p:txBody>
       </p:sp>
-      <p:sp>
-        <p:nvSpPr>
-          <p:cNvPr id="3" name="Content Placeholder 2"/>
-          <p:cNvSpPr>
-            <a:spLocks noGrp="1"/>
-          </p:cNvSpPr>
+      <p:graphicFrame>
+        <p:nvGraphicFramePr>
+          <p:cNvPr id="4" name="Content Placeholder 3"/>
+          <p:cNvGraphicFramePr>
+            <a:graphicFrameLocks noGrp="1"/>
+          </p:cNvGraphicFramePr>
           <p:nvPr>
             <p:ph idx="1"/>
-          </p:nvPr>
-        </p:nvSpPr>
-        <p:spPr/>
-        <p:txBody>
-          <a:bodyPr/>
-          <a:lstStyle/>
-          <a:p>
-            <a:r>
-              <a:rPr lang="en-IN" dirty="0" smtClean="0"/>
-              <a:t>In 1969 th</a:t>
-            </a:r>
-            <a:r>
-              <a:rPr lang="en-IN" dirty="0" smtClean="0"/>
-              <a:t>e first reconfigurable hardware was introduced</a:t>
-            </a:r>
-            <a:br>
-              <a:rPr lang="en-IN" dirty="0" smtClean="0"/>
-            </a:br>
-            <a:r>
-              <a:rPr lang="en-IN" dirty="0" smtClean="0"/>
-              <a:t> by Motorola - XC 157, a mask-programmed gate array,</a:t>
-            </a:r>
-            <a:br>
-              <a:rPr lang="en-IN" dirty="0" smtClean="0"/>
-            </a:br>
-            <a:r>
-              <a:rPr lang="en-IN" dirty="0" smtClean="0"/>
-              <a:t> with 12 gates</a:t>
-            </a:r>
-          </a:p>
-          <a:p>
-            <a:r>
-              <a:rPr lang="en-IN" dirty="0" smtClean="0"/>
-              <a:t>In 1970 TI, </a:t>
-            </a:r>
-            <a:endParaRPr lang="en-IN" dirty="0"/>
-          </a:p>
-        </p:txBody>
-      </p:sp>
+            <p:extLst>
+              <p:ext uri="{D42A27DB-BD31-4B8C-83A1-F6EECF244321}">
+                <p14:modId xmlns:p14="http://schemas.microsoft.com/office/powerpoint/2010/main" val="2676924821"/>
+              </p:ext>
+            </p:extLst>
+          </p:nvPr>
+        </p:nvGraphicFramePr>
+        <p:xfrm>
+          <a:off x="373485" y="1846263"/>
+          <a:ext cx="11449320" cy="4053840"/>
+        </p:xfrm>
+        <a:graphic>
+          <a:graphicData uri="http://schemas.openxmlformats.org/drawingml/2006/table">
+            <a:tbl>
+              <a:tblPr firstRow="1" bandRow="1">
+                <a:tableStyleId>{5C22544A-7EE6-4342-B048-85BDC9FD1C3A}</a:tableStyleId>
+              </a:tblPr>
+              <a:tblGrid>
+                <a:gridCol w="5724660"/>
+                <a:gridCol w="5724660"/>
+              </a:tblGrid>
+              <a:tr h="370840">
+                <a:tc>
+                  <a:txBody>
+                    <a:bodyPr/>
+                    <a:lstStyle/>
+                    <a:p>
+                      <a:pPr marL="0" indent="0">
+                        <a:buClr>
+                          <a:schemeClr val="accent1">
+                            <a:lumMod val="75000"/>
+                          </a:schemeClr>
+                        </a:buClr>
+                        <a:buFont typeface="Wingdings" panose="05000000000000000000" pitchFamily="2" charset="2"/>
+                        <a:buNone/>
+                      </a:pPr>
+                      <a:r>
+                        <a:rPr lang="en-IN" sz="2600" b="0" dirty="0" smtClean="0">
+                          <a:solidFill>
+                            <a:schemeClr val="tx1"/>
+                          </a:solidFill>
+                          <a:latin typeface="Times New Roman" panose="02020603050405020304" pitchFamily="18" charset="0"/>
+                          <a:cs typeface="Times New Roman" panose="02020603050405020304" pitchFamily="18" charset="0"/>
+                        </a:rPr>
+                        <a:t>General</a:t>
+                      </a:r>
+                      <a:r>
+                        <a:rPr lang="en-IN" sz="2600" b="0" baseline="0" dirty="0" smtClean="0">
+                          <a:solidFill>
+                            <a:schemeClr val="tx1"/>
+                          </a:solidFill>
+                          <a:latin typeface="Times New Roman" panose="02020603050405020304" pitchFamily="18" charset="0"/>
+                          <a:cs typeface="Times New Roman" panose="02020603050405020304" pitchFamily="18" charset="0"/>
+                        </a:rPr>
+                        <a:t> Purpose Processors</a:t>
+                      </a:r>
+                    </a:p>
+                    <a:p>
+                      <a:pPr marL="457200" indent="-457200">
+                        <a:buClr>
+                          <a:schemeClr val="accent1">
+                            <a:lumMod val="75000"/>
+                          </a:schemeClr>
+                        </a:buClr>
+                        <a:buFont typeface="Wingdings" panose="05000000000000000000" pitchFamily="2" charset="2"/>
+                        <a:buChar char="Ø"/>
+                      </a:pPr>
+                      <a:endParaRPr lang="en-IN" sz="2600" b="0" baseline="0" dirty="0" smtClean="0">
+                        <a:solidFill>
+                          <a:schemeClr val="tx1"/>
+                        </a:solidFill>
+                        <a:latin typeface="Times New Roman" panose="02020603050405020304" pitchFamily="18" charset="0"/>
+                        <a:cs typeface="Times New Roman" panose="02020603050405020304" pitchFamily="18" charset="0"/>
+                      </a:endParaRPr>
+                    </a:p>
+                    <a:p>
+                      <a:pPr marL="457200" indent="-457200">
+                        <a:buClr>
+                          <a:schemeClr val="accent1">
+                            <a:lumMod val="75000"/>
+                          </a:schemeClr>
+                        </a:buClr>
+                        <a:buFont typeface="Wingdings" panose="05000000000000000000" pitchFamily="2" charset="2"/>
+                        <a:buChar char="Ø"/>
+                      </a:pPr>
+                      <a:r>
+                        <a:rPr lang="en-IN" sz="2600" b="0" baseline="0" dirty="0" smtClean="0">
+                          <a:solidFill>
+                            <a:schemeClr val="tx1"/>
+                          </a:solidFill>
+                          <a:latin typeface="Times New Roman" panose="02020603050405020304" pitchFamily="18" charset="0"/>
+                          <a:cs typeface="Times New Roman" panose="02020603050405020304" pitchFamily="18" charset="0"/>
+                        </a:rPr>
+                        <a:t>Executes a set of instructions</a:t>
+                      </a:r>
+                      <a:br>
+                        <a:rPr lang="en-IN" sz="2600" b="0" baseline="0" dirty="0" smtClean="0">
+                          <a:solidFill>
+                            <a:schemeClr val="tx1"/>
+                          </a:solidFill>
+                          <a:latin typeface="Times New Roman" panose="02020603050405020304" pitchFamily="18" charset="0"/>
+                          <a:cs typeface="Times New Roman" panose="02020603050405020304" pitchFamily="18" charset="0"/>
+                        </a:rPr>
+                      </a:br>
+                      <a:endParaRPr lang="en-IN" sz="2600" b="0" baseline="0" dirty="0" smtClean="0">
+                        <a:solidFill>
+                          <a:schemeClr val="tx1"/>
+                        </a:solidFill>
+                        <a:latin typeface="Times New Roman" panose="02020603050405020304" pitchFamily="18" charset="0"/>
+                        <a:cs typeface="Times New Roman" panose="02020603050405020304" pitchFamily="18" charset="0"/>
+                      </a:endParaRPr>
+                    </a:p>
+                    <a:p>
+                      <a:pPr marL="457200" indent="-457200">
+                        <a:buClr>
+                          <a:schemeClr val="accent1">
+                            <a:lumMod val="75000"/>
+                          </a:schemeClr>
+                        </a:buClr>
+                        <a:buFont typeface="Wingdings" panose="05000000000000000000" pitchFamily="2" charset="2"/>
+                        <a:buChar char="Ø"/>
+                      </a:pPr>
+                      <a:r>
+                        <a:rPr lang="en-IN" sz="2600" b="0" baseline="0" dirty="0" smtClean="0">
+                          <a:solidFill>
+                            <a:schemeClr val="tx1"/>
+                          </a:solidFill>
+                          <a:latin typeface="Times New Roman" panose="02020603050405020304" pitchFamily="18" charset="0"/>
+                          <a:cs typeface="Times New Roman" panose="02020603050405020304" pitchFamily="18" charset="0"/>
+                        </a:rPr>
+                        <a:t>Performance can suffer because of fetch, decode and execute cycles</a:t>
+                      </a:r>
+                    </a:p>
+                    <a:p>
+                      <a:pPr marL="457200" indent="-457200">
+                        <a:buClr>
+                          <a:schemeClr val="accent1">
+                            <a:lumMod val="75000"/>
+                          </a:schemeClr>
+                        </a:buClr>
+                        <a:buFont typeface="Wingdings" panose="05000000000000000000" pitchFamily="2" charset="2"/>
+                        <a:buChar char="Ø"/>
+                      </a:pPr>
+                      <a:r>
+                        <a:rPr lang="en-IN" sz="2600" b="0" baseline="0" dirty="0" smtClean="0">
+                          <a:solidFill>
+                            <a:schemeClr val="tx1"/>
+                          </a:solidFill>
+                          <a:latin typeface="Times New Roman" panose="02020603050405020304" pitchFamily="18" charset="0"/>
+                          <a:cs typeface="Times New Roman" panose="02020603050405020304" pitchFamily="18" charset="0"/>
+                        </a:rPr>
+                        <a:t>Different sets of instructions can be executed and hence is highly flexible</a:t>
+                      </a:r>
+                    </a:p>
+                    <a:p>
+                      <a:pPr marL="457200" indent="-457200">
+                        <a:buClr>
+                          <a:schemeClr val="accent1">
+                            <a:lumMod val="75000"/>
+                          </a:schemeClr>
+                        </a:buClr>
+                        <a:buFont typeface="Wingdings" panose="05000000000000000000" pitchFamily="2" charset="2"/>
+                        <a:buChar char="Ø"/>
+                      </a:pPr>
+                      <a:r>
+                        <a:rPr lang="en-IN" sz="2600" b="0" baseline="0" dirty="0" smtClean="0">
+                          <a:solidFill>
+                            <a:schemeClr val="tx1"/>
+                          </a:solidFill>
+                          <a:latin typeface="Times New Roman" panose="02020603050405020304" pitchFamily="18" charset="0"/>
+                          <a:cs typeface="Times New Roman" panose="02020603050405020304" pitchFamily="18" charset="0"/>
+                        </a:rPr>
+                        <a:t>Low cost and time of development</a:t>
+                      </a:r>
+                    </a:p>
+                    <a:p>
+                      <a:pPr marL="457200" indent="-457200">
+                        <a:buClr>
+                          <a:schemeClr val="accent1">
+                            <a:lumMod val="75000"/>
+                          </a:schemeClr>
+                        </a:buClr>
+                        <a:buFont typeface="Wingdings" panose="05000000000000000000" pitchFamily="2" charset="2"/>
+                        <a:buChar char="Ø"/>
+                      </a:pPr>
+                      <a:endParaRPr lang="en-IN" sz="2600" b="0" dirty="0">
+                        <a:solidFill>
+                          <a:schemeClr val="tx1"/>
+                        </a:solidFill>
+                        <a:latin typeface="Times New Roman" panose="02020603050405020304" pitchFamily="18" charset="0"/>
+                        <a:cs typeface="Times New Roman" panose="02020603050405020304" pitchFamily="18" charset="0"/>
+                      </a:endParaRPr>
+                    </a:p>
+                  </a:txBody>
+                  <a:tcPr>
+                    <a:lnL w="12700" cmpd="sng">
+                      <a:noFill/>
+                    </a:lnL>
+                    <a:lnR w="12700" cmpd="sng">
+                      <a:noFill/>
+                    </a:lnR>
+                    <a:lnT w="12700" cmpd="sng">
+                      <a:noFill/>
+                    </a:lnT>
+                    <a:lnB w="38100" cmpd="sng">
+                      <a:noFill/>
+                    </a:lnB>
+                    <a:lnTlToBr w="12700" cmpd="sng">
+                      <a:noFill/>
+                      <a:prstDash val="solid"/>
+                    </a:lnTlToBr>
+                    <a:lnBlToTr w="12700" cmpd="sng">
+                      <a:noFill/>
+                      <a:prstDash val="solid"/>
+                    </a:lnBlToTr>
+                    <a:solidFill>
+                      <a:schemeClr val="bg1"/>
+                    </a:solidFill>
+                  </a:tcPr>
+                </a:tc>
+                <a:tc>
+                  <a:txBody>
+                    <a:bodyPr/>
+                    <a:lstStyle/>
+                    <a:p>
+                      <a:pPr marL="0" indent="0">
+                        <a:buClr>
+                          <a:schemeClr val="accent1">
+                            <a:lumMod val="75000"/>
+                          </a:schemeClr>
+                        </a:buClr>
+                        <a:buFont typeface="Wingdings" panose="05000000000000000000" pitchFamily="2" charset="2"/>
+                        <a:buNone/>
+                      </a:pPr>
+                      <a:r>
+                        <a:rPr lang="en-IN" sz="2600" b="0" dirty="0" smtClean="0">
+                          <a:solidFill>
+                            <a:schemeClr val="tx1"/>
+                          </a:solidFill>
+                          <a:latin typeface="Times New Roman" panose="02020603050405020304" pitchFamily="18" charset="0"/>
+                          <a:cs typeface="Times New Roman" panose="02020603050405020304" pitchFamily="18" charset="0"/>
+                        </a:rPr>
+                        <a:t>ASIC</a:t>
+                      </a:r>
+                    </a:p>
+                    <a:p>
+                      <a:pPr marL="457200" indent="-457200">
+                        <a:buClr>
+                          <a:schemeClr val="accent1">
+                            <a:lumMod val="75000"/>
+                          </a:schemeClr>
+                        </a:buClr>
+                        <a:buFont typeface="Wingdings" panose="05000000000000000000" pitchFamily="2" charset="2"/>
+                        <a:buChar char="Ø"/>
+                      </a:pPr>
+                      <a:endParaRPr lang="en-IN" sz="2600" b="0" dirty="0" smtClean="0">
+                        <a:solidFill>
+                          <a:schemeClr val="tx1"/>
+                        </a:solidFill>
+                        <a:latin typeface="Times New Roman" panose="02020603050405020304" pitchFamily="18" charset="0"/>
+                        <a:cs typeface="Times New Roman" panose="02020603050405020304" pitchFamily="18" charset="0"/>
+                      </a:endParaRPr>
+                    </a:p>
+                    <a:p>
+                      <a:pPr marL="457200" indent="-457200">
+                        <a:buClr>
+                          <a:schemeClr val="accent1">
+                            <a:lumMod val="75000"/>
+                          </a:schemeClr>
+                        </a:buClr>
+                        <a:buFont typeface="Wingdings" panose="05000000000000000000" pitchFamily="2" charset="2"/>
+                        <a:buChar char="Ø"/>
+                      </a:pPr>
+                      <a:r>
+                        <a:rPr lang="en-IN" sz="2600" b="0" baseline="0" dirty="0" smtClean="0">
+                          <a:solidFill>
+                            <a:schemeClr val="tx1"/>
+                          </a:solidFill>
+                          <a:latin typeface="Times New Roman" panose="02020603050405020304" pitchFamily="18" charset="0"/>
+                          <a:cs typeface="Times New Roman" panose="02020603050405020304" pitchFamily="18" charset="0"/>
+                        </a:rPr>
+                        <a:t>Executes the function, the circuit is designed for</a:t>
+                      </a:r>
+                    </a:p>
+                    <a:p>
+                      <a:pPr marL="457200" indent="-457200">
+                        <a:buClr>
+                          <a:schemeClr val="accent1">
+                            <a:lumMod val="75000"/>
+                          </a:schemeClr>
+                        </a:buClr>
+                        <a:buFont typeface="Wingdings" panose="05000000000000000000" pitchFamily="2" charset="2"/>
+                        <a:buChar char="Ø"/>
+                      </a:pPr>
+                      <a:r>
+                        <a:rPr lang="en-IN" sz="2600" b="0" baseline="0" dirty="0" smtClean="0">
+                          <a:solidFill>
+                            <a:schemeClr val="tx1"/>
+                          </a:solidFill>
+                          <a:latin typeface="Times New Roman" panose="02020603050405020304" pitchFamily="18" charset="0"/>
+                          <a:cs typeface="Times New Roman" panose="02020603050405020304" pitchFamily="18" charset="0"/>
+                        </a:rPr>
+                        <a:t>Very fast and efficient execution as they are pre-tailored</a:t>
+                      </a:r>
+                    </a:p>
+                    <a:p>
+                      <a:pPr marL="457200" indent="-457200">
+                        <a:buClr>
+                          <a:schemeClr val="accent1">
+                            <a:lumMod val="75000"/>
+                          </a:schemeClr>
+                        </a:buClr>
+                        <a:buFont typeface="Wingdings" panose="05000000000000000000" pitchFamily="2" charset="2"/>
+                        <a:buChar char="Ø"/>
+                      </a:pPr>
+                      <a:r>
+                        <a:rPr lang="en-IN" sz="2600" b="0" dirty="0" smtClean="0">
+                          <a:solidFill>
+                            <a:schemeClr val="tx1"/>
+                          </a:solidFill>
+                          <a:latin typeface="Times New Roman" panose="02020603050405020304" pitchFamily="18" charset="0"/>
+                          <a:cs typeface="Times New Roman" panose="02020603050405020304" pitchFamily="18" charset="0"/>
+                        </a:rPr>
+                        <a:t>Can</a:t>
+                      </a:r>
+                      <a:r>
+                        <a:rPr lang="en-IN" sz="2600" b="0" baseline="0" dirty="0" smtClean="0">
+                          <a:solidFill>
+                            <a:schemeClr val="tx1"/>
+                          </a:solidFill>
+                          <a:latin typeface="Times New Roman" panose="02020603050405020304" pitchFamily="18" charset="0"/>
+                          <a:cs typeface="Times New Roman" panose="02020603050405020304" pitchFamily="18" charset="0"/>
+                        </a:rPr>
+                        <a:t> only do the function the circuit is designed for</a:t>
+                      </a:r>
+                    </a:p>
+                    <a:p>
+                      <a:pPr marL="457200" indent="-457200">
+                        <a:buClr>
+                          <a:schemeClr val="accent1">
+                            <a:lumMod val="75000"/>
+                          </a:schemeClr>
+                        </a:buClr>
+                        <a:buFont typeface="Wingdings" panose="05000000000000000000" pitchFamily="2" charset="2"/>
+                        <a:buChar char="Ø"/>
+                      </a:pPr>
+                      <a:r>
+                        <a:rPr lang="en-IN" sz="2600" b="0" baseline="0" dirty="0" smtClean="0">
+                          <a:solidFill>
+                            <a:schemeClr val="tx1"/>
+                          </a:solidFill>
+                          <a:latin typeface="Times New Roman" panose="02020603050405020304" pitchFamily="18" charset="0"/>
+                          <a:cs typeface="Times New Roman" panose="02020603050405020304" pitchFamily="18" charset="0"/>
+                        </a:rPr>
+                        <a:t>High cost and time of development</a:t>
+                      </a:r>
+                      <a:endParaRPr lang="en-IN" sz="2600" b="0" dirty="0">
+                        <a:solidFill>
+                          <a:schemeClr val="tx1"/>
+                        </a:solidFill>
+                        <a:latin typeface="Times New Roman" panose="02020603050405020304" pitchFamily="18" charset="0"/>
+                        <a:cs typeface="Times New Roman" panose="02020603050405020304" pitchFamily="18" charset="0"/>
+                      </a:endParaRPr>
+                    </a:p>
+                  </a:txBody>
+                  <a:tcPr>
+                    <a:lnL w="12700" cmpd="sng">
+                      <a:noFill/>
+                    </a:lnL>
+                    <a:solidFill>
+                      <a:schemeClr val="bg1"/>
+                    </a:solidFill>
+                  </a:tcPr>
+                </a:tc>
+              </a:tr>
+            </a:tbl>
+          </a:graphicData>
+        </a:graphic>
+      </p:graphicFrame>
     </p:spTree>
     <p:extLst>
       <p:ext uri="{BB962C8B-B14F-4D97-AF65-F5344CB8AC3E}">
-        <p14:creationId xmlns:p14="http://schemas.microsoft.com/office/powerpoint/2010/main" val="3156365439"/>
+        <p14:creationId xmlns:p14="http://schemas.microsoft.com/office/powerpoint/2010/main" val="2855035616"/>
       </p:ext>
     </p:extLst>
   </p:cSld>
   <p:clrMapOvr>
     <a:masterClrMapping/>
   </p:clrMapOvr>
+  <p:timing>
+    <p:tnLst>
+      <p:par>
+        <p:cTn id="1" dur="indefinite" restart="never" nodeType="tmRoot"/>
+      </p:par>
+    </p:tnLst>
+  </p:timing>
 </p:sld>
 </file>
 
@@ -5130,7 +7891,7 @@
           <a:p>
             <a:r>
               <a:rPr lang="en-IN" dirty="0" smtClean="0"/>
-              <a:t>History</a:t>
+              <a:t>Reconfigurable Processors</a:t>
             </a:r>
             <a:endParaRPr lang="en-IN" dirty="0"/>
           </a:p>
@@ -5151,59 +7912,107 @@
           <a:bodyPr/>
           <a:lstStyle/>
           <a:p>
-            <a:pPr>
-              <a:buFont typeface="Arial" panose="020B0604020202020204" pitchFamily="34" charset="0"/>
-              <a:buChar char="•"/>
+            <a:r>
+              <a:rPr lang="en-IN" dirty="0" smtClean="0"/>
+              <a:t>These come in between ASICs and </a:t>
+            </a:r>
+            <a:r>
+              <a:rPr lang="en-IN" dirty="0" smtClean="0"/>
+              <a:t>GPPs</a:t>
+            </a:r>
+            <a:endParaRPr lang="en-IN" dirty="0" smtClean="0"/>
+          </a:p>
+          <a:p>
+            <a:r>
+              <a:rPr lang="en-IN" dirty="0" smtClean="0"/>
+              <a:t>They combine the flexibility of </a:t>
+            </a:r>
+            <a:r>
+              <a:rPr lang="en-IN" dirty="0" smtClean="0"/>
+              <a:t>GPP </a:t>
+            </a:r>
+            <a:r>
+              <a:rPr lang="en-IN" dirty="0" smtClean="0"/>
+              <a:t>and the performance of </a:t>
+            </a:r>
+            <a:r>
+              <a:rPr lang="en-IN" dirty="0" smtClean="0"/>
+              <a:t>ASIC</a:t>
+            </a:r>
+            <a:endParaRPr lang="en-IN" dirty="0" smtClean="0"/>
+          </a:p>
+          <a:p>
+            <a:pPr marL="0" indent="0">
+              <a:buNone/>
             </a:pPr>
             <a:r>
               <a:rPr lang="en-IN" dirty="0" smtClean="0"/>
-              <a:t>Concept stated in 1960s in a paper by Gerald </a:t>
+              <a:t>E.g. of RPs: FPGA, Chameleon </a:t>
+            </a:r>
+            <a:r>
+              <a:rPr lang="en-IN" dirty="0" smtClean="0"/>
+              <a:t>Processor,</a:t>
+            </a:r>
+            <a:br>
+              <a:rPr lang="en-IN" dirty="0" smtClean="0"/>
+            </a:br>
+            <a:r>
+              <a:rPr lang="en-IN" dirty="0" smtClean="0"/>
+              <a:t>                    </a:t>
             </a:r>
             <a:r>
               <a:rPr lang="en-IN" dirty="0" err="1" smtClean="0"/>
-              <a:t>Estrin</a:t>
+              <a:t>PSoC</a:t>
             </a:r>
             <a:endParaRPr lang="en-IN" dirty="0"/>
           </a:p>
-          <a:p>
-            <a:pPr>
-              <a:buFont typeface="Arial" panose="020B0604020202020204" pitchFamily="34" charset="0"/>
-              <a:buChar char="•"/>
-            </a:pPr>
-            <a:r>
-              <a:rPr lang="en-IN" dirty="0" smtClean="0"/>
-              <a:t>Concept consisted of a main processor controlling a</a:t>
-            </a:r>
-            <a:br>
-              <a:rPr lang="en-IN" dirty="0" smtClean="0"/>
-            </a:br>
-            <a:r>
-              <a:rPr lang="en-IN" dirty="0" smtClean="0"/>
-              <a:t> reconfigurable </a:t>
-            </a:r>
-            <a:r>
-              <a:rPr lang="en-IN" dirty="0"/>
-              <a:t>hardware</a:t>
-            </a:r>
-            <a:endParaRPr lang="en-IN" dirty="0" smtClean="0"/>
-          </a:p>
-          <a:p>
-            <a:pPr>
-              <a:buFont typeface="Arial" panose="020B0604020202020204" pitchFamily="34" charset="0"/>
-              <a:buChar char="•"/>
-            </a:pPr>
-            <a:r>
-              <a:rPr lang="en-IN" dirty="0" smtClean="0"/>
-              <a:t>The reconfigurable hardware was tailored to perform a specific task such as image processing</a:t>
-            </a:r>
-            <a:endParaRPr lang="en-IN" dirty="0"/>
-          </a:p>
-        </p:txBody>
-      </p:sp>
+        </p:txBody>
+      </p:sp>
+      <p:pic>
+        <p:nvPicPr>
+          <p:cNvPr id="2050" name="Picture 2" descr="http://cdn2.artwhere.net/electronics-eetimes.com/imf/c/eyJtYXNrIjoiMjY2eDE5MyIsIm0iOjR9/images/news_sync_images/2013-09-12-eeteu-pb-cypress-psoc-1-24x93.jpg"/>
+          <p:cNvPicPr>
+            <a:picLocks noChangeAspect="1" noChangeArrowheads="1"/>
+          </p:cNvPicPr>
+          <p:nvPr/>
+        </p:nvPicPr>
+        <p:blipFill>
+          <a:blip r:embed="rId2">
+            <a:extLst>
+              <a:ext uri="{28A0092B-C50C-407E-A947-70E740481C1C}">
+                <a14:useLocalDpi xmlns:a14="http://schemas.microsoft.com/office/drawing/2010/main" val="0"/>
+              </a:ext>
+            </a:extLst>
+          </a:blip>
+          <a:srcRect/>
+          <a:stretch>
+            <a:fillRect/>
+          </a:stretch>
+        </p:blipFill>
+        <p:spPr bwMode="auto">
+          <a:xfrm>
+            <a:off x="8810177" y="3694630"/>
+            <a:ext cx="3146295" cy="2282838"/>
+          </a:xfrm>
+          <a:prstGeom prst="rect">
+            <a:avLst/>
+          </a:prstGeom>
+          <a:noFill/>
+          <a:extLst>
+            <a:ext uri="{909E8E84-426E-40DD-AFC4-6F175D3DCCD1}">
+              <a14:hiddenFill xmlns:a14="http://schemas.microsoft.com/office/drawing/2010/main">
+                <a:solidFill>
+                  <a:srgbClr val="FFFFFF"/>
+                </a:solidFill>
+              </a14:hiddenFill>
+            </a:ext>
+          </a:extLst>
+        </p:spPr>
+      </p:pic>
     </p:spTree>
     <p:extLst>
       <p:ext uri="{BB962C8B-B14F-4D97-AF65-F5344CB8AC3E}">
-        <p14:creationId xmlns:p14="http://schemas.microsoft.com/office/powerpoint/2010/main" val="1584159935"/>
+        <p14:creationId xmlns:p14="http://schemas.microsoft.com/office/powerpoint/2010/main" val="1822012615"/>
       </p:ext>
     </p:extLst>
   </p:cSld>
@@ -5247,7 +8056,12 @@
             <p:ph type="title"/>
           </p:nvPr>
         </p:nvSpPr>
-        <p:spPr/>
+        <p:spPr>
+          <a:xfrm>
+            <a:off x="1210614" y="235087"/>
+            <a:ext cx="10058400" cy="1450757"/>
+          </a:xfrm>
+        </p:spPr>
         <p:txBody>
           <a:bodyPr/>
           <a:lstStyle/>
@@ -5257,7 +8071,14 @@
                 <a:latin typeface="Times New Roman" panose="02020603050405020304" pitchFamily="18" charset="0"/>
                 <a:cs typeface="Times New Roman" panose="02020603050405020304" pitchFamily="18" charset="0"/>
               </a:rPr>
-              <a:t>Why Reconfigurable Processors ?</a:t>
+              <a:t>What are </a:t>
+            </a:r>
+            <a:r>
+              <a:rPr lang="en-IN" dirty="0" smtClean="0">
+                <a:latin typeface="Times New Roman" panose="02020603050405020304" pitchFamily="18" charset="0"/>
+                <a:cs typeface="Times New Roman" panose="02020603050405020304" pitchFamily="18" charset="0"/>
+              </a:rPr>
+              <a:t>Reconfigurable Processors ?</a:t>
             </a:r>
             <a:endParaRPr lang="en-IN" dirty="0">
               <a:latin typeface="Times New Roman" panose="02020603050405020304" pitchFamily="18" charset="0"/>
@@ -5276,9 +8097,16 @@
             <p:ph idx="1"/>
           </p:nvPr>
         </p:nvSpPr>
-        <p:spPr/>
-        <p:txBody>
-          <a:bodyPr/>
+        <p:spPr>
+          <a:xfrm>
+            <a:off x="1210614" y="1845734"/>
+            <a:ext cx="10702344" cy="4023360"/>
+          </a:xfrm>
+        </p:spPr>
+        <p:txBody>
+          <a:bodyPr>
+            <a:normAutofit fontScale="92500" lnSpcReduction="10000"/>
+          </a:bodyPr>
           <a:lstStyle/>
           <a:p>
             <a:pPr>
@@ -5290,7 +8118,7 @@
             </a:pPr>
             <a:r>
               <a:rPr lang="en-IN" dirty="0" smtClean="0"/>
-              <a:t> Reconfigurable </a:t>
+              <a:t>Reconfigurable </a:t>
             </a:r>
             <a:r>
               <a:rPr lang="en-IN" dirty="0"/>
@@ -5298,22 +8126,7 @@
             </a:r>
             <a:r>
               <a:rPr lang="en-IN" dirty="0" smtClean="0"/>
-              <a:t>of</a:t>
-            </a:r>
-            <a:br>
-              <a:rPr lang="en-IN" dirty="0" smtClean="0"/>
-            </a:br>
-            <a:r>
-              <a:rPr lang="en-IN" dirty="0" smtClean="0"/>
-              <a:t> application </a:t>
-            </a:r>
-            <a:r>
-              <a:rPr lang="en-IN" dirty="0"/>
-              <a:t>specific integrated circuits (ASIC) and </a:t>
-            </a:r>
-            <a:r>
-              <a:rPr lang="en-IN" dirty="0" smtClean="0"/>
-              <a:t>the</a:t>
+              <a:t>of application</a:t>
             </a:r>
             <a:r>
               <a:rPr lang="en-IN" dirty="0"/>
@@ -5321,45 +8134,88 @@
             </a:r>
             <a:r>
               <a:rPr lang="en-IN" dirty="0" smtClean="0"/>
-              <a:t/>
-            </a:r>
-            <a:br>
-              <a:rPr lang="en-IN" dirty="0" smtClean="0"/>
-            </a:br>
-            <a:r>
-              <a:rPr lang="en-IN" dirty="0" smtClean="0"/>
-              <a:t> universality of </a:t>
+              <a:t>specific </a:t>
             </a:r>
             <a:r>
               <a:rPr lang="en-IN" dirty="0"/>
-              <a:t>classical digital </a:t>
+              <a:t>integrated circuits (ASIC) and </a:t>
+            </a:r>
+            <a:r>
+              <a:rPr lang="en-IN" dirty="0" smtClean="0"/>
+              <a:t>the</a:t>
+            </a:r>
+            <a:r>
+              <a:rPr lang="en-IN" dirty="0"/>
+              <a:t> </a:t>
+            </a:r>
+            <a:r>
+              <a:rPr lang="en-IN" dirty="0" smtClean="0"/>
+              <a:t>universality </a:t>
+            </a:r>
+            <a:r>
+              <a:rPr lang="en-IN" dirty="0" smtClean="0"/>
+              <a:t>of </a:t>
+            </a:r>
+            <a:r>
+              <a:rPr lang="en-IN" dirty="0" smtClean="0"/>
+              <a:t>general purpose </a:t>
             </a:r>
             <a:r>
               <a:rPr lang="en-IN" dirty="0" smtClean="0"/>
               <a:t>processors </a:t>
             </a:r>
             <a:r>
+              <a:rPr lang="en-IN" dirty="0" smtClean="0"/>
+              <a:t>(GPP) </a:t>
+            </a:r>
+            <a:r>
+              <a:rPr lang="en-IN" dirty="0" smtClean="0"/>
+              <a:t>by </a:t>
+            </a:r>
+            <a:r>
               <a:rPr lang="en-IN" dirty="0"/>
-              <a:t>by means </a:t>
+              <a:t>means </a:t>
             </a:r>
             <a:r>
               <a:rPr lang="en-IN" dirty="0" smtClean="0"/>
               <a:t>of </a:t>
             </a:r>
-            <a:br>
-              <a:rPr lang="en-IN" dirty="0" smtClean="0"/>
-            </a:br>
-            <a:r>
-              <a:rPr lang="en-IN" dirty="0" smtClean="0"/>
-              <a:t> adaptability to </a:t>
+            <a:r>
+              <a:rPr lang="en-IN" dirty="0" smtClean="0"/>
+              <a:t>adaptability </a:t>
+            </a:r>
+            <a:r>
+              <a:rPr lang="en-IN" dirty="0" smtClean="0"/>
+              <a:t>to </a:t>
             </a:r>
             <a:r>
               <a:rPr lang="en-IN" dirty="0"/>
-              <a:t>the currently executed </a:t>
-            </a:r>
-            <a:r>
-              <a:rPr lang="en-IN" dirty="0" smtClean="0"/>
-              <a:t>code</a:t>
+              <a:t>the </a:t>
+            </a:r>
+            <a:r>
+              <a:rPr lang="en-IN" dirty="0" smtClean="0"/>
+              <a:t>currently</a:t>
+            </a:r>
+            <a:r>
+              <a:rPr lang="en-IN" dirty="0"/>
+              <a:t> </a:t>
+            </a:r>
+            <a:r>
+              <a:rPr lang="en-IN" dirty="0" smtClean="0"/>
+              <a:t>executed code</a:t>
+            </a:r>
+          </a:p>
+          <a:p>
+            <a:pPr>
+              <a:lnSpc>
+                <a:spcPct val="150000"/>
+              </a:lnSpc>
+              <a:buFont typeface="Arial" panose="020B0604020202020204" pitchFamily="34" charset="0"/>
+              <a:buChar char="•"/>
+            </a:pPr>
+            <a:r>
+              <a:rPr lang="en-IN" dirty="0" smtClean="0"/>
+              <a:t>That is, they can configure it’s internal circuitry according to the function that is being performed by the processor</a:t>
             </a:r>
             <a:endParaRPr lang="en-IN" dirty="0"/>
           </a:p>
@@ -5368,7 +8224,7 @@
     </p:spTree>
     <p:extLst>
       <p:ext uri="{BB962C8B-B14F-4D97-AF65-F5344CB8AC3E}">
-        <p14:creationId xmlns:p14="http://schemas.microsoft.com/office/powerpoint/2010/main" val="2048787199"/>
+        <p14:creationId xmlns:p14="http://schemas.microsoft.com/office/powerpoint/2010/main" val="484167020"/>
       </p:ext>
     </p:extLst>
   </p:cSld>
@@ -5404,76 +8260,141 @@
       </p:grpSpPr>
       <p:sp>
         <p:nvSpPr>
-          <p:cNvPr id="2" name="Title 1"/>
-          <p:cNvSpPr>
-            <a:spLocks noGrp="1"/>
-          </p:cNvSpPr>
-          <p:nvPr>
-            <p:ph type="title"/>
-          </p:nvPr>
-        </p:nvSpPr>
-        <p:spPr/>
-        <p:txBody>
-          <a:bodyPr/>
-          <a:lstStyle/>
-          <a:p>
-            <a:r>
-              <a:rPr lang="en-IN" dirty="0" smtClean="0"/>
-              <a:t>History (</a:t>
-            </a:r>
-            <a:r>
-              <a:rPr lang="en-IN" dirty="0" err="1" smtClean="0"/>
-              <a:t>contd</a:t>
-            </a:r>
-            <a:r>
-              <a:rPr lang="en-IN" dirty="0" smtClean="0"/>
-              <a:t>…)</a:t>
-            </a:r>
-            <a:endParaRPr lang="en-IN" dirty="0"/>
-          </a:p>
-        </p:txBody>
-      </p:sp>
-      <p:sp>
-        <p:nvSpPr>
-          <p:cNvPr id="3" name="Content Placeholder 2"/>
-          <p:cNvSpPr>
-            <a:spLocks noGrp="1"/>
-          </p:cNvSpPr>
-          <p:nvPr>
-            <p:ph idx="1"/>
-          </p:nvPr>
-        </p:nvSpPr>
-        <p:spPr/>
-        <p:txBody>
-          <a:bodyPr/>
-          <a:lstStyle/>
-          <a:p>
-            <a:pPr>
-              <a:buFont typeface="Arial" panose="020B0604020202020204" pitchFamily="34" charset="0"/>
-              <a:buChar char="•"/>
-            </a:pPr>
-            <a:r>
-              <a:rPr lang="en-IN" dirty="0" smtClean="0"/>
-              <a:t>Reconfigurable </a:t>
-            </a:r>
-            <a:r>
-              <a:rPr lang="en-IN" dirty="0" err="1" smtClean="0"/>
-              <a:t>hardw</a:t>
-            </a:r>
-            <a:endParaRPr lang="en-IN" dirty="0"/>
-          </a:p>
-        </p:txBody>
-      </p:sp>
+          <p:cNvPr id="7" name="Title 3"/>
+          <p:cNvSpPr txBox="1">
+            <a:spLocks/>
+          </p:cNvSpPr>
+          <p:nvPr/>
+        </p:nvSpPr>
+        <p:spPr>
+          <a:xfrm>
+            <a:off x="-553792" y="463639"/>
+            <a:ext cx="8157674" cy="1454024"/>
+          </a:xfrm>
+          <a:prstGeom prst="rect">
+            <a:avLst/>
+          </a:prstGeom>
+        </p:spPr>
+        <p:txBody>
+          <a:bodyPr vert="horz" lIns="91440" tIns="45720" rIns="91440" bIns="45720" rtlCol="0" anchor="b" anchorCtr="0">
+            <a:normAutofit/>
+          </a:bodyPr>
+          <a:lstStyle>
+            <a:lvl1pPr algn="l" defTabSz="914400" rtl="0" eaLnBrk="1" latinLnBrk="0" hangingPunct="1">
+              <a:lnSpc>
+                <a:spcPct val="85000"/>
+              </a:lnSpc>
+              <a:spcBef>
+                <a:spcPct val="0"/>
+              </a:spcBef>
+              <a:buNone/>
+              <a:defRPr sz="8000" b="0" kern="1200" spc="-50" baseline="0">
+                <a:solidFill>
+                  <a:schemeClr val="tx1">
+                    <a:lumMod val="85000"/>
+                    <a:lumOff val="15000"/>
+                  </a:schemeClr>
+                </a:solidFill>
+                <a:latin typeface="+mj-lt"/>
+                <a:ea typeface="+mj-ea"/>
+                <a:cs typeface="+mj-cs"/>
+              </a:defRPr>
+            </a:lvl1pPr>
+          </a:lstStyle>
+          <a:p>
+            <a:pPr algn="ctr"/>
+            <a:r>
+              <a:rPr lang="en-IN" sz="9000" dirty="0" smtClean="0">
+                <a:solidFill>
+                  <a:srgbClr val="00B0F0"/>
+                </a:solidFill>
+                <a:effectLst>
+                  <a:outerShdw blurRad="38100" dist="38100" dir="2700000" algn="tl">
+                    <a:srgbClr val="000000">
+                      <a:alpha val="43137"/>
+                    </a:srgbClr>
+                  </a:outerShdw>
+                </a:effectLst>
+                <a:latin typeface="Times New Roman" panose="02020603050405020304" pitchFamily="18" charset="0"/>
+                <a:cs typeface="Times New Roman" panose="02020603050405020304" pitchFamily="18" charset="0"/>
+              </a:rPr>
+              <a:t>HISTORY</a:t>
+            </a:r>
+            <a:endParaRPr lang="en-IN" sz="9000" dirty="0">
+              <a:solidFill>
+                <a:srgbClr val="00B0F0"/>
+              </a:solidFill>
+              <a:effectLst>
+                <a:outerShdw blurRad="38100" dist="38100" dir="2700000" algn="tl">
+                  <a:srgbClr val="000000">
+                    <a:alpha val="43137"/>
+                  </a:srgbClr>
+                </a:outerShdw>
+              </a:effectLst>
+              <a:latin typeface="Times New Roman" panose="02020603050405020304" pitchFamily="18" charset="0"/>
+              <a:cs typeface="Times New Roman" panose="02020603050405020304" pitchFamily="18" charset="0"/>
+            </a:endParaRPr>
+          </a:p>
+        </p:txBody>
+      </p:sp>
+      <p:pic>
+        <p:nvPicPr>
+          <p:cNvPr id="4098" name="Picture 2" descr="http://www.outframe.com/D4004_medium.jpg"/>
+          <p:cNvPicPr>
+            <a:picLocks noChangeAspect="1" noChangeArrowheads="1"/>
+          </p:cNvPicPr>
+          <p:nvPr/>
+        </p:nvPicPr>
+        <p:blipFill>
+          <a:blip r:embed="rId2">
+            <a:extLst>
+              <a:ext uri="{28A0092B-C50C-407E-A947-70E740481C1C}">
+                <a14:useLocalDpi xmlns:a14="http://schemas.microsoft.com/office/drawing/2010/main" val="0"/>
+              </a:ext>
+            </a:extLst>
+          </a:blip>
+          <a:srcRect/>
+          <a:stretch>
+            <a:fillRect/>
+          </a:stretch>
+        </p:blipFill>
+        <p:spPr bwMode="auto">
+          <a:xfrm>
+            <a:off x="5666704" y="2120213"/>
+            <a:ext cx="6060404" cy="4042321"/>
+          </a:xfrm>
+          <a:prstGeom prst="rect">
+            <a:avLst/>
+          </a:prstGeom>
+          <a:noFill/>
+          <a:extLst>
+            <a:ext uri="{909E8E84-426E-40DD-AFC4-6F175D3DCCD1}">
+              <a14:hiddenFill xmlns:a14="http://schemas.microsoft.com/office/drawing/2010/main">
+                <a:solidFill>
+                  <a:srgbClr val="FFFFFF"/>
+                </a:solidFill>
+              </a14:hiddenFill>
+            </a:ext>
+          </a:extLst>
+        </p:spPr>
+      </p:pic>
     </p:spTree>
     <p:extLst>
       <p:ext uri="{BB962C8B-B14F-4D97-AF65-F5344CB8AC3E}">
-        <p14:creationId xmlns:p14="http://schemas.microsoft.com/office/powerpoint/2010/main" val="3359296318"/>
+        <p14:creationId xmlns:p14="http://schemas.microsoft.com/office/powerpoint/2010/main" val="628165390"/>
       </p:ext>
     </p:extLst>
   </p:cSld>
   <p:clrMapOvr>
     <a:masterClrMapping/>
   </p:clrMapOvr>
+  <p:timing>
+    <p:tnLst>
+      <p:par>
+        <p:cTn id="1" dur="indefinite" restart="never" nodeType="tmRoot"/>
+      </p:par>
+    </p:tnLst>
+  </p:timing>
 </p:sld>
 </file>
 

--- a/Presentation/Presentation1.pptx
+++ b/Presentation/Presentation1.pptx
@@ -32,7 +32,18 @@
     <p:sldId id="290" r:id="rId26"/>
     <p:sldId id="288" r:id="rId27"/>
     <p:sldId id="291" r:id="rId28"/>
-    <p:sldId id="259" r:id="rId29"/>
+    <p:sldId id="292" r:id="rId29"/>
+    <p:sldId id="293" r:id="rId30"/>
+    <p:sldId id="259" r:id="rId31"/>
+    <p:sldId id="296" r:id="rId32"/>
+    <p:sldId id="297" r:id="rId33"/>
+    <p:sldId id="298" r:id="rId34"/>
+    <p:sldId id="295" r:id="rId35"/>
+    <p:sldId id="299" r:id="rId36"/>
+    <p:sldId id="300" r:id="rId37"/>
+    <p:sldId id="301" r:id="rId38"/>
+    <p:sldId id="302" r:id="rId39"/>
+    <p:sldId id="303" r:id="rId40"/>
   </p:sldIdLst>
   <p:sldSz cx="12192000" cy="6858000"/>
   <p:notesSz cx="6858000" cy="9144000"/>
@@ -365,7 +376,7 @@
           <a:p>
             <a:fld id="{48930F4F-D335-4CFA-BECC-1F3733C1A450}" type="datetimeFigureOut">
               <a:rPr lang="en-IN" smtClean="0"/>
-              <a:t>07-09-2015</a:t>
+              <a:t>08-09-2015</a:t>
             </a:fld>
             <a:endParaRPr lang="en-IN"/>
           </a:p>
@@ -573,7 +584,7 @@
           <a:p>
             <a:fld id="{48930F4F-D335-4CFA-BECC-1F3733C1A450}" type="datetimeFigureOut">
               <a:rPr lang="en-IN" smtClean="0"/>
-              <a:t>07-09-2015</a:t>
+              <a:t>08-09-2015</a:t>
             </a:fld>
             <a:endParaRPr lang="en-IN"/>
           </a:p>
@@ -829,7 +840,7 @@
           <a:p>
             <a:fld id="{48930F4F-D335-4CFA-BECC-1F3733C1A450}" type="datetimeFigureOut">
               <a:rPr lang="en-IN" smtClean="0"/>
-              <a:t>07-09-2015</a:t>
+              <a:t>08-09-2015</a:t>
             </a:fld>
             <a:endParaRPr lang="en-IN"/>
           </a:p>
@@ -1062,7 +1073,7 @@
           <a:p>
             <a:fld id="{48930F4F-D335-4CFA-BECC-1F3733C1A450}" type="datetimeFigureOut">
               <a:rPr lang="en-IN" smtClean="0"/>
-              <a:t>07-09-2015</a:t>
+              <a:t>08-09-2015</a:t>
             </a:fld>
             <a:endParaRPr lang="en-IN"/>
           </a:p>
@@ -1412,7 +1423,7 @@
           <a:p>
             <a:fld id="{48930F4F-D335-4CFA-BECC-1F3733C1A450}" type="datetimeFigureOut">
               <a:rPr lang="en-IN" smtClean="0"/>
-              <a:t>07-09-2015</a:t>
+              <a:t>08-09-2015</a:t>
             </a:fld>
             <a:endParaRPr lang="en-IN"/>
           </a:p>
@@ -1687,7 +1698,7 @@
           <a:p>
             <a:fld id="{48930F4F-D335-4CFA-BECC-1F3733C1A450}" type="datetimeFigureOut">
               <a:rPr lang="en-IN" smtClean="0"/>
-              <a:t>07-09-2015</a:t>
+              <a:t>08-09-2015</a:t>
             </a:fld>
             <a:endParaRPr lang="en-IN"/>
           </a:p>
@@ -2066,7 +2077,7 @@
           <a:p>
             <a:fld id="{48930F4F-D335-4CFA-BECC-1F3733C1A450}" type="datetimeFigureOut">
               <a:rPr lang="en-IN" smtClean="0"/>
-              <a:t>07-09-2015</a:t>
+              <a:t>08-09-2015</a:t>
             </a:fld>
             <a:endParaRPr lang="en-IN"/>
           </a:p>
@@ -2184,7 +2195,7 @@
           <a:p>
             <a:fld id="{48930F4F-D335-4CFA-BECC-1F3733C1A450}" type="datetimeFigureOut">
               <a:rPr lang="en-IN" smtClean="0"/>
-              <a:t>07-09-2015</a:t>
+              <a:t>08-09-2015</a:t>
             </a:fld>
             <a:endParaRPr lang="en-IN"/>
           </a:p>
@@ -2355,7 +2366,7 @@
           <a:p>
             <a:fld id="{48930F4F-D335-4CFA-BECC-1F3733C1A450}" type="datetimeFigureOut">
               <a:rPr lang="en-IN" smtClean="0"/>
-              <a:t>07-09-2015</a:t>
+              <a:t>08-09-2015</a:t>
             </a:fld>
             <a:endParaRPr lang="en-IN"/>
           </a:p>
@@ -2709,7 +2720,7 @@
           <a:p>
             <a:fld id="{48930F4F-D335-4CFA-BECC-1F3733C1A450}" type="datetimeFigureOut">
               <a:rPr lang="en-IN" smtClean="0"/>
-              <a:t>07-09-2015</a:t>
+              <a:t>08-09-2015</a:t>
             </a:fld>
             <a:endParaRPr lang="en-IN"/>
           </a:p>
@@ -3086,7 +3097,7 @@
           <a:p>
             <a:fld id="{48930F4F-D335-4CFA-BECC-1F3733C1A450}" type="datetimeFigureOut">
               <a:rPr lang="en-IN" smtClean="0"/>
-              <a:t>07-09-2015</a:t>
+              <a:t>08-09-2015</a:t>
             </a:fld>
             <a:endParaRPr lang="en-IN"/>
           </a:p>
@@ -3373,7 +3384,7 @@
           <a:p>
             <a:fld id="{48930F4F-D335-4CFA-BECC-1F3733C1A450}" type="datetimeFigureOut">
               <a:rPr lang="en-IN" smtClean="0"/>
-              <a:t>07-09-2015</a:t>
+              <a:t>08-09-2015</a:t>
             </a:fld>
             <a:endParaRPr lang="en-IN"/>
           </a:p>
@@ -5164,7 +5175,15 @@
           <a:p>
             <a:r>
               <a:rPr lang="en-IN" dirty="0" smtClean="0"/>
-              <a:t>RP architecture components</a:t>
+              <a:t>RP </a:t>
+            </a:r>
+            <a:r>
+              <a:rPr lang="en-IN" dirty="0" smtClean="0"/>
+              <a:t>architectural </a:t>
+            </a:r>
+            <a:r>
+              <a:rPr lang="en-IN" dirty="0" smtClean="0"/>
+              <a:t>components</a:t>
             </a:r>
             <a:endParaRPr lang="en-IN" dirty="0"/>
           </a:p>
@@ -5417,10 +5436,15 @@
             <p:ph idx="1"/>
           </p:nvPr>
         </p:nvSpPr>
-        <p:spPr/>
+        <p:spPr>
+          <a:xfrm>
+            <a:off x="1097280" y="1845733"/>
+            <a:ext cx="10058400" cy="4426277"/>
+          </a:xfrm>
+        </p:spPr>
         <p:txBody>
           <a:bodyPr>
-            <a:normAutofit fontScale="92500" lnSpcReduction="10000"/>
+            <a:normAutofit fontScale="92500" lnSpcReduction="20000"/>
           </a:bodyPr>
           <a:lstStyle/>
           <a:p>
@@ -5452,6 +5476,13 @@
               <a:rPr lang="en-IN" dirty="0" smtClean="0"/>
               <a:t>Applications</a:t>
             </a:r>
+          </a:p>
+          <a:p>
+            <a:r>
+              <a:rPr lang="en-IN" dirty="0" smtClean="0"/>
+              <a:t>Conclusion</a:t>
+            </a:r>
+            <a:endParaRPr lang="en-IN" dirty="0" smtClean="0"/>
           </a:p>
           <a:p>
             <a:endParaRPr lang="en-IN" dirty="0" smtClean="0"/>
@@ -6115,6 +6146,55 @@
               <a:rPr lang="en-IN" dirty="0" smtClean="0"/>
               <a:t>Here we can see that there are basically 3 inputs at the top side and the output derived from these 3 inputs</a:t>
             </a:r>
+          </a:p>
+        </p:txBody>
+      </p:sp>
+      <p:sp>
+        <p:nvSpPr>
+          <p:cNvPr id="2" name="Rectangle 1"/>
+          <p:cNvSpPr/>
+          <p:nvPr/>
+        </p:nvSpPr>
+        <p:spPr>
+          <a:xfrm>
+            <a:off x="6130345" y="2846231"/>
+            <a:ext cx="540911" cy="3082106"/>
+          </a:xfrm>
+          <a:prstGeom prst="rect">
+            <a:avLst/>
+          </a:prstGeom>
+          <a:ln>
+            <a:solidFill>
+              <a:schemeClr val="bg1"/>
+            </a:solidFill>
+          </a:ln>
+        </p:spPr>
+        <p:style>
+          <a:lnRef idx="2">
+            <a:schemeClr val="accent6"/>
+          </a:lnRef>
+          <a:fillRef idx="1">
+            <a:schemeClr val="lt1"/>
+          </a:fillRef>
+          <a:effectRef idx="0">
+            <a:schemeClr val="accent6"/>
+          </a:effectRef>
+          <a:fontRef idx="minor">
+            <a:schemeClr val="dk1"/>
+          </a:fontRef>
+        </p:style>
+        <p:txBody>
+          <a:bodyPr rtlCol="0" anchor="ctr"/>
+          <a:lstStyle/>
+          <a:p>
+            <a:pPr algn="ctr"/>
+            <a:endParaRPr lang="en-IN">
+              <a:ln>
+                <a:solidFill>
+                  <a:schemeClr val="bg1"/>
+                </a:solidFill>
+              </a:ln>
+            </a:endParaRPr>
           </a:p>
         </p:txBody>
       </p:sp>
@@ -6485,12 +6565,79 @@
             <p:ph idx="1"/>
           </p:nvPr>
         </p:nvSpPr>
-        <p:spPr/>
-        <p:txBody>
-          <a:bodyPr/>
-          <a:lstStyle/>
-          <a:p>
-            <a:endParaRPr lang="en-IN" dirty="0"/>
+        <p:spPr>
+          <a:xfrm>
+            <a:off x="1097279" y="1845733"/>
+            <a:ext cx="10751283" cy="4516429"/>
+          </a:xfrm>
+        </p:spPr>
+        <p:txBody>
+          <a:bodyPr>
+            <a:normAutofit fontScale="92500" lnSpcReduction="20000"/>
+          </a:bodyPr>
+          <a:lstStyle/>
+          <a:p>
+            <a:r>
+              <a:rPr lang="en-IN" dirty="0" smtClean="0"/>
+              <a:t>Programmable </a:t>
+            </a:r>
+            <a:r>
+              <a:rPr lang="en-IN" dirty="0"/>
+              <a:t>logic </a:t>
+            </a:r>
+            <a:r>
+              <a:rPr lang="en-IN" dirty="0" smtClean="0"/>
+              <a:t>cells used to implement Boolean equations with more inputs</a:t>
+            </a:r>
+          </a:p>
+          <a:p>
+            <a:r>
+              <a:rPr lang="en-IN" dirty="0" smtClean="0"/>
+              <a:t>The complication of each logic cell is depended on the number of </a:t>
+            </a:r>
+            <a:r>
+              <a:rPr lang="en-IN" dirty="0"/>
+              <a:t>functions, </a:t>
+            </a:r>
+            <a:r>
+              <a:rPr lang="en-IN" dirty="0" smtClean="0"/>
+              <a:t>which could </a:t>
+            </a:r>
+            <a:r>
+              <a:rPr lang="en-IN" dirty="0"/>
+              <a:t>be implemented on </a:t>
+            </a:r>
+            <a:r>
+              <a:rPr lang="en-IN" dirty="0" smtClean="0"/>
+              <a:t>it</a:t>
+            </a:r>
+          </a:p>
+          <a:p>
+            <a:r>
+              <a:rPr lang="en-IN" dirty="0" smtClean="0"/>
+              <a:t>The RPs can be split into two categories</a:t>
+            </a:r>
+          </a:p>
+          <a:p>
+            <a:pPr marL="715518" lvl="1" indent="-514350">
+              <a:buFont typeface="+mj-lt"/>
+              <a:buAutoNum type="arabicPeriod"/>
+            </a:pPr>
+            <a:r>
+              <a:rPr lang="en-IN" sz="2600" dirty="0" smtClean="0"/>
+              <a:t>Those using LUTs as the basic logic cell</a:t>
+            </a:r>
+          </a:p>
+          <a:p>
+            <a:pPr marL="715518" lvl="1" indent="-514350">
+              <a:buFont typeface="+mj-lt"/>
+              <a:buAutoNum type="arabicPeriod"/>
+            </a:pPr>
+            <a:r>
+              <a:rPr lang="en-IN" sz="2600" dirty="0" smtClean="0"/>
+              <a:t>Those using CLBs as the basic logic cell</a:t>
+            </a:r>
+            <a:endParaRPr lang="en-IN" sz="2600" dirty="0"/>
           </a:p>
         </p:txBody>
       </p:sp>
@@ -6541,19 +6688,65 @@
             <p:ph type="title"/>
           </p:nvPr>
         </p:nvSpPr>
-        <p:spPr/>
+        <p:spPr>
+          <a:xfrm>
+            <a:off x="1097279" y="286603"/>
+            <a:ext cx="10300523" cy="1450757"/>
+          </a:xfrm>
+        </p:spPr>
         <p:txBody>
           <a:bodyPr/>
           <a:lstStyle/>
           <a:p>
             <a:r>
               <a:rPr lang="en-IN" dirty="0" smtClean="0"/>
-              <a:t>Types of Reconfigurations: </a:t>
+              <a:t>Look Up tables (LUTs)</a:t>
             </a:r>
             <a:endParaRPr lang="en-IN" dirty="0"/>
           </a:p>
         </p:txBody>
       </p:sp>
+      <p:pic>
+        <p:nvPicPr>
+          <p:cNvPr id="1026" name="Picture 2" descr="https://www.cs.nyu.edu/courses/fall01/V22.0436-001/chapters/figs/mux4.png"/>
+          <p:cNvPicPr>
+            <a:picLocks noChangeAspect="1" noChangeArrowheads="1"/>
+          </p:cNvPicPr>
+          <p:nvPr/>
+        </p:nvPicPr>
+        <p:blipFill>
+          <a:blip r:embed="rId2">
+            <a:extLst>
+              <a:ext uri="{28A0092B-C50C-407E-A947-70E740481C1C}">
+                <a14:useLocalDpi xmlns:a14="http://schemas.microsoft.com/office/drawing/2010/main" val="0"/>
+              </a:ext>
+            </a:extLst>
+          </a:blip>
+          <a:srcRect/>
+          <a:stretch>
+            <a:fillRect/>
+          </a:stretch>
+        </p:blipFill>
+        <p:spPr bwMode="auto">
+          <a:xfrm>
+            <a:off x="9428364" y="2204826"/>
+            <a:ext cx="2600325" cy="3305175"/>
+          </a:xfrm>
+          <a:prstGeom prst="rect">
+            <a:avLst/>
+          </a:prstGeom>
+          <a:noFill/>
+          <a:extLst>
+            <a:ext uri="{909E8E84-426E-40DD-AFC4-6F175D3DCCD1}">
+              <a14:hiddenFill xmlns:a14="http://schemas.microsoft.com/office/drawing/2010/main">
+                <a:solidFill>
+                  <a:srgbClr val="FFFFFF"/>
+                </a:solidFill>
+              </a14:hiddenFill>
+            </a:ext>
+          </a:extLst>
+        </p:spPr>
+      </p:pic>
       <p:sp>
         <p:nvSpPr>
           <p:cNvPr id="3" name="Content Placeholder 2"/>
@@ -6564,44 +6757,49 @@
             <p:ph idx="1"/>
           </p:nvPr>
         </p:nvSpPr>
-        <p:spPr/>
-        <p:txBody>
-          <a:bodyPr>
-            <a:normAutofit fontScale="92500" lnSpcReduction="10000"/>
-          </a:bodyPr>
-          <a:lstStyle/>
-          <a:p>
-            <a:pPr marL="514350" indent="-514350">
-              <a:buFont typeface="+mj-lt"/>
-              <a:buAutoNum type="arabicPeriod"/>
-            </a:pPr>
-            <a:r>
-              <a:rPr lang="en-IN" dirty="0" smtClean="0"/>
-              <a:t>Static Reconfiguration – The reconfiguration is done at the time of compilation and loading of the program</a:t>
-            </a:r>
-            <a:br>
-              <a:rPr lang="en-IN" dirty="0" smtClean="0"/>
-            </a:br>
-            <a:r>
-              <a:rPr lang="en-IN" dirty="0" smtClean="0"/>
-              <a:t>E.g. FPGAs</a:t>
-            </a:r>
-          </a:p>
-          <a:p>
-            <a:pPr marL="514350" indent="-514350">
-              <a:buFont typeface="+mj-lt"/>
-              <a:buAutoNum type="arabicPeriod"/>
-            </a:pPr>
-            <a:r>
-              <a:rPr lang="en-IN" dirty="0" smtClean="0"/>
-              <a:t>Dynamic Reconfiguration – The reconfiguration is done during runtime</a:t>
-            </a:r>
-            <a:br>
-              <a:rPr lang="en-IN" dirty="0" smtClean="0"/>
-            </a:br>
-            <a:r>
-              <a:rPr lang="en-IN" dirty="0" smtClean="0"/>
-              <a:t>E.g. Advanced Chameleon Circuits</a:t>
+        <p:spPr>
+          <a:xfrm>
+            <a:off x="1097280" y="1845734"/>
+            <a:ext cx="8445965" cy="4023360"/>
+          </a:xfrm>
+        </p:spPr>
+        <p:txBody>
+          <a:bodyPr/>
+          <a:lstStyle/>
+          <a:p>
+            <a:r>
+              <a:rPr lang="en-IN" dirty="0" smtClean="0"/>
+              <a:t>A </a:t>
+            </a:r>
+            <a:r>
+              <a:rPr lang="en-IN" dirty="0"/>
+              <a:t>lookup table is an array that replaces </a:t>
+            </a:r>
+            <a:r>
+              <a:rPr lang="en-IN" dirty="0" smtClean="0"/>
+              <a:t>runtime computation </a:t>
+            </a:r>
+            <a:r>
+              <a:rPr lang="en-IN" dirty="0"/>
+              <a:t>with a simpler array indexing </a:t>
+            </a:r>
+            <a:r>
+              <a:rPr lang="en-IN" dirty="0" smtClean="0"/>
+              <a:t>operation</a:t>
+            </a:r>
+          </a:p>
+          <a:p>
+            <a:r>
+              <a:rPr lang="en-IN" dirty="0" smtClean="0"/>
+              <a:t>An n-input LUT is implemented using an n-input MUX and 2</a:t>
+            </a:r>
+            <a:r>
+              <a:rPr lang="en-IN" baseline="30000" dirty="0" smtClean="0"/>
+              <a:t>n</a:t>
+            </a:r>
+            <a:r>
+              <a:rPr lang="en-IN" dirty="0" smtClean="0"/>
+              <a:t> SRAM cells</a:t>
             </a:r>
             <a:endParaRPr lang="en-IN" dirty="0"/>
           </a:p>
@@ -6610,7 +6808,180 @@
     </p:spTree>
     <p:extLst>
       <p:ext uri="{BB962C8B-B14F-4D97-AF65-F5344CB8AC3E}">
-        <p14:creationId xmlns:p14="http://schemas.microsoft.com/office/powerpoint/2010/main" val="3100094189"/>
+        <p14:creationId xmlns:p14="http://schemas.microsoft.com/office/powerpoint/2010/main" val="2698637349"/>
+      </p:ext>
+    </p:extLst>
+  </p:cSld>
+  <p:clrMapOvr>
+    <a:masterClrMapping/>
+  </p:clrMapOvr>
+</p:sld>
+</file>
+
+<file path=ppt/slides/slide29.xml><?xml version="1.0" encoding="utf-8"?>
+<p:sld xmlns:a="http://schemas.openxmlformats.org/drawingml/2006/main" xmlns:r="http://schemas.openxmlformats.org/officeDocument/2006/relationships" xmlns:p="http://schemas.openxmlformats.org/presentationml/2006/main">
+  <p:cSld>
+    <p:spTree>
+      <p:nvGrpSpPr>
+        <p:cNvPr id="1" name=""/>
+        <p:cNvGrpSpPr/>
+        <p:nvPr/>
+      </p:nvGrpSpPr>
+      <p:grpSpPr>
+        <a:xfrm>
+          <a:off x="0" y="0"/>
+          <a:ext cx="0" cy="0"/>
+          <a:chOff x="0" y="0"/>
+          <a:chExt cx="0" cy="0"/>
+        </a:xfrm>
+      </p:grpSpPr>
+      <p:sp>
+        <p:nvSpPr>
+          <p:cNvPr id="2" name="Title 1"/>
+          <p:cNvSpPr>
+            <a:spLocks noGrp="1"/>
+          </p:cNvSpPr>
+          <p:nvPr>
+            <p:ph type="title"/>
+          </p:nvPr>
+        </p:nvSpPr>
+        <p:spPr>
+          <a:xfrm>
+            <a:off x="466215" y="246352"/>
+            <a:ext cx="10058400" cy="1450757"/>
+          </a:xfrm>
+        </p:spPr>
+        <p:txBody>
+          <a:bodyPr/>
+          <a:lstStyle/>
+          <a:p>
+            <a:r>
+              <a:rPr lang="en-IN" dirty="0" smtClean="0"/>
+              <a:t>Configurable Logic Blocks (CLBs)</a:t>
+            </a:r>
+            <a:endParaRPr lang="en-IN" dirty="0"/>
+          </a:p>
+        </p:txBody>
+      </p:sp>
+      <p:pic>
+        <p:nvPicPr>
+          <p:cNvPr id="2050" name="Picture 2" descr="https://upload.wikimedia.org/wikipedia/commons/1/1c/FPGA_cell_example.png"/>
+          <p:cNvPicPr>
+            <a:picLocks noChangeAspect="1" noChangeArrowheads="1"/>
+          </p:cNvPicPr>
+          <p:nvPr/>
+        </p:nvPicPr>
+        <p:blipFill>
+          <a:blip r:embed="rId2">
+            <a:extLst>
+              <a:ext uri="{28A0092B-C50C-407E-A947-70E740481C1C}">
+                <a14:useLocalDpi xmlns:a14="http://schemas.microsoft.com/office/drawing/2010/main" val="0"/>
+              </a:ext>
+            </a:extLst>
+          </a:blip>
+          <a:srcRect/>
+          <a:stretch>
+            <a:fillRect/>
+          </a:stretch>
+        </p:blipFill>
+        <p:spPr bwMode="auto">
+          <a:xfrm>
+            <a:off x="5898524" y="3198015"/>
+            <a:ext cx="6293476" cy="2827790"/>
+          </a:xfrm>
+          <a:prstGeom prst="rect">
+            <a:avLst/>
+          </a:prstGeom>
+          <a:noFill/>
+          <a:extLst>
+            <a:ext uri="{909E8E84-426E-40DD-AFC4-6F175D3DCCD1}">
+              <a14:hiddenFill xmlns:a14="http://schemas.microsoft.com/office/drawing/2010/main">
+                <a:solidFill>
+                  <a:srgbClr val="FFFFFF"/>
+                </a:solidFill>
+              </a14:hiddenFill>
+            </a:ext>
+          </a:extLst>
+        </p:spPr>
+      </p:pic>
+      <p:sp>
+        <p:nvSpPr>
+          <p:cNvPr id="3" name="Content Placeholder 2"/>
+          <p:cNvSpPr>
+            <a:spLocks noGrp="1"/>
+          </p:cNvSpPr>
+          <p:nvPr>
+            <p:ph idx="1"/>
+          </p:nvPr>
+        </p:nvSpPr>
+        <p:spPr>
+          <a:xfrm>
+            <a:off x="466215" y="1845734"/>
+            <a:ext cx="11498258" cy="4413398"/>
+          </a:xfrm>
+        </p:spPr>
+        <p:txBody>
+          <a:bodyPr/>
+          <a:lstStyle/>
+          <a:p>
+            <a:r>
+              <a:rPr lang="en-IN" dirty="0" smtClean="0"/>
+              <a:t>Logic blocks are the fundamental building blocks of modern FPGAs</a:t>
+            </a:r>
+          </a:p>
+          <a:p>
+            <a:r>
+              <a:rPr lang="en-IN" dirty="0" smtClean="0"/>
+              <a:t>A CLB consists of a few logic cells</a:t>
+            </a:r>
+          </a:p>
+          <a:p>
+            <a:r>
+              <a:rPr lang="en-IN" dirty="0"/>
+              <a:t>A typical cell consists of a </a:t>
+            </a:r>
+            <a:r>
+              <a:rPr lang="en-IN" dirty="0" smtClean="0"/>
+              <a:t/>
+            </a:r>
+            <a:br>
+              <a:rPr lang="en-IN" dirty="0" smtClean="0"/>
+            </a:br>
+            <a:r>
+              <a:rPr lang="en-IN" dirty="0" smtClean="0"/>
+              <a:t>4-input </a:t>
+            </a:r>
+            <a:r>
+              <a:rPr lang="en-IN" dirty="0"/>
+              <a:t>LUT, a Full adder (FA) </a:t>
+            </a:r>
+            <a:r>
+              <a:rPr lang="en-IN" dirty="0" smtClean="0"/>
+              <a:t/>
+            </a:r>
+            <a:br>
+              <a:rPr lang="en-IN" dirty="0" smtClean="0"/>
+            </a:br>
+            <a:r>
+              <a:rPr lang="en-IN" dirty="0" smtClean="0"/>
+              <a:t>and </a:t>
+            </a:r>
+            <a:r>
+              <a:rPr lang="en-IN" dirty="0"/>
+              <a:t>a D-type </a:t>
+            </a:r>
+            <a:r>
+              <a:rPr lang="en-IN" dirty="0" smtClean="0"/>
+              <a:t>flip-flop</a:t>
+            </a:r>
+            <a:endParaRPr lang="en-IN" dirty="0"/>
+          </a:p>
+        </p:txBody>
+      </p:sp>
+    </p:spTree>
+    <p:extLst>
+      <p:ext uri="{BB962C8B-B14F-4D97-AF65-F5344CB8AC3E}">
+        <p14:creationId xmlns:p14="http://schemas.microsoft.com/office/powerpoint/2010/main" val="1250780391"/>
       </p:ext>
     </p:extLst>
   </p:cSld>
@@ -6762,6 +7133,1183 @@
 </p:sld>
 </file>
 
+<file path=ppt/slides/slide30.xml><?xml version="1.0" encoding="utf-8"?>
+<p:sld xmlns:a="http://schemas.openxmlformats.org/drawingml/2006/main" xmlns:r="http://schemas.openxmlformats.org/officeDocument/2006/relationships" xmlns:p="http://schemas.openxmlformats.org/presentationml/2006/main">
+  <p:cSld>
+    <p:spTree>
+      <p:nvGrpSpPr>
+        <p:cNvPr id="1" name=""/>
+        <p:cNvGrpSpPr/>
+        <p:nvPr/>
+      </p:nvGrpSpPr>
+      <p:grpSpPr>
+        <a:xfrm>
+          <a:off x="0" y="0"/>
+          <a:ext cx="0" cy="0"/>
+          <a:chOff x="0" y="0"/>
+          <a:chExt cx="0" cy="0"/>
+        </a:xfrm>
+      </p:grpSpPr>
+      <p:sp>
+        <p:nvSpPr>
+          <p:cNvPr id="2" name="Title 1"/>
+          <p:cNvSpPr>
+            <a:spLocks noGrp="1"/>
+          </p:cNvSpPr>
+          <p:nvPr>
+            <p:ph type="title"/>
+          </p:nvPr>
+        </p:nvSpPr>
+        <p:spPr>
+          <a:xfrm>
+            <a:off x="317062" y="286603"/>
+            <a:ext cx="10058400" cy="1450757"/>
+          </a:xfrm>
+        </p:spPr>
+        <p:txBody>
+          <a:bodyPr/>
+          <a:lstStyle/>
+          <a:p>
+            <a:r>
+              <a:rPr lang="en-IN" dirty="0" smtClean="0"/>
+              <a:t>5. Reconfiguration Models</a:t>
+            </a:r>
+            <a:endParaRPr lang="en-IN" dirty="0"/>
+          </a:p>
+        </p:txBody>
+      </p:sp>
+      <p:sp>
+        <p:nvSpPr>
+          <p:cNvPr id="3" name="Content Placeholder 2"/>
+          <p:cNvSpPr>
+            <a:spLocks noGrp="1"/>
+          </p:cNvSpPr>
+          <p:nvPr>
+            <p:ph idx="1"/>
+          </p:nvPr>
+        </p:nvSpPr>
+        <p:spPr>
+          <a:xfrm>
+            <a:off x="317062" y="1737360"/>
+            <a:ext cx="9354972" cy="4490672"/>
+          </a:xfrm>
+        </p:spPr>
+        <p:txBody>
+          <a:bodyPr>
+            <a:normAutofit fontScale="70000" lnSpcReduction="20000"/>
+          </a:bodyPr>
+          <a:lstStyle/>
+          <a:p>
+            <a:pPr marL="514350" indent="-514350">
+              <a:buFont typeface="+mj-lt"/>
+              <a:buAutoNum type="arabicPeriod"/>
+            </a:pPr>
+            <a:r>
+              <a:rPr lang="en-IN" dirty="0" smtClean="0"/>
+              <a:t>Static Reconfiguration – The reconfiguration is done at the time of compilation and loading of the program</a:t>
+            </a:r>
+            <a:br>
+              <a:rPr lang="en-IN" dirty="0" smtClean="0"/>
+            </a:br>
+            <a:r>
+              <a:rPr lang="en-IN" dirty="0" smtClean="0"/>
+              <a:t>E.g. FPGAs</a:t>
+            </a:r>
+          </a:p>
+          <a:p>
+            <a:pPr marL="514350" indent="-514350">
+              <a:buFont typeface="+mj-lt"/>
+              <a:buAutoNum type="arabicPeriod"/>
+            </a:pPr>
+            <a:r>
+              <a:rPr lang="en-IN" dirty="0" smtClean="0"/>
+              <a:t>Dynamic Reconfiguration – The reconfiguration is done during runtime</a:t>
+            </a:r>
+            <a:br>
+              <a:rPr lang="en-IN" dirty="0" smtClean="0"/>
+            </a:br>
+            <a:r>
+              <a:rPr lang="en-IN" dirty="0" smtClean="0"/>
+              <a:t>E.g. Advanced Chameleon </a:t>
+            </a:r>
+            <a:r>
+              <a:rPr lang="en-IN" dirty="0" smtClean="0"/>
+              <a:t>Circuits</a:t>
+            </a:r>
+            <a:endParaRPr lang="en-IN" dirty="0"/>
+          </a:p>
+          <a:p>
+            <a:pPr marL="514350" indent="-514350">
+              <a:buFont typeface="+mj-lt"/>
+              <a:buAutoNum type="arabicPeriod"/>
+            </a:pPr>
+            <a:r>
+              <a:rPr lang="en-IN" dirty="0" smtClean="0"/>
+              <a:t>Partial Reconfiguration – Some part of the RF can be dynamically reconfigured while keeping the critical portions intact</a:t>
+            </a:r>
+            <a:r>
+              <a:rPr lang="en-IN" dirty="0"/>
+              <a:t/>
+            </a:r>
+            <a:br>
+              <a:rPr lang="en-IN" dirty="0"/>
+            </a:br>
+            <a:r>
+              <a:rPr lang="en-IN" dirty="0" smtClean="0"/>
+              <a:t>E.g. Modern FPGAs</a:t>
+            </a:r>
+            <a:endParaRPr lang="en-IN" dirty="0" smtClean="0"/>
+          </a:p>
+        </p:txBody>
+      </p:sp>
+      <p:pic>
+        <p:nvPicPr>
+          <p:cNvPr id="4" name="Picture 3"/>
+          <p:cNvPicPr>
+            <a:picLocks noChangeAspect="1"/>
+          </p:cNvPicPr>
+          <p:nvPr/>
+        </p:nvPicPr>
+        <p:blipFill>
+          <a:blip r:embed="rId2"/>
+          <a:stretch>
+            <a:fillRect/>
+          </a:stretch>
+        </p:blipFill>
+        <p:spPr>
+          <a:xfrm>
+            <a:off x="9554648" y="1737360"/>
+            <a:ext cx="2381250" cy="2095500"/>
+          </a:xfrm>
+          <a:prstGeom prst="rect">
+            <a:avLst/>
+          </a:prstGeom>
+        </p:spPr>
+      </p:pic>
+      <p:pic>
+        <p:nvPicPr>
+          <p:cNvPr id="5" name="Picture 4"/>
+          <p:cNvPicPr>
+            <a:picLocks noChangeAspect="1"/>
+          </p:cNvPicPr>
+          <p:nvPr/>
+        </p:nvPicPr>
+        <p:blipFill>
+          <a:blip r:embed="rId3"/>
+          <a:stretch>
+            <a:fillRect/>
+          </a:stretch>
+        </p:blipFill>
+        <p:spPr>
+          <a:xfrm>
+            <a:off x="9112942" y="3982696"/>
+            <a:ext cx="2981325" cy="1647825"/>
+          </a:xfrm>
+          <a:prstGeom prst="rect">
+            <a:avLst/>
+          </a:prstGeom>
+        </p:spPr>
+      </p:pic>
+    </p:spTree>
+    <p:extLst>
+      <p:ext uri="{BB962C8B-B14F-4D97-AF65-F5344CB8AC3E}">
+        <p14:creationId xmlns:p14="http://schemas.microsoft.com/office/powerpoint/2010/main" val="3100094189"/>
+      </p:ext>
+    </p:extLst>
+  </p:cSld>
+  <p:clrMapOvr>
+    <a:masterClrMapping/>
+  </p:clrMapOvr>
+  <p:timing>
+    <p:tnLst>
+      <p:par>
+        <p:cTn id="1" dur="indefinite" restart="never" nodeType="tmRoot"/>
+      </p:par>
+    </p:tnLst>
+  </p:timing>
+</p:sld>
+</file>
+
+<file path=ppt/slides/slide31.xml><?xml version="1.0" encoding="utf-8"?>
+<p:sld xmlns:a="http://schemas.openxmlformats.org/drawingml/2006/main" xmlns:r="http://schemas.openxmlformats.org/officeDocument/2006/relationships" xmlns:p="http://schemas.openxmlformats.org/presentationml/2006/main">
+  <p:cSld>
+    <p:spTree>
+      <p:nvGrpSpPr>
+        <p:cNvPr id="1" name=""/>
+        <p:cNvGrpSpPr/>
+        <p:nvPr/>
+      </p:nvGrpSpPr>
+      <p:grpSpPr>
+        <a:xfrm>
+          <a:off x="0" y="0"/>
+          <a:ext cx="0" cy="0"/>
+          <a:chOff x="0" y="0"/>
+          <a:chExt cx="0" cy="0"/>
+        </a:xfrm>
+      </p:grpSpPr>
+      <p:sp>
+        <p:nvSpPr>
+          <p:cNvPr id="2" name="Title 1"/>
+          <p:cNvSpPr>
+            <a:spLocks noGrp="1"/>
+          </p:cNvSpPr>
+          <p:nvPr>
+            <p:ph type="title" idx="4294967295"/>
+          </p:nvPr>
+        </p:nvSpPr>
+        <p:spPr>
+          <a:xfrm>
+            <a:off x="357680" y="-163530"/>
+            <a:ext cx="11641137" cy="1450975"/>
+          </a:xfrm>
+        </p:spPr>
+        <p:txBody>
+          <a:bodyPr>
+            <a:noAutofit/>
+          </a:bodyPr>
+          <a:lstStyle/>
+          <a:p>
+            <a:r>
+              <a:rPr lang="en-IN" sz="5800" dirty="0" smtClean="0">
+                <a:solidFill>
+                  <a:srgbClr val="00B0F0"/>
+                </a:solidFill>
+                <a:effectLst>
+                  <a:outerShdw blurRad="38100" dist="38100" dir="2700000" algn="tl">
+                    <a:srgbClr val="000000">
+                      <a:alpha val="43137"/>
+                    </a:srgbClr>
+                  </a:outerShdw>
+                </a:effectLst>
+              </a:rPr>
+              <a:t>Advantages and Limitations</a:t>
+            </a:r>
+            <a:endParaRPr lang="en-IN" sz="5800" dirty="0">
+              <a:solidFill>
+                <a:srgbClr val="00B0F0"/>
+              </a:solidFill>
+              <a:effectLst>
+                <a:outerShdw blurRad="38100" dist="38100" dir="2700000" algn="tl">
+                  <a:srgbClr val="000000">
+                    <a:alpha val="43137"/>
+                  </a:srgbClr>
+                </a:outerShdw>
+              </a:effectLst>
+            </a:endParaRPr>
+          </a:p>
+        </p:txBody>
+      </p:sp>
+      <p:pic>
+        <p:nvPicPr>
+          <p:cNvPr id="4098" name="Picture 2" descr="http://images.anandtech.com/doci/3929/IDF-E600-8648.jpg"/>
+          <p:cNvPicPr>
+            <a:picLocks noChangeAspect="1" noChangeArrowheads="1"/>
+          </p:cNvPicPr>
+          <p:nvPr/>
+        </p:nvPicPr>
+        <p:blipFill>
+          <a:blip r:embed="rId2">
+            <a:extLst>
+              <a:ext uri="{28A0092B-C50C-407E-A947-70E740481C1C}">
+                <a14:useLocalDpi xmlns:a14="http://schemas.microsoft.com/office/drawing/2010/main" val="0"/>
+              </a:ext>
+            </a:extLst>
+          </a:blip>
+          <a:srcRect/>
+          <a:stretch>
+            <a:fillRect/>
+          </a:stretch>
+        </p:blipFill>
+        <p:spPr bwMode="auto">
+          <a:xfrm>
+            <a:off x="3001895" y="1287445"/>
+            <a:ext cx="8996922" cy="4745877"/>
+          </a:xfrm>
+          <a:prstGeom prst="rect">
+            <a:avLst/>
+          </a:prstGeom>
+          <a:noFill/>
+          <a:extLst>
+            <a:ext uri="{909E8E84-426E-40DD-AFC4-6F175D3DCCD1}">
+              <a14:hiddenFill xmlns:a14="http://schemas.microsoft.com/office/drawing/2010/main">
+                <a:solidFill>
+                  <a:srgbClr val="FFFFFF"/>
+                </a:solidFill>
+              </a14:hiddenFill>
+            </a:ext>
+          </a:extLst>
+        </p:spPr>
+      </p:pic>
+    </p:spTree>
+    <p:extLst>
+      <p:ext uri="{BB962C8B-B14F-4D97-AF65-F5344CB8AC3E}">
+        <p14:creationId xmlns:p14="http://schemas.microsoft.com/office/powerpoint/2010/main" val="564403669"/>
+      </p:ext>
+    </p:extLst>
+  </p:cSld>
+  <p:clrMapOvr>
+    <a:masterClrMapping/>
+  </p:clrMapOvr>
+  <p:timing>
+    <p:tnLst>
+      <p:par>
+        <p:cTn id="1" dur="indefinite" restart="never" nodeType="tmRoot"/>
+      </p:par>
+    </p:tnLst>
+  </p:timing>
+</p:sld>
+</file>
+
+<file path=ppt/slides/slide32.xml><?xml version="1.0" encoding="utf-8"?>
+<p:sld xmlns:a="http://schemas.openxmlformats.org/drawingml/2006/main" xmlns:r="http://schemas.openxmlformats.org/officeDocument/2006/relationships" xmlns:p="http://schemas.openxmlformats.org/presentationml/2006/main">
+  <p:cSld>
+    <p:spTree>
+      <p:nvGrpSpPr>
+        <p:cNvPr id="1" name=""/>
+        <p:cNvGrpSpPr/>
+        <p:nvPr/>
+      </p:nvGrpSpPr>
+      <p:grpSpPr>
+        <a:xfrm>
+          <a:off x="0" y="0"/>
+          <a:ext cx="0" cy="0"/>
+          <a:chOff x="0" y="0"/>
+          <a:chExt cx="0" cy="0"/>
+        </a:xfrm>
+      </p:grpSpPr>
+      <p:sp>
+        <p:nvSpPr>
+          <p:cNvPr id="2" name="Title 1"/>
+          <p:cNvSpPr>
+            <a:spLocks noGrp="1"/>
+          </p:cNvSpPr>
+          <p:nvPr>
+            <p:ph type="title"/>
+          </p:nvPr>
+        </p:nvSpPr>
+        <p:spPr/>
+        <p:txBody>
+          <a:bodyPr/>
+          <a:lstStyle/>
+          <a:p>
+            <a:r>
+              <a:rPr lang="en-IN" dirty="0" smtClean="0"/>
+              <a:t>Advantages of RPs</a:t>
+            </a:r>
+            <a:endParaRPr lang="en-IN" dirty="0"/>
+          </a:p>
+        </p:txBody>
+      </p:sp>
+      <p:sp>
+        <p:nvSpPr>
+          <p:cNvPr id="3" name="Content Placeholder 2"/>
+          <p:cNvSpPr>
+            <a:spLocks noGrp="1"/>
+          </p:cNvSpPr>
+          <p:nvPr>
+            <p:ph idx="1"/>
+          </p:nvPr>
+        </p:nvSpPr>
+        <p:spPr>
+          <a:xfrm>
+            <a:off x="1097280" y="1845734"/>
+            <a:ext cx="10058400" cy="4323246"/>
+          </a:xfrm>
+        </p:spPr>
+        <p:txBody>
+          <a:bodyPr>
+            <a:normAutofit fontScale="92500" lnSpcReduction="20000"/>
+          </a:bodyPr>
+          <a:lstStyle/>
+          <a:p>
+            <a:r>
+              <a:rPr lang="en-IN" dirty="0" smtClean="0"/>
+              <a:t>ASIC like performance</a:t>
+            </a:r>
+          </a:p>
+          <a:p>
+            <a:r>
+              <a:rPr lang="en-IN" dirty="0" smtClean="0"/>
+              <a:t>High efficiency</a:t>
+            </a:r>
+          </a:p>
+          <a:p>
+            <a:r>
+              <a:rPr lang="en-IN" dirty="0" smtClean="0"/>
+              <a:t>Hardware reuse and greater functionality</a:t>
+            </a:r>
+          </a:p>
+          <a:p>
+            <a:r>
+              <a:rPr lang="en-IN" dirty="0" smtClean="0"/>
+              <a:t>Reduces power consumption</a:t>
+            </a:r>
+          </a:p>
+          <a:p>
+            <a:r>
+              <a:rPr lang="en-IN" dirty="0" smtClean="0"/>
+              <a:t>Reduced manufacturing and development costs</a:t>
+            </a:r>
+          </a:p>
+          <a:p>
+            <a:r>
+              <a:rPr lang="en-IN" dirty="0" smtClean="0"/>
+              <a:t>Adaptable to new requirements and standards</a:t>
+            </a:r>
+            <a:endParaRPr lang="en-IN" dirty="0"/>
+          </a:p>
+        </p:txBody>
+      </p:sp>
+    </p:spTree>
+    <p:extLst>
+      <p:ext uri="{BB962C8B-B14F-4D97-AF65-F5344CB8AC3E}">
+        <p14:creationId xmlns:p14="http://schemas.microsoft.com/office/powerpoint/2010/main" val="1513540852"/>
+      </p:ext>
+    </p:extLst>
+  </p:cSld>
+  <p:clrMapOvr>
+    <a:masterClrMapping/>
+  </p:clrMapOvr>
+</p:sld>
+</file>
+
+<file path=ppt/slides/slide33.xml><?xml version="1.0" encoding="utf-8"?>
+<p:sld xmlns:a="http://schemas.openxmlformats.org/drawingml/2006/main" xmlns:r="http://schemas.openxmlformats.org/officeDocument/2006/relationships" xmlns:p="http://schemas.openxmlformats.org/presentationml/2006/main">
+  <p:cSld>
+    <p:spTree>
+      <p:nvGrpSpPr>
+        <p:cNvPr id="1" name=""/>
+        <p:cNvGrpSpPr/>
+        <p:nvPr/>
+      </p:nvGrpSpPr>
+      <p:grpSpPr>
+        <a:xfrm>
+          <a:off x="0" y="0"/>
+          <a:ext cx="0" cy="0"/>
+          <a:chOff x="0" y="0"/>
+          <a:chExt cx="0" cy="0"/>
+        </a:xfrm>
+      </p:grpSpPr>
+      <p:sp>
+        <p:nvSpPr>
+          <p:cNvPr id="2" name="Title 1"/>
+          <p:cNvSpPr>
+            <a:spLocks noGrp="1"/>
+          </p:cNvSpPr>
+          <p:nvPr>
+            <p:ph type="title"/>
+          </p:nvPr>
+        </p:nvSpPr>
+        <p:spPr/>
+        <p:txBody>
+          <a:bodyPr/>
+          <a:lstStyle/>
+          <a:p>
+            <a:r>
+              <a:rPr lang="en-IN" dirty="0" smtClean="0"/>
+              <a:t>Limitations of RPs</a:t>
+            </a:r>
+            <a:endParaRPr lang="en-IN" dirty="0"/>
+          </a:p>
+        </p:txBody>
+      </p:sp>
+      <p:sp>
+        <p:nvSpPr>
+          <p:cNvPr id="3" name="Content Placeholder 2"/>
+          <p:cNvSpPr>
+            <a:spLocks noGrp="1"/>
+          </p:cNvSpPr>
+          <p:nvPr>
+            <p:ph idx="1"/>
+          </p:nvPr>
+        </p:nvSpPr>
+        <p:spPr>
+          <a:xfrm>
+            <a:off x="1097280" y="1845733"/>
+            <a:ext cx="10789920" cy="4477793"/>
+          </a:xfrm>
+        </p:spPr>
+        <p:txBody>
+          <a:bodyPr>
+            <a:normAutofit fontScale="85000" lnSpcReduction="20000"/>
+          </a:bodyPr>
+          <a:lstStyle/>
+          <a:p>
+            <a:r>
+              <a:rPr lang="en-IN" dirty="0" smtClean="0"/>
+              <a:t>Since most RPs are required to load the design configurations at start-up, security concern arises</a:t>
+            </a:r>
+          </a:p>
+          <a:p>
+            <a:r>
+              <a:rPr lang="en-IN" dirty="0" smtClean="0"/>
+              <a:t>Steep learning curve w.r.t software development</a:t>
+            </a:r>
+          </a:p>
+          <a:p>
+            <a:r>
+              <a:rPr lang="en-IN" dirty="0" smtClean="0"/>
+              <a:t>Circuit size that can be implemented with the present day RF is limited and only high end FPGAs support very large circuits</a:t>
+            </a:r>
+          </a:p>
+          <a:p>
+            <a:r>
+              <a:rPr lang="en-IN" dirty="0" smtClean="0"/>
+              <a:t>Timing issues can arise esp. during dynamic reconfigurations</a:t>
+            </a:r>
+          </a:p>
+          <a:p>
+            <a:r>
+              <a:rPr lang="en-IN" dirty="0" smtClean="0"/>
+              <a:t>Development Tools are still under developmental stages</a:t>
+            </a:r>
+          </a:p>
+          <a:p>
+            <a:endParaRPr lang="en-IN" dirty="0"/>
+          </a:p>
+        </p:txBody>
+      </p:sp>
+    </p:spTree>
+    <p:extLst>
+      <p:ext uri="{BB962C8B-B14F-4D97-AF65-F5344CB8AC3E}">
+        <p14:creationId xmlns:p14="http://schemas.microsoft.com/office/powerpoint/2010/main" val="1849080405"/>
+      </p:ext>
+    </p:extLst>
+  </p:cSld>
+  <p:clrMapOvr>
+    <a:masterClrMapping/>
+  </p:clrMapOvr>
+  <p:timing>
+    <p:tnLst>
+      <p:par>
+        <p:cTn id="1" dur="indefinite" restart="never" nodeType="tmRoot"/>
+      </p:par>
+    </p:tnLst>
+  </p:timing>
+</p:sld>
+</file>
+
+<file path=ppt/slides/slide34.xml><?xml version="1.0" encoding="utf-8"?>
+<p:sld xmlns:a="http://schemas.openxmlformats.org/drawingml/2006/main" xmlns:r="http://schemas.openxmlformats.org/officeDocument/2006/relationships" xmlns:p="http://schemas.openxmlformats.org/presentationml/2006/main">
+  <p:cSld>
+    <p:spTree>
+      <p:nvGrpSpPr>
+        <p:cNvPr id="1" name=""/>
+        <p:cNvGrpSpPr/>
+        <p:nvPr/>
+      </p:nvGrpSpPr>
+      <p:grpSpPr>
+        <a:xfrm>
+          <a:off x="0" y="0"/>
+          <a:ext cx="0" cy="0"/>
+          <a:chOff x="0" y="0"/>
+          <a:chExt cx="0" cy="0"/>
+        </a:xfrm>
+      </p:grpSpPr>
+      <p:sp>
+        <p:nvSpPr>
+          <p:cNvPr id="2" name="Title 1"/>
+          <p:cNvSpPr>
+            <a:spLocks noGrp="1"/>
+          </p:cNvSpPr>
+          <p:nvPr>
+            <p:ph type="title" idx="4294967295"/>
+          </p:nvPr>
+        </p:nvSpPr>
+        <p:spPr>
+          <a:xfrm>
+            <a:off x="357680" y="-163530"/>
+            <a:ext cx="11641137" cy="1450975"/>
+          </a:xfrm>
+        </p:spPr>
+        <p:txBody>
+          <a:bodyPr>
+            <a:noAutofit/>
+          </a:bodyPr>
+          <a:lstStyle/>
+          <a:p>
+            <a:r>
+              <a:rPr lang="en-IN" sz="5800" dirty="0" smtClean="0">
+                <a:solidFill>
+                  <a:srgbClr val="00B0F0"/>
+                </a:solidFill>
+                <a:effectLst>
+                  <a:outerShdw blurRad="38100" dist="38100" dir="2700000" algn="tl">
+                    <a:srgbClr val="000000">
+                      <a:alpha val="43137"/>
+                    </a:srgbClr>
+                  </a:outerShdw>
+                </a:effectLst>
+              </a:rPr>
+              <a:t>Applications</a:t>
+            </a:r>
+            <a:endParaRPr lang="en-IN" sz="5800" dirty="0">
+              <a:solidFill>
+                <a:srgbClr val="00B0F0"/>
+              </a:solidFill>
+              <a:effectLst>
+                <a:outerShdw blurRad="38100" dist="38100" dir="2700000" algn="tl">
+                  <a:srgbClr val="000000">
+                    <a:alpha val="43137"/>
+                  </a:srgbClr>
+                </a:outerShdw>
+              </a:effectLst>
+            </a:endParaRPr>
+          </a:p>
+        </p:txBody>
+      </p:sp>
+      <p:pic>
+        <p:nvPicPr>
+          <p:cNvPr id="3076" name="Picture 4" descr="http://www.enterpoint.co.uk/wp-content/uploads/2012/03/MERRICK6_FRONT_ANGLED_2-1024x627.jpg"/>
+          <p:cNvPicPr>
+            <a:picLocks noChangeAspect="1" noChangeArrowheads="1"/>
+          </p:cNvPicPr>
+          <p:nvPr/>
+        </p:nvPicPr>
+        <p:blipFill>
+          <a:blip r:embed="rId2">
+            <a:extLst>
+              <a:ext uri="{28A0092B-C50C-407E-A947-70E740481C1C}">
+                <a14:useLocalDpi xmlns:a14="http://schemas.microsoft.com/office/drawing/2010/main" val="0"/>
+              </a:ext>
+            </a:extLst>
+          </a:blip>
+          <a:srcRect/>
+          <a:stretch>
+            <a:fillRect/>
+          </a:stretch>
+        </p:blipFill>
+        <p:spPr bwMode="auto">
+          <a:xfrm>
+            <a:off x="3979572" y="1287445"/>
+            <a:ext cx="8019245" cy="4910222"/>
+          </a:xfrm>
+          <a:prstGeom prst="rect">
+            <a:avLst/>
+          </a:prstGeom>
+          <a:noFill/>
+          <a:extLst>
+            <a:ext uri="{909E8E84-426E-40DD-AFC4-6F175D3DCCD1}">
+              <a14:hiddenFill xmlns:a14="http://schemas.microsoft.com/office/drawing/2010/main">
+                <a:solidFill>
+                  <a:srgbClr val="FFFFFF"/>
+                </a:solidFill>
+              </a14:hiddenFill>
+            </a:ext>
+          </a:extLst>
+        </p:spPr>
+      </p:pic>
+    </p:spTree>
+    <p:extLst>
+      <p:ext uri="{BB962C8B-B14F-4D97-AF65-F5344CB8AC3E}">
+        <p14:creationId xmlns:p14="http://schemas.microsoft.com/office/powerpoint/2010/main" val="32861902"/>
+      </p:ext>
+    </p:extLst>
+  </p:cSld>
+  <p:clrMapOvr>
+    <a:masterClrMapping/>
+  </p:clrMapOvr>
+  <p:timing>
+    <p:tnLst>
+      <p:par>
+        <p:cTn id="1" dur="indefinite" restart="never" nodeType="tmRoot"/>
+      </p:par>
+    </p:tnLst>
+  </p:timing>
+</p:sld>
+</file>
+
+<file path=ppt/slides/slide35.xml><?xml version="1.0" encoding="utf-8"?>
+<p:sld xmlns:a="http://schemas.openxmlformats.org/drawingml/2006/main" xmlns:r="http://schemas.openxmlformats.org/officeDocument/2006/relationships" xmlns:p="http://schemas.openxmlformats.org/presentationml/2006/main">
+  <p:cSld>
+    <p:spTree>
+      <p:nvGrpSpPr>
+        <p:cNvPr id="1" name=""/>
+        <p:cNvGrpSpPr/>
+        <p:nvPr/>
+      </p:nvGrpSpPr>
+      <p:grpSpPr>
+        <a:xfrm>
+          <a:off x="0" y="0"/>
+          <a:ext cx="0" cy="0"/>
+          <a:chOff x="0" y="0"/>
+          <a:chExt cx="0" cy="0"/>
+        </a:xfrm>
+      </p:grpSpPr>
+      <p:sp>
+        <p:nvSpPr>
+          <p:cNvPr id="2" name="Title 1"/>
+          <p:cNvSpPr>
+            <a:spLocks noGrp="1"/>
+          </p:cNvSpPr>
+          <p:nvPr>
+            <p:ph type="title"/>
+          </p:nvPr>
+        </p:nvSpPr>
+        <p:spPr/>
+        <p:txBody>
+          <a:bodyPr/>
+          <a:lstStyle/>
+          <a:p>
+            <a:r>
+              <a:rPr lang="en-IN" dirty="0" smtClean="0"/>
+              <a:t>Application</a:t>
+            </a:r>
+            <a:endParaRPr lang="en-IN" dirty="0"/>
+          </a:p>
+        </p:txBody>
+      </p:sp>
+      <p:sp>
+        <p:nvSpPr>
+          <p:cNvPr id="3" name="Content Placeholder 2"/>
+          <p:cNvSpPr>
+            <a:spLocks noGrp="1"/>
+          </p:cNvSpPr>
+          <p:nvPr>
+            <p:ph idx="1"/>
+          </p:nvPr>
+        </p:nvSpPr>
+        <p:spPr>
+          <a:xfrm>
+            <a:off x="1097280" y="1845733"/>
+            <a:ext cx="10558100" cy="4542188"/>
+          </a:xfrm>
+        </p:spPr>
+        <p:txBody>
+          <a:bodyPr>
+            <a:normAutofit fontScale="92500" lnSpcReduction="20000"/>
+          </a:bodyPr>
+          <a:lstStyle/>
+          <a:p>
+            <a:r>
+              <a:rPr lang="en-IN" dirty="0" smtClean="0"/>
+              <a:t>Very fast and high encryption and decryption throughput</a:t>
+            </a:r>
+          </a:p>
+          <a:p>
+            <a:r>
+              <a:rPr lang="en-IN" dirty="0" smtClean="0"/>
+              <a:t>An e.g.: In elliptical curve cryptography with a key size of 270 bits an optimised dual-</a:t>
+            </a:r>
+            <a:r>
+              <a:rPr lang="en-IN" dirty="0" err="1" smtClean="0"/>
+              <a:t>xeon</a:t>
+            </a:r>
+            <a:r>
+              <a:rPr lang="en-IN" dirty="0" smtClean="0"/>
+              <a:t> computer at 2.6 GHz takes 196.71ms</a:t>
+            </a:r>
+          </a:p>
+          <a:p>
+            <a:r>
+              <a:rPr lang="en-IN" dirty="0" smtClean="0"/>
+              <a:t>The same operation is carried out on a Xilinx XC2V6000 FPGA running at 66MHz is completed in 0.36ms </a:t>
+            </a:r>
+          </a:p>
+          <a:p>
+            <a:r>
+              <a:rPr lang="en-IN" dirty="0" smtClean="0"/>
+              <a:t>This means the RP computes 540 times faster than the GPP while running at a 40 times slower clock speed</a:t>
+            </a:r>
+            <a:endParaRPr lang="en-IN" dirty="0"/>
+          </a:p>
+        </p:txBody>
+      </p:sp>
+    </p:spTree>
+    <p:extLst>
+      <p:ext uri="{BB962C8B-B14F-4D97-AF65-F5344CB8AC3E}">
+        <p14:creationId xmlns:p14="http://schemas.microsoft.com/office/powerpoint/2010/main" val="282695891"/>
+      </p:ext>
+    </p:extLst>
+  </p:cSld>
+  <p:clrMapOvr>
+    <a:masterClrMapping/>
+  </p:clrMapOvr>
+  <p:timing>
+    <p:tnLst>
+      <p:par>
+        <p:cTn id="1" dur="indefinite" restart="never" nodeType="tmRoot"/>
+      </p:par>
+    </p:tnLst>
+  </p:timing>
+</p:sld>
+</file>
+
+<file path=ppt/slides/slide36.xml><?xml version="1.0" encoding="utf-8"?>
+<p:sld xmlns:a="http://schemas.openxmlformats.org/drawingml/2006/main" xmlns:r="http://schemas.openxmlformats.org/officeDocument/2006/relationships" xmlns:p="http://schemas.openxmlformats.org/presentationml/2006/main">
+  <p:cSld>
+    <p:spTree>
+      <p:nvGrpSpPr>
+        <p:cNvPr id="1" name=""/>
+        <p:cNvGrpSpPr/>
+        <p:nvPr/>
+      </p:nvGrpSpPr>
+      <p:grpSpPr>
+        <a:xfrm>
+          <a:off x="0" y="0"/>
+          <a:ext cx="0" cy="0"/>
+          <a:chOff x="0" y="0"/>
+          <a:chExt cx="0" cy="0"/>
+        </a:xfrm>
+      </p:grpSpPr>
+      <p:sp>
+        <p:nvSpPr>
+          <p:cNvPr id="2" name="Title 1"/>
+          <p:cNvSpPr>
+            <a:spLocks noGrp="1"/>
+          </p:cNvSpPr>
+          <p:nvPr>
+            <p:ph type="title"/>
+          </p:nvPr>
+        </p:nvSpPr>
+        <p:spPr/>
+        <p:txBody>
+          <a:bodyPr/>
+          <a:lstStyle/>
+          <a:p>
+            <a:r>
+              <a:rPr lang="en-IN" dirty="0" smtClean="0"/>
+              <a:t>Application (</a:t>
+            </a:r>
+            <a:r>
+              <a:rPr lang="en-IN" dirty="0" err="1" smtClean="0"/>
+              <a:t>contd</a:t>
+            </a:r>
+            <a:r>
+              <a:rPr lang="en-IN" dirty="0" smtClean="0"/>
+              <a:t> …)</a:t>
+            </a:r>
+            <a:endParaRPr lang="en-IN" dirty="0"/>
+          </a:p>
+        </p:txBody>
+      </p:sp>
+      <p:sp>
+        <p:nvSpPr>
+          <p:cNvPr id="3" name="Content Placeholder 2"/>
+          <p:cNvSpPr>
+            <a:spLocks noGrp="1"/>
+          </p:cNvSpPr>
+          <p:nvPr>
+            <p:ph idx="1"/>
+          </p:nvPr>
+        </p:nvSpPr>
+        <p:spPr>
+          <a:xfrm>
+            <a:off x="1097279" y="1845733"/>
+            <a:ext cx="10596737" cy="4426277"/>
+          </a:xfrm>
+        </p:spPr>
+        <p:txBody>
+          <a:bodyPr>
+            <a:normAutofit/>
+          </a:bodyPr>
+          <a:lstStyle/>
+          <a:p>
+            <a:r>
+              <a:rPr lang="en-IN" dirty="0" smtClean="0"/>
+              <a:t>Very fast audio and video processing, encoding and decoding – Modern 4K and 3D TVs are using RPs to achieve very high resolution video processing</a:t>
+            </a:r>
+            <a:r>
+              <a:rPr lang="en-IN" dirty="0"/>
+              <a:t> </a:t>
+            </a:r>
+            <a:r>
+              <a:rPr lang="en-IN" dirty="0" smtClean="0"/>
+              <a:t>and 3D rendering</a:t>
+            </a:r>
+          </a:p>
+          <a:p>
+            <a:r>
+              <a:rPr lang="en-IN" dirty="0" smtClean="0"/>
+              <a:t>Networking – RPs can facilitate very high packet processing capabilities and are used in routers, bridges and switches</a:t>
+            </a:r>
+          </a:p>
+        </p:txBody>
+      </p:sp>
+    </p:spTree>
+    <p:extLst>
+      <p:ext uri="{BB962C8B-B14F-4D97-AF65-F5344CB8AC3E}">
+        <p14:creationId xmlns:p14="http://schemas.microsoft.com/office/powerpoint/2010/main" val="3803610072"/>
+      </p:ext>
+    </p:extLst>
+  </p:cSld>
+  <p:clrMapOvr>
+    <a:masterClrMapping/>
+  </p:clrMapOvr>
+  <p:timing>
+    <p:tnLst>
+      <p:par>
+        <p:cTn id="1" dur="indefinite" restart="never" nodeType="tmRoot"/>
+      </p:par>
+    </p:tnLst>
+  </p:timing>
+</p:sld>
+</file>
+
+<file path=ppt/slides/slide37.xml><?xml version="1.0" encoding="utf-8"?>
+<p:sld xmlns:a="http://schemas.openxmlformats.org/drawingml/2006/main" xmlns:r="http://schemas.openxmlformats.org/officeDocument/2006/relationships" xmlns:p="http://schemas.openxmlformats.org/presentationml/2006/main">
+  <p:cSld>
+    <p:spTree>
+      <p:nvGrpSpPr>
+        <p:cNvPr id="1" name=""/>
+        <p:cNvGrpSpPr/>
+        <p:nvPr/>
+      </p:nvGrpSpPr>
+      <p:grpSpPr>
+        <a:xfrm>
+          <a:off x="0" y="0"/>
+          <a:ext cx="0" cy="0"/>
+          <a:chOff x="0" y="0"/>
+          <a:chExt cx="0" cy="0"/>
+        </a:xfrm>
+      </p:grpSpPr>
+      <p:sp>
+        <p:nvSpPr>
+          <p:cNvPr id="2" name="Title 1"/>
+          <p:cNvSpPr>
+            <a:spLocks noGrp="1"/>
+          </p:cNvSpPr>
+          <p:nvPr>
+            <p:ph type="title"/>
+          </p:nvPr>
+        </p:nvSpPr>
+        <p:spPr/>
+        <p:txBody>
+          <a:bodyPr/>
+          <a:lstStyle/>
+          <a:p>
+            <a:r>
+              <a:rPr lang="en-IN" dirty="0"/>
+              <a:t>Application (</a:t>
+            </a:r>
+            <a:r>
+              <a:rPr lang="en-IN" dirty="0" err="1"/>
+              <a:t>contd</a:t>
+            </a:r>
+            <a:r>
+              <a:rPr lang="en-IN" dirty="0"/>
+              <a:t> …)</a:t>
+            </a:r>
+          </a:p>
+        </p:txBody>
+      </p:sp>
+      <p:sp>
+        <p:nvSpPr>
+          <p:cNvPr id="3" name="Content Placeholder 2"/>
+          <p:cNvSpPr>
+            <a:spLocks noGrp="1"/>
+          </p:cNvSpPr>
+          <p:nvPr>
+            <p:ph idx="1"/>
+          </p:nvPr>
+        </p:nvSpPr>
+        <p:spPr/>
+        <p:txBody>
+          <a:bodyPr/>
+          <a:lstStyle/>
+          <a:p>
+            <a:r>
+              <a:rPr lang="en-IN" dirty="0" smtClean="0"/>
+              <a:t>Numeric and scientific computing – RPs can be used for DNA analysis and protein synthesis</a:t>
+            </a:r>
+          </a:p>
+          <a:p>
+            <a:r>
+              <a:rPr lang="en-IN" dirty="0" smtClean="0"/>
+              <a:t>Pattern matching – RPs can be used for pattern recognition that can be useful for market analysis</a:t>
+            </a:r>
+          </a:p>
+          <a:p>
+            <a:pPr marL="0" indent="0">
+              <a:buNone/>
+            </a:pPr>
+            <a:endParaRPr lang="en-IN" dirty="0"/>
+          </a:p>
+        </p:txBody>
+      </p:sp>
+    </p:spTree>
+    <p:extLst>
+      <p:ext uri="{BB962C8B-B14F-4D97-AF65-F5344CB8AC3E}">
+        <p14:creationId xmlns:p14="http://schemas.microsoft.com/office/powerpoint/2010/main" val="1408261783"/>
+      </p:ext>
+    </p:extLst>
+  </p:cSld>
+  <p:clrMapOvr>
+    <a:masterClrMapping/>
+  </p:clrMapOvr>
+  <p:timing>
+    <p:tnLst>
+      <p:par>
+        <p:cTn id="1" dur="indefinite" restart="never" nodeType="tmRoot"/>
+      </p:par>
+    </p:tnLst>
+  </p:timing>
+</p:sld>
+</file>
+
+<file path=ppt/slides/slide38.xml><?xml version="1.0" encoding="utf-8"?>
+<p:sld xmlns:a="http://schemas.openxmlformats.org/drawingml/2006/main" xmlns:r="http://schemas.openxmlformats.org/officeDocument/2006/relationships" xmlns:p="http://schemas.openxmlformats.org/presentationml/2006/main">
+  <p:cSld>
+    <p:spTree>
+      <p:nvGrpSpPr>
+        <p:cNvPr id="1" name=""/>
+        <p:cNvGrpSpPr/>
+        <p:nvPr/>
+      </p:nvGrpSpPr>
+      <p:grpSpPr>
+        <a:xfrm>
+          <a:off x="0" y="0"/>
+          <a:ext cx="0" cy="0"/>
+          <a:chOff x="0" y="0"/>
+          <a:chExt cx="0" cy="0"/>
+        </a:xfrm>
+      </p:grpSpPr>
+      <p:sp>
+        <p:nvSpPr>
+          <p:cNvPr id="2" name="Title 1"/>
+          <p:cNvSpPr>
+            <a:spLocks noGrp="1"/>
+          </p:cNvSpPr>
+          <p:nvPr>
+            <p:ph type="title"/>
+          </p:nvPr>
+        </p:nvSpPr>
+        <p:spPr/>
+        <p:txBody>
+          <a:bodyPr/>
+          <a:lstStyle/>
+          <a:p>
+            <a:r>
+              <a:rPr lang="en-IN" dirty="0" smtClean="0"/>
+              <a:t>Conclusion</a:t>
+            </a:r>
+            <a:endParaRPr lang="en-IN" dirty="0"/>
+          </a:p>
+        </p:txBody>
+      </p:sp>
+      <p:sp>
+        <p:nvSpPr>
+          <p:cNvPr id="3" name="Content Placeholder 2"/>
+          <p:cNvSpPr>
+            <a:spLocks noGrp="1"/>
+          </p:cNvSpPr>
+          <p:nvPr>
+            <p:ph idx="1"/>
+          </p:nvPr>
+        </p:nvSpPr>
+        <p:spPr>
+          <a:xfrm>
+            <a:off x="1097279" y="1845733"/>
+            <a:ext cx="10570979" cy="4426277"/>
+          </a:xfrm>
+        </p:spPr>
+        <p:txBody>
+          <a:bodyPr>
+            <a:normAutofit fontScale="92500" lnSpcReduction="20000"/>
+          </a:bodyPr>
+          <a:lstStyle/>
+          <a:p>
+            <a:r>
+              <a:rPr lang="en-IN" dirty="0" smtClean="0"/>
+              <a:t>By using RPs, the total efficiency and speed of systems can be increased drastically</a:t>
+            </a:r>
+          </a:p>
+          <a:p>
+            <a:r>
+              <a:rPr lang="en-IN" dirty="0" smtClean="0"/>
+              <a:t>In future more of RPs will be replacing GPPs in various areas of applications</a:t>
+            </a:r>
+          </a:p>
+          <a:p>
+            <a:r>
+              <a:rPr lang="en-IN" dirty="0" smtClean="0"/>
+              <a:t>The pivoting step for development of RPs will be the advancement in development tools required for programming the RPs</a:t>
+            </a:r>
+            <a:endParaRPr lang="en-IN" dirty="0"/>
+          </a:p>
+        </p:txBody>
+      </p:sp>
+    </p:spTree>
+    <p:extLst>
+      <p:ext uri="{BB962C8B-B14F-4D97-AF65-F5344CB8AC3E}">
+        <p14:creationId xmlns:p14="http://schemas.microsoft.com/office/powerpoint/2010/main" val="3205258619"/>
+      </p:ext>
+    </p:extLst>
+  </p:cSld>
+  <p:clrMapOvr>
+    <a:masterClrMapping/>
+  </p:clrMapOvr>
+</p:sld>
+</file>
+
+<file path=ppt/slides/slide39.xml><?xml version="1.0" encoding="utf-8"?>
+<p:sld xmlns:a="http://schemas.openxmlformats.org/drawingml/2006/main" xmlns:r="http://schemas.openxmlformats.org/officeDocument/2006/relationships" xmlns:p="http://schemas.openxmlformats.org/presentationml/2006/main">
+  <p:cSld>
+    <p:spTree>
+      <p:nvGrpSpPr>
+        <p:cNvPr id="1" name=""/>
+        <p:cNvGrpSpPr/>
+        <p:nvPr/>
+      </p:nvGrpSpPr>
+      <p:grpSpPr>
+        <a:xfrm>
+          <a:off x="0" y="0"/>
+          <a:ext cx="0" cy="0"/>
+          <a:chOff x="0" y="0"/>
+          <a:chExt cx="0" cy="0"/>
+        </a:xfrm>
+      </p:grpSpPr>
+      <p:sp>
+        <p:nvSpPr>
+          <p:cNvPr id="2" name="Title 1"/>
+          <p:cNvSpPr>
+            <a:spLocks noGrp="1"/>
+          </p:cNvSpPr>
+          <p:nvPr>
+            <p:ph type="title"/>
+          </p:nvPr>
+        </p:nvSpPr>
+        <p:spPr/>
+        <p:txBody>
+          <a:bodyPr/>
+          <a:lstStyle/>
+          <a:p>
+            <a:endParaRPr lang="en-IN"/>
+          </a:p>
+        </p:txBody>
+      </p:sp>
+      <p:sp>
+        <p:nvSpPr>
+          <p:cNvPr id="3" name="Content Placeholder 2"/>
+          <p:cNvSpPr>
+            <a:spLocks noGrp="1"/>
+          </p:cNvSpPr>
+          <p:nvPr>
+            <p:ph idx="1"/>
+          </p:nvPr>
+        </p:nvSpPr>
+        <p:spPr/>
+        <p:txBody>
+          <a:bodyPr/>
+          <a:lstStyle/>
+          <a:p>
+            <a:endParaRPr lang="en-IN"/>
+          </a:p>
+        </p:txBody>
+      </p:sp>
+    </p:spTree>
+    <p:extLst>
+      <p:ext uri="{BB962C8B-B14F-4D97-AF65-F5344CB8AC3E}">
+        <p14:creationId xmlns:p14="http://schemas.microsoft.com/office/powerpoint/2010/main" val="903157092"/>
+      </p:ext>
+    </p:extLst>
+  </p:cSld>
+  <p:clrMapOvr>
+    <a:masterClrMapping/>
+  </p:clrMapOvr>
+</p:sld>
+</file>
+
 <file path=ppt/slides/slide4.xml><?xml version="1.0" encoding="utf-8"?>
 <p:sld xmlns:a="http://schemas.openxmlformats.org/drawingml/2006/main" xmlns:r="http://schemas.openxmlformats.org/officeDocument/2006/relationships" xmlns:p="http://schemas.openxmlformats.org/presentationml/2006/main">
   <p:cSld>
@@ -6867,13 +8415,13 @@
         </p:nvSpPr>
         <p:spPr>
           <a:xfrm>
-            <a:off x="1097280" y="2270737"/>
-            <a:ext cx="10058400" cy="4023360"/>
+            <a:off x="1097279" y="2270737"/>
+            <a:ext cx="10674771" cy="4023360"/>
           </a:xfrm>
         </p:spPr>
         <p:txBody>
           <a:bodyPr>
-            <a:normAutofit fontScale="85000" lnSpcReduction="10000"/>
+            <a:normAutofit fontScale="92500" lnSpcReduction="20000"/>
           </a:bodyPr>
           <a:lstStyle/>
           <a:p>
@@ -6913,8 +8461,6 @@
           <a:p>
             <a:pPr>
               <a:buSzPct val="120000"/>
-              <a:buFont typeface="Arial" panose="020B0604020202020204" pitchFamily="34" charset="0"/>
-              <a:buChar char="•"/>
             </a:pPr>
             <a:r>
               <a:rPr lang="en-US" sz="3000" dirty="0" smtClean="0">
@@ -6931,7 +8477,28 @@
                 <a:latin typeface="Arial" panose="020B0604020202020204" pitchFamily="34" charset="0"/>
                 <a:cs typeface="Arial" panose="020B0604020202020204" pitchFamily="34" charset="0"/>
               </a:rPr>
-              <a:t> – An electronic circuitry that carries out the</a:t>
+              <a:t> – An </a:t>
+            </a:r>
+            <a:r>
+              <a:rPr lang="en-US" sz="3000" dirty="0" smtClean="0">
+                <a:latin typeface="Arial" panose="020B0604020202020204" pitchFamily="34" charset="0"/>
+                <a:cs typeface="Arial" panose="020B0604020202020204" pitchFamily="34" charset="0"/>
+              </a:rPr>
+              <a:t>electronic (logic) </a:t>
+            </a:r>
+            <a:r>
+              <a:rPr lang="en-US" sz="3000" dirty="0" smtClean="0">
+                <a:latin typeface="Arial" panose="020B0604020202020204" pitchFamily="34" charset="0"/>
+                <a:cs typeface="Arial" panose="020B0604020202020204" pitchFamily="34" charset="0"/>
+              </a:rPr>
+              <a:t>circuitry </a:t>
+            </a:r>
+            <a:r>
+              <a:rPr lang="en-US" sz="3000" dirty="0" smtClean="0">
+                <a:latin typeface="Arial" panose="020B0604020202020204" pitchFamily="34" charset="0"/>
+                <a:cs typeface="Arial" panose="020B0604020202020204" pitchFamily="34" charset="0"/>
+              </a:rPr>
+              <a:t>that</a:t>
             </a:r>
             <a:br>
               <a:rPr lang="en-US" sz="3000" dirty="0" smtClean="0">
@@ -6944,7 +8511,21 @@
                 <a:latin typeface="Arial" panose="020B0604020202020204" pitchFamily="34" charset="0"/>
                 <a:cs typeface="Arial" panose="020B0604020202020204" pitchFamily="34" charset="0"/>
               </a:rPr>
-              <a:t> instructions of a computer program by performing the </a:t>
+              <a:t>carries </a:t>
+            </a:r>
+            <a:r>
+              <a:rPr lang="en-US" sz="3000" dirty="0" smtClean="0">
+                <a:latin typeface="Arial" panose="020B0604020202020204" pitchFamily="34" charset="0"/>
+                <a:cs typeface="Arial" panose="020B0604020202020204" pitchFamily="34" charset="0"/>
+              </a:rPr>
+              <a:t>out </a:t>
+            </a:r>
+            <a:r>
+              <a:rPr lang="en-US" sz="3000" dirty="0" smtClean="0">
+                <a:latin typeface="Arial" panose="020B0604020202020204" pitchFamily="34" charset="0"/>
+                <a:cs typeface="Arial" panose="020B0604020202020204" pitchFamily="34" charset="0"/>
+              </a:rPr>
+              <a:t>the basic functions like basic arithmetic,</a:t>
             </a:r>
             <a:br>
               <a:rPr lang="en-US" sz="3000" dirty="0" smtClean="0">
@@ -6957,20 +8538,18 @@
                 <a:latin typeface="Arial" panose="020B0604020202020204" pitchFamily="34" charset="0"/>
                 <a:cs typeface="Arial" panose="020B0604020202020204" pitchFamily="34" charset="0"/>
               </a:rPr>
-              <a:t> basic arithmetic, logical, control and input/output </a:t>
+              <a:t>logical, control or input/output tha</a:t>
+            </a:r>
+            <a:r>
+              <a:rPr lang="en-US" dirty="0" smtClean="0"/>
+              <a:t>t in turn drives a</a:t>
             </a:r>
             <a:br>
-              <a:rPr lang="en-US" sz="3000" dirty="0" smtClean="0">
-                <a:latin typeface="Arial" panose="020B0604020202020204" pitchFamily="34" charset="0"/>
-                <a:cs typeface="Arial" panose="020B0604020202020204" pitchFamily="34" charset="0"/>
-              </a:rPr>
+              <a:rPr lang="en-US" dirty="0" smtClean="0"/>
             </a:br>
             <a:r>
-              <a:rPr lang="en-US" sz="3000" dirty="0" smtClean="0">
-                <a:latin typeface="Arial" panose="020B0604020202020204" pitchFamily="34" charset="0"/>
-                <a:cs typeface="Arial" panose="020B0604020202020204" pitchFamily="34" charset="0"/>
-              </a:rPr>
-              <a:t> operations</a:t>
+              <a:rPr lang="en-US" dirty="0" smtClean="0"/>
+              <a:t>system</a:t>
             </a:r>
             <a:endParaRPr lang="en-IN" sz="3000" dirty="0" smtClean="0">
               <a:latin typeface="Arial" panose="020B0604020202020204" pitchFamily="34" charset="0"/>
@@ -7000,6 +8579,10 @@
               </a:rPr>
               <a:t> – The general term to describe a physical structure</a:t>
             </a:r>
+            <a:endParaRPr lang="en-US" sz="3000" dirty="0" smtClean="0">
+              <a:latin typeface="Arial" panose="020B0604020202020204" pitchFamily="34" charset="0"/>
+              <a:cs typeface="Arial" panose="020B0604020202020204" pitchFamily="34" charset="0"/>
+            </a:endParaRPr>
           </a:p>
         </p:txBody>
       </p:sp>
@@ -7914,32 +9497,14 @@
           <a:p>
             <a:r>
               <a:rPr lang="en-IN" dirty="0" smtClean="0"/>
-              <a:t>These come in between ASICs and </a:t>
-            </a:r>
-            <a:r>
-              <a:rPr lang="en-IN" dirty="0" smtClean="0"/>
-              <a:t>GPPs</a:t>
-            </a:r>
-            <a:endParaRPr lang="en-IN" dirty="0" smtClean="0"/>
-          </a:p>
-          <a:p>
-            <a:r>
-              <a:rPr lang="en-IN" dirty="0" smtClean="0"/>
-              <a:t>They combine the flexibility of </a:t>
-            </a:r>
-            <a:r>
-              <a:rPr lang="en-IN" dirty="0" smtClean="0"/>
-              <a:t>GPP </a:t>
-            </a:r>
-            <a:r>
-              <a:rPr lang="en-IN" dirty="0" smtClean="0"/>
-              <a:t>and the performance of </a:t>
-            </a:r>
-            <a:r>
-              <a:rPr lang="en-IN" dirty="0" smtClean="0"/>
-              <a:t>ASIC</a:t>
-            </a:r>
-            <a:endParaRPr lang="en-IN" dirty="0" smtClean="0"/>
+              <a:t>These come in between ASICs and GPPs</a:t>
+            </a:r>
+          </a:p>
+          <a:p>
+            <a:r>
+              <a:rPr lang="en-IN" dirty="0" smtClean="0"/>
+              <a:t>They combine the flexibility of GPP and the performance of ASIC</a:t>
+            </a:r>
           </a:p>
           <a:p>
             <a:pPr marL="0" indent="0">
@@ -7947,11 +9512,7 @@
             </a:pPr>
             <a:r>
               <a:rPr lang="en-IN" dirty="0" smtClean="0"/>
-              <a:t>E.g. of RPs: FPGA, Chameleon </a:t>
-            </a:r>
-            <a:r>
-              <a:rPr lang="en-IN" dirty="0" smtClean="0"/>
-              <a:t>Processor,</a:t>
+              <a:t>E.g. of RPs: FPGA, Chameleon Processor,</a:t>
             </a:r>
             <a:br>
               <a:rPr lang="en-IN" dirty="0" smtClean="0"/>
@@ -8071,14 +9632,7 @@
                 <a:latin typeface="Times New Roman" panose="02020603050405020304" pitchFamily="18" charset="0"/>
                 <a:cs typeface="Times New Roman" panose="02020603050405020304" pitchFamily="18" charset="0"/>
               </a:rPr>
-              <a:t>What are </a:t>
-            </a:r>
-            <a:r>
-              <a:rPr lang="en-IN" dirty="0" smtClean="0">
-                <a:latin typeface="Times New Roman" panose="02020603050405020304" pitchFamily="18" charset="0"/>
-                <a:cs typeface="Times New Roman" panose="02020603050405020304" pitchFamily="18" charset="0"/>
-              </a:rPr>
-              <a:t>Reconfigurable Processors ?</a:t>
+              <a:t>What are Reconfigurable Processors ?</a:t>
             </a:r>
             <a:endParaRPr lang="en-IN" dirty="0">
               <a:latin typeface="Times New Roman" panose="02020603050405020304" pitchFamily="18" charset="0"/>
@@ -8150,27 +9704,7 @@
             </a:r>
             <a:r>
               <a:rPr lang="en-IN" dirty="0" smtClean="0"/>
-              <a:t>universality </a:t>
-            </a:r>
-            <a:r>
-              <a:rPr lang="en-IN" dirty="0" smtClean="0"/>
-              <a:t>of </a:t>
-            </a:r>
-            <a:r>
-              <a:rPr lang="en-IN" dirty="0" smtClean="0"/>
-              <a:t>general purpose </a:t>
-            </a:r>
-            <a:r>
-              <a:rPr lang="en-IN" dirty="0" smtClean="0"/>
-              <a:t>processors </a:t>
-            </a:r>
-            <a:r>
-              <a:rPr lang="en-IN" dirty="0" smtClean="0"/>
-              <a:t>(GPP) </a:t>
-            </a:r>
-            <a:r>
-              <a:rPr lang="en-IN" dirty="0" smtClean="0"/>
-              <a:t>by </a:t>
+              <a:t>universality of general purpose processors (GPP) by </a:t>
             </a:r>
             <a:r>
               <a:rPr lang="en-IN" dirty="0"/>
@@ -8178,15 +9712,7 @@
             </a:r>
             <a:r>
               <a:rPr lang="en-IN" dirty="0" smtClean="0"/>
-              <a:t>of </a:t>
-            </a:r>
-            <a:r>
-              <a:rPr lang="en-IN" dirty="0" smtClean="0"/>
-              <a:t>adaptability </a:t>
-            </a:r>
-            <a:r>
-              <a:rPr lang="en-IN" dirty="0" smtClean="0"/>
-              <a:t>to </a:t>
+              <a:t>of adaptability to </a:t>
             </a:r>
             <a:r>
               <a:rPr lang="en-IN" dirty="0"/>
